--- a/docs/diagrams/ScheduleCommandSequenceDiagram.pptx
+++ b/docs/diagrams/ScheduleCommandSequenceDiagram.pptx
@@ -4,9 +4,6 @@
   <p:sldMasterIdLst>
     <p:sldMasterId id="2147483648" r:id="rId1"/>
   </p:sldMasterIdLst>
-  <p:notesMasterIdLst>
-    <p:notesMasterId r:id="rId3"/>
-  </p:notesMasterIdLst>
   <p:sldIdLst>
     <p:sldId id="256" r:id="rId2"/>
   </p:sldIdLst>
@@ -115,439 +112,6 @@
 </p:presentation>
 </file>
 
-<file path=ppt/notesMasters/notesMaster1.xml><?xml version="1.0" encoding="utf-8"?>
-<p:notesMaster xmlns:a="http://schemas.openxmlformats.org/drawingml/2006/main" xmlns:r="http://schemas.openxmlformats.org/officeDocument/2006/relationships" xmlns:p="http://schemas.openxmlformats.org/presentationml/2006/main">
-  <p:cSld>
-    <p:bg>
-      <p:bgRef idx="1001">
-        <a:schemeClr val="bg1"/>
-      </p:bgRef>
-    </p:bg>
-    <p:spTree>
-      <p:nvGrpSpPr>
-        <p:cNvPr id="1" name=""/>
-        <p:cNvGrpSpPr/>
-        <p:nvPr/>
-      </p:nvGrpSpPr>
-      <p:grpSpPr>
-        <a:xfrm>
-          <a:off x="0" y="0"/>
-          <a:ext cx="0" cy="0"/>
-          <a:chOff x="0" y="0"/>
-          <a:chExt cx="0" cy="0"/>
-        </a:xfrm>
-      </p:grpSpPr>
-      <p:sp>
-        <p:nvSpPr>
-          <p:cNvPr id="2" name="Header Placeholder 1"/>
-          <p:cNvSpPr>
-            <a:spLocks noGrp="1"/>
-          </p:cNvSpPr>
-          <p:nvPr>
-            <p:ph type="hdr" sz="quarter"/>
-          </p:nvPr>
-        </p:nvSpPr>
-        <p:spPr>
-          <a:xfrm>
-            <a:off x="0" y="0"/>
-            <a:ext cx="2971800" cy="458788"/>
-          </a:xfrm>
-          <a:prstGeom prst="rect">
-            <a:avLst/>
-          </a:prstGeom>
-        </p:spPr>
-        <p:txBody>
-          <a:bodyPr vert="horz" lIns="91440" tIns="45720" rIns="91440" bIns="45720" rtlCol="0"/>
-          <a:lstStyle>
-            <a:lvl1pPr algn="l">
-              <a:defRPr sz="1200"/>
-            </a:lvl1pPr>
-          </a:lstStyle>
-          <a:p>
-            <a:endParaRPr lang="en-US"/>
-          </a:p>
-        </p:txBody>
-      </p:sp>
-      <p:sp>
-        <p:nvSpPr>
-          <p:cNvPr id="3" name="Date Placeholder 2"/>
-          <p:cNvSpPr>
-            <a:spLocks noGrp="1"/>
-          </p:cNvSpPr>
-          <p:nvPr>
-            <p:ph type="dt" idx="1"/>
-          </p:nvPr>
-        </p:nvSpPr>
-        <p:spPr>
-          <a:xfrm>
-            <a:off x="3884613" y="0"/>
-            <a:ext cx="2971800" cy="458788"/>
-          </a:xfrm>
-          <a:prstGeom prst="rect">
-            <a:avLst/>
-          </a:prstGeom>
-        </p:spPr>
-        <p:txBody>
-          <a:bodyPr vert="horz" lIns="91440" tIns="45720" rIns="91440" bIns="45720" rtlCol="0"/>
-          <a:lstStyle>
-            <a:lvl1pPr algn="r">
-              <a:defRPr sz="1200"/>
-            </a:lvl1pPr>
-          </a:lstStyle>
-          <a:p>
-            <a:fld id="{FF0A7BF2-FC13-4267-9B41-FE6EFD877221}" type="datetimeFigureOut">
-              <a:rPr lang="en-US" smtClean="0"/>
-              <a:t>4/14/2018</a:t>
-            </a:fld>
-            <a:endParaRPr lang="en-US"/>
-          </a:p>
-        </p:txBody>
-      </p:sp>
-      <p:sp>
-        <p:nvSpPr>
-          <p:cNvPr id="4" name="Slide Image Placeholder 3"/>
-          <p:cNvSpPr>
-            <a:spLocks noGrp="1" noRot="1" noChangeAspect="1"/>
-          </p:cNvSpPr>
-          <p:nvPr>
-            <p:ph type="sldImg" idx="2"/>
-          </p:nvPr>
-        </p:nvSpPr>
-        <p:spPr>
-          <a:xfrm>
-            <a:off x="685800" y="1143000"/>
-            <a:ext cx="5486400" cy="3086100"/>
-          </a:xfrm>
-          <a:prstGeom prst="rect">
-            <a:avLst/>
-          </a:prstGeom>
-          <a:noFill/>
-          <a:ln w="12700">
-            <a:solidFill>
-              <a:prstClr val="black"/>
-            </a:solidFill>
-          </a:ln>
-        </p:spPr>
-        <p:txBody>
-          <a:bodyPr vert="horz" lIns="91440" tIns="45720" rIns="91440" bIns="45720" rtlCol="0" anchor="ctr"/>
-          <a:lstStyle/>
-          <a:p>
-            <a:endParaRPr lang="en-US"/>
-          </a:p>
-        </p:txBody>
-      </p:sp>
-      <p:sp>
-        <p:nvSpPr>
-          <p:cNvPr id="5" name="Notes Placeholder 4"/>
-          <p:cNvSpPr>
-            <a:spLocks noGrp="1"/>
-          </p:cNvSpPr>
-          <p:nvPr>
-            <p:ph type="body" sz="quarter" idx="3"/>
-          </p:nvPr>
-        </p:nvSpPr>
-        <p:spPr>
-          <a:xfrm>
-            <a:off x="685800" y="4400550"/>
-            <a:ext cx="5486400" cy="3600450"/>
-          </a:xfrm>
-          <a:prstGeom prst="rect">
-            <a:avLst/>
-          </a:prstGeom>
-        </p:spPr>
-        <p:txBody>
-          <a:bodyPr vert="horz" lIns="91440" tIns="45720" rIns="91440" bIns="45720" rtlCol="0"/>
-          <a:lstStyle/>
-          <a:p>
-            <a:pPr lvl="0"/>
-            <a:r>
-              <a:rPr lang="en-US"/>
-              <a:t>Edit Master text styles</a:t>
-            </a:r>
-          </a:p>
-          <a:p>
-            <a:pPr lvl="1"/>
-            <a:r>
-              <a:rPr lang="en-US"/>
-              <a:t>Second level</a:t>
-            </a:r>
-          </a:p>
-          <a:p>
-            <a:pPr lvl="2"/>
-            <a:r>
-              <a:rPr lang="en-US"/>
-              <a:t>Third level</a:t>
-            </a:r>
-          </a:p>
-          <a:p>
-            <a:pPr lvl="3"/>
-            <a:r>
-              <a:rPr lang="en-US"/>
-              <a:t>Fourth level</a:t>
-            </a:r>
-          </a:p>
-          <a:p>
-            <a:pPr lvl="4"/>
-            <a:r>
-              <a:rPr lang="en-US"/>
-              <a:t>Fifth level</a:t>
-            </a:r>
-          </a:p>
-        </p:txBody>
-      </p:sp>
-      <p:sp>
-        <p:nvSpPr>
-          <p:cNvPr id="6" name="Footer Placeholder 5"/>
-          <p:cNvSpPr>
-            <a:spLocks noGrp="1"/>
-          </p:cNvSpPr>
-          <p:nvPr>
-            <p:ph type="ftr" sz="quarter" idx="4"/>
-          </p:nvPr>
-        </p:nvSpPr>
-        <p:spPr>
-          <a:xfrm>
-            <a:off x="0" y="8685213"/>
-            <a:ext cx="2971800" cy="458787"/>
-          </a:xfrm>
-          <a:prstGeom prst="rect">
-            <a:avLst/>
-          </a:prstGeom>
-        </p:spPr>
-        <p:txBody>
-          <a:bodyPr vert="horz" lIns="91440" tIns="45720" rIns="91440" bIns="45720" rtlCol="0" anchor="b"/>
-          <a:lstStyle>
-            <a:lvl1pPr algn="l">
-              <a:defRPr sz="1200"/>
-            </a:lvl1pPr>
-          </a:lstStyle>
-          <a:p>
-            <a:endParaRPr lang="en-US"/>
-          </a:p>
-        </p:txBody>
-      </p:sp>
-      <p:sp>
-        <p:nvSpPr>
-          <p:cNvPr id="7" name="Slide Number Placeholder 6"/>
-          <p:cNvSpPr>
-            <a:spLocks noGrp="1"/>
-          </p:cNvSpPr>
-          <p:nvPr>
-            <p:ph type="sldNum" sz="quarter" idx="5"/>
-          </p:nvPr>
-        </p:nvSpPr>
-        <p:spPr>
-          <a:xfrm>
-            <a:off x="3884613" y="8685213"/>
-            <a:ext cx="2971800" cy="458787"/>
-          </a:xfrm>
-          <a:prstGeom prst="rect">
-            <a:avLst/>
-          </a:prstGeom>
-        </p:spPr>
-        <p:txBody>
-          <a:bodyPr vert="horz" lIns="91440" tIns="45720" rIns="91440" bIns="45720" rtlCol="0" anchor="b"/>
-          <a:lstStyle>
-            <a:lvl1pPr algn="r">
-              <a:defRPr sz="1200"/>
-            </a:lvl1pPr>
-          </a:lstStyle>
-          <a:p>
-            <a:fld id="{D334A26C-0801-4FA6-AE84-E8D2F7B0C5F5}" type="slidenum">
-              <a:rPr lang="en-US" smtClean="0"/>
-              <a:t>‹#›</a:t>
-            </a:fld>
-            <a:endParaRPr lang="en-US"/>
-          </a:p>
-        </p:txBody>
-      </p:sp>
-    </p:spTree>
-    <p:extLst>
-      <p:ext uri="{BB962C8B-B14F-4D97-AF65-F5344CB8AC3E}">
-        <p14:creationId xmlns:p14="http://schemas.microsoft.com/office/powerpoint/2010/main" val="2225854089"/>
-      </p:ext>
-    </p:extLst>
-  </p:cSld>
-  <p:clrMap bg1="lt1" tx1="dk1" bg2="lt2" tx2="dk2" accent1="accent1" accent2="accent2" accent3="accent3" accent4="accent4" accent5="accent5" accent6="accent6" hlink="hlink" folHlink="folHlink"/>
-  <p:notesStyle>
-    <a:lvl1pPr marL="0" algn="l" defTabSz="914400" rtl="0" eaLnBrk="1" latinLnBrk="0" hangingPunct="1">
-      <a:defRPr sz="1200" kern="1200">
-        <a:solidFill>
-          <a:schemeClr val="tx1"/>
-        </a:solidFill>
-        <a:latin typeface="+mn-lt"/>
-        <a:ea typeface="+mn-ea"/>
-        <a:cs typeface="+mn-cs"/>
-      </a:defRPr>
-    </a:lvl1pPr>
-    <a:lvl2pPr marL="457200" algn="l" defTabSz="914400" rtl="0" eaLnBrk="1" latinLnBrk="0" hangingPunct="1">
-      <a:defRPr sz="1200" kern="1200">
-        <a:solidFill>
-          <a:schemeClr val="tx1"/>
-        </a:solidFill>
-        <a:latin typeface="+mn-lt"/>
-        <a:ea typeface="+mn-ea"/>
-        <a:cs typeface="+mn-cs"/>
-      </a:defRPr>
-    </a:lvl2pPr>
-    <a:lvl3pPr marL="914400" algn="l" defTabSz="914400" rtl="0" eaLnBrk="1" latinLnBrk="0" hangingPunct="1">
-      <a:defRPr sz="1200" kern="1200">
-        <a:solidFill>
-          <a:schemeClr val="tx1"/>
-        </a:solidFill>
-        <a:latin typeface="+mn-lt"/>
-        <a:ea typeface="+mn-ea"/>
-        <a:cs typeface="+mn-cs"/>
-      </a:defRPr>
-    </a:lvl3pPr>
-    <a:lvl4pPr marL="1371600" algn="l" defTabSz="914400" rtl="0" eaLnBrk="1" latinLnBrk="0" hangingPunct="1">
-      <a:defRPr sz="1200" kern="1200">
-        <a:solidFill>
-          <a:schemeClr val="tx1"/>
-        </a:solidFill>
-        <a:latin typeface="+mn-lt"/>
-        <a:ea typeface="+mn-ea"/>
-        <a:cs typeface="+mn-cs"/>
-      </a:defRPr>
-    </a:lvl4pPr>
-    <a:lvl5pPr marL="1828800" algn="l" defTabSz="914400" rtl="0" eaLnBrk="1" latinLnBrk="0" hangingPunct="1">
-      <a:defRPr sz="1200" kern="1200">
-        <a:solidFill>
-          <a:schemeClr val="tx1"/>
-        </a:solidFill>
-        <a:latin typeface="+mn-lt"/>
-        <a:ea typeface="+mn-ea"/>
-        <a:cs typeface="+mn-cs"/>
-      </a:defRPr>
-    </a:lvl5pPr>
-    <a:lvl6pPr marL="2286000" algn="l" defTabSz="914400" rtl="0" eaLnBrk="1" latinLnBrk="0" hangingPunct="1">
-      <a:defRPr sz="1200" kern="1200">
-        <a:solidFill>
-          <a:schemeClr val="tx1"/>
-        </a:solidFill>
-        <a:latin typeface="+mn-lt"/>
-        <a:ea typeface="+mn-ea"/>
-        <a:cs typeface="+mn-cs"/>
-      </a:defRPr>
-    </a:lvl6pPr>
-    <a:lvl7pPr marL="2743200" algn="l" defTabSz="914400" rtl="0" eaLnBrk="1" latinLnBrk="0" hangingPunct="1">
-      <a:defRPr sz="1200" kern="1200">
-        <a:solidFill>
-          <a:schemeClr val="tx1"/>
-        </a:solidFill>
-        <a:latin typeface="+mn-lt"/>
-        <a:ea typeface="+mn-ea"/>
-        <a:cs typeface="+mn-cs"/>
-      </a:defRPr>
-    </a:lvl7pPr>
-    <a:lvl8pPr marL="3200400" algn="l" defTabSz="914400" rtl="0" eaLnBrk="1" latinLnBrk="0" hangingPunct="1">
-      <a:defRPr sz="1200" kern="1200">
-        <a:solidFill>
-          <a:schemeClr val="tx1"/>
-        </a:solidFill>
-        <a:latin typeface="+mn-lt"/>
-        <a:ea typeface="+mn-ea"/>
-        <a:cs typeface="+mn-cs"/>
-      </a:defRPr>
-    </a:lvl8pPr>
-    <a:lvl9pPr marL="3657600" algn="l" defTabSz="914400" rtl="0" eaLnBrk="1" latinLnBrk="0" hangingPunct="1">
-      <a:defRPr sz="1200" kern="1200">
-        <a:solidFill>
-          <a:schemeClr val="tx1"/>
-        </a:solidFill>
-        <a:latin typeface="+mn-lt"/>
-        <a:ea typeface="+mn-ea"/>
-        <a:cs typeface="+mn-cs"/>
-      </a:defRPr>
-    </a:lvl9pPr>
-  </p:notesStyle>
-</p:notesMaster>
-</file>
-
-<file path=ppt/notesSlides/notesSlide1.xml><?xml version="1.0" encoding="utf-8"?>
-<p:notes xmlns:a="http://schemas.openxmlformats.org/drawingml/2006/main" xmlns:r="http://schemas.openxmlformats.org/officeDocument/2006/relationships" xmlns:p="http://schemas.openxmlformats.org/presentationml/2006/main">
-  <p:cSld>
-    <p:spTree>
-      <p:nvGrpSpPr>
-        <p:cNvPr id="1" name=""/>
-        <p:cNvGrpSpPr/>
-        <p:nvPr/>
-      </p:nvGrpSpPr>
-      <p:grpSpPr>
-        <a:xfrm>
-          <a:off x="0" y="0"/>
-          <a:ext cx="0" cy="0"/>
-          <a:chOff x="0" y="0"/>
-          <a:chExt cx="0" cy="0"/>
-        </a:xfrm>
-      </p:grpSpPr>
-      <p:sp>
-        <p:nvSpPr>
-          <p:cNvPr id="2" name="Slide Image Placeholder 1"/>
-          <p:cNvSpPr>
-            <a:spLocks noGrp="1" noRot="1" noChangeAspect="1"/>
-          </p:cNvSpPr>
-          <p:nvPr>
-            <p:ph type="sldImg"/>
-          </p:nvPr>
-        </p:nvSpPr>
-        <p:spPr/>
-      </p:sp>
-      <p:sp>
-        <p:nvSpPr>
-          <p:cNvPr id="3" name="Notes Placeholder 2"/>
-          <p:cNvSpPr>
-            <a:spLocks noGrp="1"/>
-          </p:cNvSpPr>
-          <p:nvPr>
-            <p:ph type="body" idx="1"/>
-          </p:nvPr>
-        </p:nvSpPr>
-        <p:spPr/>
-        <p:txBody>
-          <a:bodyPr/>
-          <a:lstStyle/>
-          <a:p>
-            <a:endParaRPr lang="en-US" dirty="0"/>
-          </a:p>
-        </p:txBody>
-      </p:sp>
-      <p:sp>
-        <p:nvSpPr>
-          <p:cNvPr id="4" name="Slide Number Placeholder 3"/>
-          <p:cNvSpPr>
-            <a:spLocks noGrp="1"/>
-          </p:cNvSpPr>
-          <p:nvPr>
-            <p:ph type="sldNum" sz="quarter" idx="10"/>
-          </p:nvPr>
-        </p:nvSpPr>
-        <p:spPr/>
-        <p:txBody>
-          <a:bodyPr/>
-          <a:lstStyle/>
-          <a:p>
-            <a:fld id="{D334A26C-0801-4FA6-AE84-E8D2F7B0C5F5}" type="slidenum">
-              <a:rPr lang="en-US" smtClean="0"/>
-              <a:t>1</a:t>
-            </a:fld>
-            <a:endParaRPr lang="en-US"/>
-          </a:p>
-        </p:txBody>
-      </p:sp>
-    </p:spTree>
-    <p:extLst>
-      <p:ext uri="{BB962C8B-B14F-4D97-AF65-F5344CB8AC3E}">
-        <p14:creationId xmlns:p14="http://schemas.microsoft.com/office/powerpoint/2010/main" val="905406552"/>
-      </p:ext>
-    </p:extLst>
-  </p:cSld>
-  <p:clrMapOvr>
-    <a:masterClrMapping/>
-  </p:clrMapOvr>
-</p:notes>
-</file>
-
 <file path=ppt/slideLayouts/slideLayout1.xml><?xml version="1.0" encoding="utf-8"?>
 <p:sldLayout xmlns:a="http://schemas.openxmlformats.org/drawingml/2006/main" xmlns:r="http://schemas.openxmlformats.org/officeDocument/2006/relationships" xmlns:p="http://schemas.openxmlformats.org/presentationml/2006/main" type="title" preserve="1">
   <p:cSld name="Title Slide">
@@ -570,7 +134,7 @@
           <p:cNvPr id="2" name="Title 1">
             <a:extLst>
               <a:ext uri="{FF2B5EF4-FFF2-40B4-BE49-F238E27FC236}">
-                <a16:creationId xmlns:a16="http://schemas.microsoft.com/office/drawing/2014/main" id="{D2B047F6-81B7-424E-8A18-32F3464709C7}"/>
+                <a16:creationId xmlns:a16="http://schemas.microsoft.com/office/drawing/2014/main" id="{E272E035-43FA-40EE-9684-D807DA80AC64}"/>
               </a:ext>
             </a:extLst>
           </p:cNvPr>
@@ -599,6 +163,7 @@
               <a:rPr lang="en-US"/>
               <a:t>Click to edit Master title style</a:t>
             </a:r>
+            <a:endParaRPr lang="en-SG"/>
           </a:p>
         </p:txBody>
       </p:sp>
@@ -607,7 +172,7 @@
           <p:cNvPr id="3" name="Subtitle 2">
             <a:extLst>
               <a:ext uri="{FF2B5EF4-FFF2-40B4-BE49-F238E27FC236}">
-                <a16:creationId xmlns:a16="http://schemas.microsoft.com/office/drawing/2014/main" id="{BC214AA0-A0FE-40A8-BE2F-5D3FB3034CA4}"/>
+                <a16:creationId xmlns:a16="http://schemas.microsoft.com/office/drawing/2014/main" id="{E5262A5B-83A0-43C6-9D8D-621CF5D71C8F}"/>
               </a:ext>
             </a:extLst>
           </p:cNvPr>
@@ -669,6 +234,7 @@
               <a:rPr lang="en-US"/>
               <a:t>Click to edit Master subtitle style</a:t>
             </a:r>
+            <a:endParaRPr lang="en-SG"/>
           </a:p>
         </p:txBody>
       </p:sp>
@@ -677,7 +243,7 @@
           <p:cNvPr id="4" name="Date Placeholder 3">
             <a:extLst>
               <a:ext uri="{FF2B5EF4-FFF2-40B4-BE49-F238E27FC236}">
-                <a16:creationId xmlns:a16="http://schemas.microsoft.com/office/drawing/2014/main" id="{0E94C2E0-AC95-4715-B112-0B2302FE4F24}"/>
+                <a16:creationId xmlns:a16="http://schemas.microsoft.com/office/drawing/2014/main" id="{8070DBDF-1A07-498B-9692-5233013FA834}"/>
               </a:ext>
             </a:extLst>
           </p:cNvPr>
@@ -693,11 +259,11 @@
           <a:bodyPr/>
           <a:lstStyle/>
           <a:p>
-            <a:fld id="{B3CF3B15-6A95-47D9-80CF-074360933380}" type="datetimeFigureOut">
-              <a:rPr lang="en-US" smtClean="0"/>
-              <a:t>4/14/2018</a:t>
+            <a:fld id="{5A0B6E71-5513-4BDB-A220-6A6E3E2D8520}" type="datetimeFigureOut">
+              <a:rPr lang="en-SG" smtClean="0"/>
+              <a:t>15/4/2018</a:t>
             </a:fld>
-            <a:endParaRPr lang="en-US"/>
+            <a:endParaRPr lang="en-SG"/>
           </a:p>
         </p:txBody>
       </p:sp>
@@ -706,7 +272,7 @@
           <p:cNvPr id="5" name="Footer Placeholder 4">
             <a:extLst>
               <a:ext uri="{FF2B5EF4-FFF2-40B4-BE49-F238E27FC236}">
-                <a16:creationId xmlns:a16="http://schemas.microsoft.com/office/drawing/2014/main" id="{5C481585-C854-4D08-A46D-C91BF0C0B4B4}"/>
+                <a16:creationId xmlns:a16="http://schemas.microsoft.com/office/drawing/2014/main" id="{AE587853-5DE7-4E04-9ADD-1253206F987E}"/>
               </a:ext>
             </a:extLst>
           </p:cNvPr>
@@ -722,7 +288,7 @@
           <a:bodyPr/>
           <a:lstStyle/>
           <a:p>
-            <a:endParaRPr lang="en-US"/>
+            <a:endParaRPr lang="en-SG"/>
           </a:p>
         </p:txBody>
       </p:sp>
@@ -731,7 +297,7 @@
           <p:cNvPr id="6" name="Slide Number Placeholder 5">
             <a:extLst>
               <a:ext uri="{FF2B5EF4-FFF2-40B4-BE49-F238E27FC236}">
-                <a16:creationId xmlns:a16="http://schemas.microsoft.com/office/drawing/2014/main" id="{3240000E-97FB-48F0-89B3-52EB823824B2}"/>
+                <a16:creationId xmlns:a16="http://schemas.microsoft.com/office/drawing/2014/main" id="{13CF313B-86FC-4D79-9A2E-CB2F687010D9}"/>
               </a:ext>
             </a:extLst>
           </p:cNvPr>
@@ -747,18 +313,18 @@
           <a:bodyPr/>
           <a:lstStyle/>
           <a:p>
-            <a:fld id="{35B365CF-E444-4CD6-B888-A0CD23656EFE}" type="slidenum">
-              <a:rPr lang="en-US" smtClean="0"/>
+            <a:fld id="{85E471BB-76D6-4271-8927-6D4C86AA64EE}" type="slidenum">
+              <a:rPr lang="en-SG" smtClean="0"/>
               <a:t>‹#›</a:t>
             </a:fld>
-            <a:endParaRPr lang="en-US"/>
+            <a:endParaRPr lang="en-SG"/>
           </a:p>
         </p:txBody>
       </p:sp>
     </p:spTree>
     <p:extLst>
       <p:ext uri="{BB962C8B-B14F-4D97-AF65-F5344CB8AC3E}">
-        <p14:creationId xmlns:p14="http://schemas.microsoft.com/office/powerpoint/2010/main" val="674667682"/>
+        <p14:creationId xmlns:p14="http://schemas.microsoft.com/office/powerpoint/2010/main" val="410861126"/>
       </p:ext>
     </p:extLst>
   </p:cSld>
@@ -790,7 +356,7 @@
           <p:cNvPr id="2" name="Title 1">
             <a:extLst>
               <a:ext uri="{FF2B5EF4-FFF2-40B4-BE49-F238E27FC236}">
-                <a16:creationId xmlns:a16="http://schemas.microsoft.com/office/drawing/2014/main" id="{6DA11401-540F-49B3-A47C-D587DDF89EF1}"/>
+                <a16:creationId xmlns:a16="http://schemas.microsoft.com/office/drawing/2014/main" id="{9D5B916B-69F4-4C16-94EA-1478077DF5E6}"/>
               </a:ext>
             </a:extLst>
           </p:cNvPr>
@@ -810,6 +376,7 @@
               <a:rPr lang="en-US"/>
               <a:t>Click to edit Master title style</a:t>
             </a:r>
+            <a:endParaRPr lang="en-SG"/>
           </a:p>
         </p:txBody>
       </p:sp>
@@ -818,7 +385,7 @@
           <p:cNvPr id="3" name="Vertical Text Placeholder 2">
             <a:extLst>
               <a:ext uri="{FF2B5EF4-FFF2-40B4-BE49-F238E27FC236}">
-                <a16:creationId xmlns:a16="http://schemas.microsoft.com/office/drawing/2014/main" id="{E0002235-E404-459D-A015-FE0A772882E4}"/>
+                <a16:creationId xmlns:a16="http://schemas.microsoft.com/office/drawing/2014/main" id="{650FE877-65BA-4F09-ADF7-C723E22D623C}"/>
               </a:ext>
             </a:extLst>
           </p:cNvPr>
@@ -867,6 +434,7 @@
               <a:rPr lang="en-US"/>
               <a:t>Fifth level</a:t>
             </a:r>
+            <a:endParaRPr lang="en-SG"/>
           </a:p>
         </p:txBody>
       </p:sp>
@@ -875,7 +443,7 @@
           <p:cNvPr id="4" name="Date Placeholder 3">
             <a:extLst>
               <a:ext uri="{FF2B5EF4-FFF2-40B4-BE49-F238E27FC236}">
-                <a16:creationId xmlns:a16="http://schemas.microsoft.com/office/drawing/2014/main" id="{588F7428-0837-4566-8455-E2D0D909826C}"/>
+                <a16:creationId xmlns:a16="http://schemas.microsoft.com/office/drawing/2014/main" id="{8DDA4E0A-2C4B-4882-A1F6-53E294478C18}"/>
               </a:ext>
             </a:extLst>
           </p:cNvPr>
@@ -891,11 +459,11 @@
           <a:bodyPr/>
           <a:lstStyle/>
           <a:p>
-            <a:fld id="{B3CF3B15-6A95-47D9-80CF-074360933380}" type="datetimeFigureOut">
-              <a:rPr lang="en-US" smtClean="0"/>
-              <a:t>4/14/2018</a:t>
+            <a:fld id="{5A0B6E71-5513-4BDB-A220-6A6E3E2D8520}" type="datetimeFigureOut">
+              <a:rPr lang="en-SG" smtClean="0"/>
+              <a:t>15/4/2018</a:t>
             </a:fld>
-            <a:endParaRPr lang="en-US"/>
+            <a:endParaRPr lang="en-SG"/>
           </a:p>
         </p:txBody>
       </p:sp>
@@ -904,7 +472,7 @@
           <p:cNvPr id="5" name="Footer Placeholder 4">
             <a:extLst>
               <a:ext uri="{FF2B5EF4-FFF2-40B4-BE49-F238E27FC236}">
-                <a16:creationId xmlns:a16="http://schemas.microsoft.com/office/drawing/2014/main" id="{B8A46E75-8B8F-4ED1-8ABD-4F4ECE53EEB5}"/>
+                <a16:creationId xmlns:a16="http://schemas.microsoft.com/office/drawing/2014/main" id="{6056A866-DAE2-49B9-B35B-9B199DEFF460}"/>
               </a:ext>
             </a:extLst>
           </p:cNvPr>
@@ -920,7 +488,7 @@
           <a:bodyPr/>
           <a:lstStyle/>
           <a:p>
-            <a:endParaRPr lang="en-US"/>
+            <a:endParaRPr lang="en-SG"/>
           </a:p>
         </p:txBody>
       </p:sp>
@@ -929,7 +497,7 @@
           <p:cNvPr id="6" name="Slide Number Placeholder 5">
             <a:extLst>
               <a:ext uri="{FF2B5EF4-FFF2-40B4-BE49-F238E27FC236}">
-                <a16:creationId xmlns:a16="http://schemas.microsoft.com/office/drawing/2014/main" id="{33BB5CF0-5B92-4F2C-B4E4-9F488A217D96}"/>
+                <a16:creationId xmlns:a16="http://schemas.microsoft.com/office/drawing/2014/main" id="{845FDAA3-E032-4F65-A875-B48105761691}"/>
               </a:ext>
             </a:extLst>
           </p:cNvPr>
@@ -945,18 +513,18 @@
           <a:bodyPr/>
           <a:lstStyle/>
           <a:p>
-            <a:fld id="{35B365CF-E444-4CD6-B888-A0CD23656EFE}" type="slidenum">
-              <a:rPr lang="en-US" smtClean="0"/>
+            <a:fld id="{85E471BB-76D6-4271-8927-6D4C86AA64EE}" type="slidenum">
+              <a:rPr lang="en-SG" smtClean="0"/>
               <a:t>‹#›</a:t>
             </a:fld>
-            <a:endParaRPr lang="en-US"/>
+            <a:endParaRPr lang="en-SG"/>
           </a:p>
         </p:txBody>
       </p:sp>
     </p:spTree>
     <p:extLst>
       <p:ext uri="{BB962C8B-B14F-4D97-AF65-F5344CB8AC3E}">
-        <p14:creationId xmlns:p14="http://schemas.microsoft.com/office/powerpoint/2010/main" val="2019577399"/>
+        <p14:creationId xmlns:p14="http://schemas.microsoft.com/office/powerpoint/2010/main" val="3347196055"/>
       </p:ext>
     </p:extLst>
   </p:cSld>
@@ -988,7 +556,7 @@
           <p:cNvPr id="2" name="Vertical Title 1">
             <a:extLst>
               <a:ext uri="{FF2B5EF4-FFF2-40B4-BE49-F238E27FC236}">
-                <a16:creationId xmlns:a16="http://schemas.microsoft.com/office/drawing/2014/main" id="{11EA31F8-B43F-459B-A434-A54E455D0EDD}"/>
+                <a16:creationId xmlns:a16="http://schemas.microsoft.com/office/drawing/2014/main" id="{808BA794-7E5A-4DB8-8475-A5177275A4A6}"/>
               </a:ext>
             </a:extLst>
           </p:cNvPr>
@@ -1013,6 +581,7 @@
               <a:rPr lang="en-US"/>
               <a:t>Click to edit Master title style</a:t>
             </a:r>
+            <a:endParaRPr lang="en-SG"/>
           </a:p>
         </p:txBody>
       </p:sp>
@@ -1021,7 +590,7 @@
           <p:cNvPr id="3" name="Vertical Text Placeholder 2">
             <a:extLst>
               <a:ext uri="{FF2B5EF4-FFF2-40B4-BE49-F238E27FC236}">
-                <a16:creationId xmlns:a16="http://schemas.microsoft.com/office/drawing/2014/main" id="{621ED47E-816E-4ACE-9A5A-CDC16B316E4B}"/>
+                <a16:creationId xmlns:a16="http://schemas.microsoft.com/office/drawing/2014/main" id="{BA6D4272-958A-4A62-9C1E-97CF66ED8303}"/>
               </a:ext>
             </a:extLst>
           </p:cNvPr>
@@ -1075,6 +644,7 @@
               <a:rPr lang="en-US"/>
               <a:t>Fifth level</a:t>
             </a:r>
+            <a:endParaRPr lang="en-SG"/>
           </a:p>
         </p:txBody>
       </p:sp>
@@ -1083,7 +653,7 @@
           <p:cNvPr id="4" name="Date Placeholder 3">
             <a:extLst>
               <a:ext uri="{FF2B5EF4-FFF2-40B4-BE49-F238E27FC236}">
-                <a16:creationId xmlns:a16="http://schemas.microsoft.com/office/drawing/2014/main" id="{DA02CDF8-CB83-4E50-8D05-6C17546C1D31}"/>
+                <a16:creationId xmlns:a16="http://schemas.microsoft.com/office/drawing/2014/main" id="{0FB2F801-3CE6-402E-A110-E563F7DB1E75}"/>
               </a:ext>
             </a:extLst>
           </p:cNvPr>
@@ -1099,11 +669,11 @@
           <a:bodyPr/>
           <a:lstStyle/>
           <a:p>
-            <a:fld id="{B3CF3B15-6A95-47D9-80CF-074360933380}" type="datetimeFigureOut">
-              <a:rPr lang="en-US" smtClean="0"/>
-              <a:t>4/14/2018</a:t>
+            <a:fld id="{5A0B6E71-5513-4BDB-A220-6A6E3E2D8520}" type="datetimeFigureOut">
+              <a:rPr lang="en-SG" smtClean="0"/>
+              <a:t>15/4/2018</a:t>
             </a:fld>
-            <a:endParaRPr lang="en-US"/>
+            <a:endParaRPr lang="en-SG"/>
           </a:p>
         </p:txBody>
       </p:sp>
@@ -1112,7 +682,7 @@
           <p:cNvPr id="5" name="Footer Placeholder 4">
             <a:extLst>
               <a:ext uri="{FF2B5EF4-FFF2-40B4-BE49-F238E27FC236}">
-                <a16:creationId xmlns:a16="http://schemas.microsoft.com/office/drawing/2014/main" id="{BFCCA39C-5B7C-4369-8A36-1CA33A890688}"/>
+                <a16:creationId xmlns:a16="http://schemas.microsoft.com/office/drawing/2014/main" id="{064FAEB8-4323-47E6-9C2B-0CC158EACF84}"/>
               </a:ext>
             </a:extLst>
           </p:cNvPr>
@@ -1128,7 +698,7 @@
           <a:bodyPr/>
           <a:lstStyle/>
           <a:p>
-            <a:endParaRPr lang="en-US"/>
+            <a:endParaRPr lang="en-SG"/>
           </a:p>
         </p:txBody>
       </p:sp>
@@ -1137,7 +707,7 @@
           <p:cNvPr id="6" name="Slide Number Placeholder 5">
             <a:extLst>
               <a:ext uri="{FF2B5EF4-FFF2-40B4-BE49-F238E27FC236}">
-                <a16:creationId xmlns:a16="http://schemas.microsoft.com/office/drawing/2014/main" id="{9E45C60A-07CF-44B6-AF29-13DE331166C6}"/>
+                <a16:creationId xmlns:a16="http://schemas.microsoft.com/office/drawing/2014/main" id="{DFF144DD-7AC5-4C05-B600-5181D73297EF}"/>
               </a:ext>
             </a:extLst>
           </p:cNvPr>
@@ -1153,18 +723,18 @@
           <a:bodyPr/>
           <a:lstStyle/>
           <a:p>
-            <a:fld id="{35B365CF-E444-4CD6-B888-A0CD23656EFE}" type="slidenum">
-              <a:rPr lang="en-US" smtClean="0"/>
+            <a:fld id="{85E471BB-76D6-4271-8927-6D4C86AA64EE}" type="slidenum">
+              <a:rPr lang="en-SG" smtClean="0"/>
               <a:t>‹#›</a:t>
             </a:fld>
-            <a:endParaRPr lang="en-US"/>
+            <a:endParaRPr lang="en-SG"/>
           </a:p>
         </p:txBody>
       </p:sp>
     </p:spTree>
     <p:extLst>
       <p:ext uri="{BB962C8B-B14F-4D97-AF65-F5344CB8AC3E}">
-        <p14:creationId xmlns:p14="http://schemas.microsoft.com/office/powerpoint/2010/main" val="4284830497"/>
+        <p14:creationId xmlns:p14="http://schemas.microsoft.com/office/powerpoint/2010/main" val="3997991234"/>
       </p:ext>
     </p:extLst>
   </p:cSld>
@@ -1196,7 +766,7 @@
           <p:cNvPr id="2" name="Title 1">
             <a:extLst>
               <a:ext uri="{FF2B5EF4-FFF2-40B4-BE49-F238E27FC236}">
-                <a16:creationId xmlns:a16="http://schemas.microsoft.com/office/drawing/2014/main" id="{835D1611-7AC4-4101-8ECC-22B572A359E6}"/>
+                <a16:creationId xmlns:a16="http://schemas.microsoft.com/office/drawing/2014/main" id="{A4DDB207-2607-4834-BEDE-6E1A42DE889B}"/>
               </a:ext>
             </a:extLst>
           </p:cNvPr>
@@ -1216,6 +786,7 @@
               <a:rPr lang="en-US"/>
               <a:t>Click to edit Master title style</a:t>
             </a:r>
+            <a:endParaRPr lang="en-SG"/>
           </a:p>
         </p:txBody>
       </p:sp>
@@ -1224,7 +795,7 @@
           <p:cNvPr id="3" name="Content Placeholder 2">
             <a:extLst>
               <a:ext uri="{FF2B5EF4-FFF2-40B4-BE49-F238E27FC236}">
-                <a16:creationId xmlns:a16="http://schemas.microsoft.com/office/drawing/2014/main" id="{C709088D-DCF7-4E22-AAE6-346FD60784DA}"/>
+                <a16:creationId xmlns:a16="http://schemas.microsoft.com/office/drawing/2014/main" id="{89E4A8AC-0F9E-4C4D-8212-72F4CA0333B2}"/>
               </a:ext>
             </a:extLst>
           </p:cNvPr>
@@ -1273,6 +844,7 @@
               <a:rPr lang="en-US"/>
               <a:t>Fifth level</a:t>
             </a:r>
+            <a:endParaRPr lang="en-SG"/>
           </a:p>
         </p:txBody>
       </p:sp>
@@ -1281,7 +853,7 @@
           <p:cNvPr id="4" name="Date Placeholder 3">
             <a:extLst>
               <a:ext uri="{FF2B5EF4-FFF2-40B4-BE49-F238E27FC236}">
-                <a16:creationId xmlns:a16="http://schemas.microsoft.com/office/drawing/2014/main" id="{736F8A0E-33CA-423B-9869-DDB2F21BA40F}"/>
+                <a16:creationId xmlns:a16="http://schemas.microsoft.com/office/drawing/2014/main" id="{212E233B-0E42-4505-B79F-F12766BFEA9C}"/>
               </a:ext>
             </a:extLst>
           </p:cNvPr>
@@ -1297,11 +869,11 @@
           <a:bodyPr/>
           <a:lstStyle/>
           <a:p>
-            <a:fld id="{B3CF3B15-6A95-47D9-80CF-074360933380}" type="datetimeFigureOut">
-              <a:rPr lang="en-US" smtClean="0"/>
-              <a:t>4/14/2018</a:t>
+            <a:fld id="{5A0B6E71-5513-4BDB-A220-6A6E3E2D8520}" type="datetimeFigureOut">
+              <a:rPr lang="en-SG" smtClean="0"/>
+              <a:t>15/4/2018</a:t>
             </a:fld>
-            <a:endParaRPr lang="en-US"/>
+            <a:endParaRPr lang="en-SG"/>
           </a:p>
         </p:txBody>
       </p:sp>
@@ -1310,7 +882,7 @@
           <p:cNvPr id="5" name="Footer Placeholder 4">
             <a:extLst>
               <a:ext uri="{FF2B5EF4-FFF2-40B4-BE49-F238E27FC236}">
-                <a16:creationId xmlns:a16="http://schemas.microsoft.com/office/drawing/2014/main" id="{45D654D6-79A0-48A3-82D9-693EAEC35727}"/>
+                <a16:creationId xmlns:a16="http://schemas.microsoft.com/office/drawing/2014/main" id="{7EB58D87-D24E-4162-8969-0F5D00BBEB4E}"/>
               </a:ext>
             </a:extLst>
           </p:cNvPr>
@@ -1326,7 +898,7 @@
           <a:bodyPr/>
           <a:lstStyle/>
           <a:p>
-            <a:endParaRPr lang="en-US"/>
+            <a:endParaRPr lang="en-SG"/>
           </a:p>
         </p:txBody>
       </p:sp>
@@ -1335,7 +907,7 @@
           <p:cNvPr id="6" name="Slide Number Placeholder 5">
             <a:extLst>
               <a:ext uri="{FF2B5EF4-FFF2-40B4-BE49-F238E27FC236}">
-                <a16:creationId xmlns:a16="http://schemas.microsoft.com/office/drawing/2014/main" id="{17A806E0-6F4C-4061-9BFB-74F00D2A09BA}"/>
+                <a16:creationId xmlns:a16="http://schemas.microsoft.com/office/drawing/2014/main" id="{97FB9E62-2D2A-491E-961A-B909CF875353}"/>
               </a:ext>
             </a:extLst>
           </p:cNvPr>
@@ -1351,18 +923,18 @@
           <a:bodyPr/>
           <a:lstStyle/>
           <a:p>
-            <a:fld id="{35B365CF-E444-4CD6-B888-A0CD23656EFE}" type="slidenum">
-              <a:rPr lang="en-US" smtClean="0"/>
+            <a:fld id="{85E471BB-76D6-4271-8927-6D4C86AA64EE}" type="slidenum">
+              <a:rPr lang="en-SG" smtClean="0"/>
               <a:t>‹#›</a:t>
             </a:fld>
-            <a:endParaRPr lang="en-US"/>
+            <a:endParaRPr lang="en-SG"/>
           </a:p>
         </p:txBody>
       </p:sp>
     </p:spTree>
     <p:extLst>
       <p:ext uri="{BB962C8B-B14F-4D97-AF65-F5344CB8AC3E}">
-        <p14:creationId xmlns:p14="http://schemas.microsoft.com/office/powerpoint/2010/main" val="3685057357"/>
+        <p14:creationId xmlns:p14="http://schemas.microsoft.com/office/powerpoint/2010/main" val="49276823"/>
       </p:ext>
     </p:extLst>
   </p:cSld>
@@ -1394,7 +966,7 @@
           <p:cNvPr id="2" name="Title 1">
             <a:extLst>
               <a:ext uri="{FF2B5EF4-FFF2-40B4-BE49-F238E27FC236}">
-                <a16:creationId xmlns:a16="http://schemas.microsoft.com/office/drawing/2014/main" id="{EB19A89D-8008-48EB-AE32-86A915CD9877}"/>
+                <a16:creationId xmlns:a16="http://schemas.microsoft.com/office/drawing/2014/main" id="{3B64B516-E320-4BD6-8AFA-173A43363C07}"/>
               </a:ext>
             </a:extLst>
           </p:cNvPr>
@@ -1423,6 +995,7 @@
               <a:rPr lang="en-US"/>
               <a:t>Click to edit Master title style</a:t>
             </a:r>
+            <a:endParaRPr lang="en-SG"/>
           </a:p>
         </p:txBody>
       </p:sp>
@@ -1431,7 +1004,7 @@
           <p:cNvPr id="3" name="Text Placeholder 2">
             <a:extLst>
               <a:ext uri="{FF2B5EF4-FFF2-40B4-BE49-F238E27FC236}">
-                <a16:creationId xmlns:a16="http://schemas.microsoft.com/office/drawing/2014/main" id="{5C52CACF-F466-4CBF-BE5E-404D3BE352D6}"/>
+                <a16:creationId xmlns:a16="http://schemas.microsoft.com/office/drawing/2014/main" id="{EA7E791B-89D3-4C8B-8649-566E23777C80}"/>
               </a:ext>
             </a:extLst>
           </p:cNvPr>
@@ -1556,7 +1129,7 @@
           <p:cNvPr id="4" name="Date Placeholder 3">
             <a:extLst>
               <a:ext uri="{FF2B5EF4-FFF2-40B4-BE49-F238E27FC236}">
-                <a16:creationId xmlns:a16="http://schemas.microsoft.com/office/drawing/2014/main" id="{7FFCB35C-42CD-4F0F-B1BC-2B4A05CD26AF}"/>
+                <a16:creationId xmlns:a16="http://schemas.microsoft.com/office/drawing/2014/main" id="{0CFF715C-E139-417D-B9ED-4084C17BBB7E}"/>
               </a:ext>
             </a:extLst>
           </p:cNvPr>
@@ -1572,11 +1145,11 @@
           <a:bodyPr/>
           <a:lstStyle/>
           <a:p>
-            <a:fld id="{B3CF3B15-6A95-47D9-80CF-074360933380}" type="datetimeFigureOut">
-              <a:rPr lang="en-US" smtClean="0"/>
-              <a:t>4/14/2018</a:t>
+            <a:fld id="{5A0B6E71-5513-4BDB-A220-6A6E3E2D8520}" type="datetimeFigureOut">
+              <a:rPr lang="en-SG" smtClean="0"/>
+              <a:t>15/4/2018</a:t>
             </a:fld>
-            <a:endParaRPr lang="en-US"/>
+            <a:endParaRPr lang="en-SG"/>
           </a:p>
         </p:txBody>
       </p:sp>
@@ -1585,7 +1158,7 @@
           <p:cNvPr id="5" name="Footer Placeholder 4">
             <a:extLst>
               <a:ext uri="{FF2B5EF4-FFF2-40B4-BE49-F238E27FC236}">
-                <a16:creationId xmlns:a16="http://schemas.microsoft.com/office/drawing/2014/main" id="{FB7A24B2-2A29-4D82-A2F3-5EB92A2511C2}"/>
+                <a16:creationId xmlns:a16="http://schemas.microsoft.com/office/drawing/2014/main" id="{5A701584-E15E-4F4D-A9BC-E545F4F9183A}"/>
               </a:ext>
             </a:extLst>
           </p:cNvPr>
@@ -1601,7 +1174,7 @@
           <a:bodyPr/>
           <a:lstStyle/>
           <a:p>
-            <a:endParaRPr lang="en-US"/>
+            <a:endParaRPr lang="en-SG"/>
           </a:p>
         </p:txBody>
       </p:sp>
@@ -1610,7 +1183,7 @@
           <p:cNvPr id="6" name="Slide Number Placeholder 5">
             <a:extLst>
               <a:ext uri="{FF2B5EF4-FFF2-40B4-BE49-F238E27FC236}">
-                <a16:creationId xmlns:a16="http://schemas.microsoft.com/office/drawing/2014/main" id="{12FFC8EB-A893-4417-A13D-C808906B55F4}"/>
+                <a16:creationId xmlns:a16="http://schemas.microsoft.com/office/drawing/2014/main" id="{708C701B-E38A-4BD7-AB06-67FD918447D2}"/>
               </a:ext>
             </a:extLst>
           </p:cNvPr>
@@ -1626,18 +1199,18 @@
           <a:bodyPr/>
           <a:lstStyle/>
           <a:p>
-            <a:fld id="{35B365CF-E444-4CD6-B888-A0CD23656EFE}" type="slidenum">
-              <a:rPr lang="en-US" smtClean="0"/>
+            <a:fld id="{85E471BB-76D6-4271-8927-6D4C86AA64EE}" type="slidenum">
+              <a:rPr lang="en-SG" smtClean="0"/>
               <a:t>‹#›</a:t>
             </a:fld>
-            <a:endParaRPr lang="en-US"/>
+            <a:endParaRPr lang="en-SG"/>
           </a:p>
         </p:txBody>
       </p:sp>
     </p:spTree>
     <p:extLst>
       <p:ext uri="{BB962C8B-B14F-4D97-AF65-F5344CB8AC3E}">
-        <p14:creationId xmlns:p14="http://schemas.microsoft.com/office/powerpoint/2010/main" val="1111425035"/>
+        <p14:creationId xmlns:p14="http://schemas.microsoft.com/office/powerpoint/2010/main" val="1499313792"/>
       </p:ext>
     </p:extLst>
   </p:cSld>
@@ -1669,7 +1242,7 @@
           <p:cNvPr id="2" name="Title 1">
             <a:extLst>
               <a:ext uri="{FF2B5EF4-FFF2-40B4-BE49-F238E27FC236}">
-                <a16:creationId xmlns:a16="http://schemas.microsoft.com/office/drawing/2014/main" id="{C255BEE8-495E-4490-B4B0-4DD651B4E6A5}"/>
+                <a16:creationId xmlns:a16="http://schemas.microsoft.com/office/drawing/2014/main" id="{A5406F00-7DFE-4AC1-9F71-9E265DABDF40}"/>
               </a:ext>
             </a:extLst>
           </p:cNvPr>
@@ -1689,6 +1262,7 @@
               <a:rPr lang="en-US"/>
               <a:t>Click to edit Master title style</a:t>
             </a:r>
+            <a:endParaRPr lang="en-SG"/>
           </a:p>
         </p:txBody>
       </p:sp>
@@ -1697,7 +1271,7 @@
           <p:cNvPr id="3" name="Content Placeholder 2">
             <a:extLst>
               <a:ext uri="{FF2B5EF4-FFF2-40B4-BE49-F238E27FC236}">
-                <a16:creationId xmlns:a16="http://schemas.microsoft.com/office/drawing/2014/main" id="{56FD9C5B-CDFB-4567-ABA8-130FA94072BD}"/>
+                <a16:creationId xmlns:a16="http://schemas.microsoft.com/office/drawing/2014/main" id="{99A3BF8B-5172-418B-80DF-13C399DC2148}"/>
               </a:ext>
             </a:extLst>
           </p:cNvPr>
@@ -1751,6 +1325,7 @@
               <a:rPr lang="en-US"/>
               <a:t>Fifth level</a:t>
             </a:r>
+            <a:endParaRPr lang="en-SG"/>
           </a:p>
         </p:txBody>
       </p:sp>
@@ -1759,7 +1334,7 @@
           <p:cNvPr id="4" name="Content Placeholder 3">
             <a:extLst>
               <a:ext uri="{FF2B5EF4-FFF2-40B4-BE49-F238E27FC236}">
-                <a16:creationId xmlns:a16="http://schemas.microsoft.com/office/drawing/2014/main" id="{F2BC9CF2-1FFE-4D9C-BED3-F53CC0B9D417}"/>
+                <a16:creationId xmlns:a16="http://schemas.microsoft.com/office/drawing/2014/main" id="{B3D56F16-E0CF-4ECD-9BB1-FF78E51D53B2}"/>
               </a:ext>
             </a:extLst>
           </p:cNvPr>
@@ -1813,6 +1388,7 @@
               <a:rPr lang="en-US"/>
               <a:t>Fifth level</a:t>
             </a:r>
+            <a:endParaRPr lang="en-SG"/>
           </a:p>
         </p:txBody>
       </p:sp>
@@ -1821,7 +1397,7 @@
           <p:cNvPr id="5" name="Date Placeholder 4">
             <a:extLst>
               <a:ext uri="{FF2B5EF4-FFF2-40B4-BE49-F238E27FC236}">
-                <a16:creationId xmlns:a16="http://schemas.microsoft.com/office/drawing/2014/main" id="{BA1019EB-12F1-43E2-B07D-22FF8512E506}"/>
+                <a16:creationId xmlns:a16="http://schemas.microsoft.com/office/drawing/2014/main" id="{8DED52F2-CB81-445C-AC64-0E2BCC9B56EB}"/>
               </a:ext>
             </a:extLst>
           </p:cNvPr>
@@ -1837,11 +1413,11 @@
           <a:bodyPr/>
           <a:lstStyle/>
           <a:p>
-            <a:fld id="{B3CF3B15-6A95-47D9-80CF-074360933380}" type="datetimeFigureOut">
-              <a:rPr lang="en-US" smtClean="0"/>
-              <a:t>4/14/2018</a:t>
+            <a:fld id="{5A0B6E71-5513-4BDB-A220-6A6E3E2D8520}" type="datetimeFigureOut">
+              <a:rPr lang="en-SG" smtClean="0"/>
+              <a:t>15/4/2018</a:t>
             </a:fld>
-            <a:endParaRPr lang="en-US"/>
+            <a:endParaRPr lang="en-SG"/>
           </a:p>
         </p:txBody>
       </p:sp>
@@ -1850,7 +1426,7 @@
           <p:cNvPr id="6" name="Footer Placeholder 5">
             <a:extLst>
               <a:ext uri="{FF2B5EF4-FFF2-40B4-BE49-F238E27FC236}">
-                <a16:creationId xmlns:a16="http://schemas.microsoft.com/office/drawing/2014/main" id="{16A1AB7E-0307-4733-8BFF-3209CC57AA5F}"/>
+                <a16:creationId xmlns:a16="http://schemas.microsoft.com/office/drawing/2014/main" id="{9C6930C8-6658-4E90-9EBF-537B6DC994CB}"/>
               </a:ext>
             </a:extLst>
           </p:cNvPr>
@@ -1866,7 +1442,7 @@
           <a:bodyPr/>
           <a:lstStyle/>
           <a:p>
-            <a:endParaRPr lang="en-US"/>
+            <a:endParaRPr lang="en-SG"/>
           </a:p>
         </p:txBody>
       </p:sp>
@@ -1875,7 +1451,7 @@
           <p:cNvPr id="7" name="Slide Number Placeholder 6">
             <a:extLst>
               <a:ext uri="{FF2B5EF4-FFF2-40B4-BE49-F238E27FC236}">
-                <a16:creationId xmlns:a16="http://schemas.microsoft.com/office/drawing/2014/main" id="{37519213-D10F-44F6-9862-27BE209AF681}"/>
+                <a16:creationId xmlns:a16="http://schemas.microsoft.com/office/drawing/2014/main" id="{224D145F-347D-4224-B42B-36DF22E5DBF2}"/>
               </a:ext>
             </a:extLst>
           </p:cNvPr>
@@ -1891,18 +1467,18 @@
           <a:bodyPr/>
           <a:lstStyle/>
           <a:p>
-            <a:fld id="{35B365CF-E444-4CD6-B888-A0CD23656EFE}" type="slidenum">
-              <a:rPr lang="en-US" smtClean="0"/>
+            <a:fld id="{85E471BB-76D6-4271-8927-6D4C86AA64EE}" type="slidenum">
+              <a:rPr lang="en-SG" smtClean="0"/>
               <a:t>‹#›</a:t>
             </a:fld>
-            <a:endParaRPr lang="en-US"/>
+            <a:endParaRPr lang="en-SG"/>
           </a:p>
         </p:txBody>
       </p:sp>
     </p:spTree>
     <p:extLst>
       <p:ext uri="{BB962C8B-B14F-4D97-AF65-F5344CB8AC3E}">
-        <p14:creationId xmlns:p14="http://schemas.microsoft.com/office/powerpoint/2010/main" val="1772756383"/>
+        <p14:creationId xmlns:p14="http://schemas.microsoft.com/office/powerpoint/2010/main" val="1257475997"/>
       </p:ext>
     </p:extLst>
   </p:cSld>
@@ -1934,7 +1510,7 @@
           <p:cNvPr id="2" name="Title 1">
             <a:extLst>
               <a:ext uri="{FF2B5EF4-FFF2-40B4-BE49-F238E27FC236}">
-                <a16:creationId xmlns:a16="http://schemas.microsoft.com/office/drawing/2014/main" id="{C909A1C0-1BE4-4381-8FE4-FD79EBC8AFF5}"/>
+                <a16:creationId xmlns:a16="http://schemas.microsoft.com/office/drawing/2014/main" id="{50C41810-FF0D-4440-9D06-11D9AADCF5A9}"/>
               </a:ext>
             </a:extLst>
           </p:cNvPr>
@@ -1959,6 +1535,7 @@
               <a:rPr lang="en-US"/>
               <a:t>Click to edit Master title style</a:t>
             </a:r>
+            <a:endParaRPr lang="en-SG"/>
           </a:p>
         </p:txBody>
       </p:sp>
@@ -1967,7 +1544,7 @@
           <p:cNvPr id="3" name="Text Placeholder 2">
             <a:extLst>
               <a:ext uri="{FF2B5EF4-FFF2-40B4-BE49-F238E27FC236}">
-                <a16:creationId xmlns:a16="http://schemas.microsoft.com/office/drawing/2014/main" id="{92373DB0-BFF1-4916-BBA9-FCFAED07067C}"/>
+                <a16:creationId xmlns:a16="http://schemas.microsoft.com/office/drawing/2014/main" id="{064F89C3-CE6E-498E-8014-A45FBED321D1}"/>
               </a:ext>
             </a:extLst>
           </p:cNvPr>
@@ -2038,7 +1615,7 @@
           <p:cNvPr id="4" name="Content Placeholder 3">
             <a:extLst>
               <a:ext uri="{FF2B5EF4-FFF2-40B4-BE49-F238E27FC236}">
-                <a16:creationId xmlns:a16="http://schemas.microsoft.com/office/drawing/2014/main" id="{FE34493F-B004-4434-B3E2-CF549CB6A4BA}"/>
+                <a16:creationId xmlns:a16="http://schemas.microsoft.com/office/drawing/2014/main" id="{E9A4A9E9-F644-46DE-A61D-97E3ECFB9440}"/>
               </a:ext>
             </a:extLst>
           </p:cNvPr>
@@ -2092,6 +1669,7 @@
               <a:rPr lang="en-US"/>
               <a:t>Fifth level</a:t>
             </a:r>
+            <a:endParaRPr lang="en-SG"/>
           </a:p>
         </p:txBody>
       </p:sp>
@@ -2100,7 +1678,7 @@
           <p:cNvPr id="5" name="Text Placeholder 4">
             <a:extLst>
               <a:ext uri="{FF2B5EF4-FFF2-40B4-BE49-F238E27FC236}">
-                <a16:creationId xmlns:a16="http://schemas.microsoft.com/office/drawing/2014/main" id="{A46844BC-D27D-4112-981D-0067D69D7B63}"/>
+                <a16:creationId xmlns:a16="http://schemas.microsoft.com/office/drawing/2014/main" id="{2A8C844D-3FB6-4B99-B299-880BCFA9689F}"/>
               </a:ext>
             </a:extLst>
           </p:cNvPr>
@@ -2171,7 +1749,7 @@
           <p:cNvPr id="6" name="Content Placeholder 5">
             <a:extLst>
               <a:ext uri="{FF2B5EF4-FFF2-40B4-BE49-F238E27FC236}">
-                <a16:creationId xmlns:a16="http://schemas.microsoft.com/office/drawing/2014/main" id="{67CF197F-9989-45BF-8C60-2501867434D0}"/>
+                <a16:creationId xmlns:a16="http://schemas.microsoft.com/office/drawing/2014/main" id="{2B7520DD-2648-4A96-8CAE-8A3F9CCBE13D}"/>
               </a:ext>
             </a:extLst>
           </p:cNvPr>
@@ -2225,6 +1803,7 @@
               <a:rPr lang="en-US"/>
               <a:t>Fifth level</a:t>
             </a:r>
+            <a:endParaRPr lang="en-SG"/>
           </a:p>
         </p:txBody>
       </p:sp>
@@ -2233,7 +1812,7 @@
           <p:cNvPr id="7" name="Date Placeholder 6">
             <a:extLst>
               <a:ext uri="{FF2B5EF4-FFF2-40B4-BE49-F238E27FC236}">
-                <a16:creationId xmlns:a16="http://schemas.microsoft.com/office/drawing/2014/main" id="{56A0EB58-272C-4274-99AA-07C01579F846}"/>
+                <a16:creationId xmlns:a16="http://schemas.microsoft.com/office/drawing/2014/main" id="{E4F709DE-FA64-4465-97C2-8E57E2C9866B}"/>
               </a:ext>
             </a:extLst>
           </p:cNvPr>
@@ -2249,11 +1828,11 @@
           <a:bodyPr/>
           <a:lstStyle/>
           <a:p>
-            <a:fld id="{B3CF3B15-6A95-47D9-80CF-074360933380}" type="datetimeFigureOut">
-              <a:rPr lang="en-US" smtClean="0"/>
-              <a:t>4/14/2018</a:t>
+            <a:fld id="{5A0B6E71-5513-4BDB-A220-6A6E3E2D8520}" type="datetimeFigureOut">
+              <a:rPr lang="en-SG" smtClean="0"/>
+              <a:t>15/4/2018</a:t>
             </a:fld>
-            <a:endParaRPr lang="en-US"/>
+            <a:endParaRPr lang="en-SG"/>
           </a:p>
         </p:txBody>
       </p:sp>
@@ -2262,7 +1841,7 @@
           <p:cNvPr id="8" name="Footer Placeholder 7">
             <a:extLst>
               <a:ext uri="{FF2B5EF4-FFF2-40B4-BE49-F238E27FC236}">
-                <a16:creationId xmlns:a16="http://schemas.microsoft.com/office/drawing/2014/main" id="{F4D60A2D-A3E7-451C-968B-2D4510D0BAEE}"/>
+                <a16:creationId xmlns:a16="http://schemas.microsoft.com/office/drawing/2014/main" id="{9582E12B-1DAC-4C03-9256-61E66DD83092}"/>
               </a:ext>
             </a:extLst>
           </p:cNvPr>
@@ -2278,7 +1857,7 @@
           <a:bodyPr/>
           <a:lstStyle/>
           <a:p>
-            <a:endParaRPr lang="en-US"/>
+            <a:endParaRPr lang="en-SG"/>
           </a:p>
         </p:txBody>
       </p:sp>
@@ -2287,7 +1866,7 @@
           <p:cNvPr id="9" name="Slide Number Placeholder 8">
             <a:extLst>
               <a:ext uri="{FF2B5EF4-FFF2-40B4-BE49-F238E27FC236}">
-                <a16:creationId xmlns:a16="http://schemas.microsoft.com/office/drawing/2014/main" id="{A2262F0F-2FEC-4D51-AF31-346980D4E4C2}"/>
+                <a16:creationId xmlns:a16="http://schemas.microsoft.com/office/drawing/2014/main" id="{B903AEFF-1EEB-4176-9CB0-38182064E223}"/>
               </a:ext>
             </a:extLst>
           </p:cNvPr>
@@ -2303,18 +1882,18 @@
           <a:bodyPr/>
           <a:lstStyle/>
           <a:p>
-            <a:fld id="{35B365CF-E444-4CD6-B888-A0CD23656EFE}" type="slidenum">
-              <a:rPr lang="en-US" smtClean="0"/>
+            <a:fld id="{85E471BB-76D6-4271-8927-6D4C86AA64EE}" type="slidenum">
+              <a:rPr lang="en-SG" smtClean="0"/>
               <a:t>‹#›</a:t>
             </a:fld>
-            <a:endParaRPr lang="en-US"/>
+            <a:endParaRPr lang="en-SG"/>
           </a:p>
         </p:txBody>
       </p:sp>
     </p:spTree>
     <p:extLst>
       <p:ext uri="{BB962C8B-B14F-4D97-AF65-F5344CB8AC3E}">
-        <p14:creationId xmlns:p14="http://schemas.microsoft.com/office/powerpoint/2010/main" val="3854642462"/>
+        <p14:creationId xmlns:p14="http://schemas.microsoft.com/office/powerpoint/2010/main" val="3099823034"/>
       </p:ext>
     </p:extLst>
   </p:cSld>
@@ -2346,7 +1925,7 @@
           <p:cNvPr id="2" name="Title 1">
             <a:extLst>
               <a:ext uri="{FF2B5EF4-FFF2-40B4-BE49-F238E27FC236}">
-                <a16:creationId xmlns:a16="http://schemas.microsoft.com/office/drawing/2014/main" id="{E36F1E5E-6D29-425B-9824-A808108B0AA7}"/>
+                <a16:creationId xmlns:a16="http://schemas.microsoft.com/office/drawing/2014/main" id="{94162F5D-21FA-47E9-A171-544C38990A65}"/>
               </a:ext>
             </a:extLst>
           </p:cNvPr>
@@ -2366,6 +1945,7 @@
               <a:rPr lang="en-US"/>
               <a:t>Click to edit Master title style</a:t>
             </a:r>
+            <a:endParaRPr lang="en-SG"/>
           </a:p>
         </p:txBody>
       </p:sp>
@@ -2374,7 +1954,7 @@
           <p:cNvPr id="3" name="Date Placeholder 2">
             <a:extLst>
               <a:ext uri="{FF2B5EF4-FFF2-40B4-BE49-F238E27FC236}">
-                <a16:creationId xmlns:a16="http://schemas.microsoft.com/office/drawing/2014/main" id="{DF844AD0-5336-42E1-8021-6F38242E6183}"/>
+                <a16:creationId xmlns:a16="http://schemas.microsoft.com/office/drawing/2014/main" id="{0D9BD7C4-C2C1-44A7-BB19-18E54823EE51}"/>
               </a:ext>
             </a:extLst>
           </p:cNvPr>
@@ -2390,11 +1970,11 @@
           <a:bodyPr/>
           <a:lstStyle/>
           <a:p>
-            <a:fld id="{B3CF3B15-6A95-47D9-80CF-074360933380}" type="datetimeFigureOut">
-              <a:rPr lang="en-US" smtClean="0"/>
-              <a:t>4/14/2018</a:t>
+            <a:fld id="{5A0B6E71-5513-4BDB-A220-6A6E3E2D8520}" type="datetimeFigureOut">
+              <a:rPr lang="en-SG" smtClean="0"/>
+              <a:t>15/4/2018</a:t>
             </a:fld>
-            <a:endParaRPr lang="en-US"/>
+            <a:endParaRPr lang="en-SG"/>
           </a:p>
         </p:txBody>
       </p:sp>
@@ -2403,7 +1983,7 @@
           <p:cNvPr id="4" name="Footer Placeholder 3">
             <a:extLst>
               <a:ext uri="{FF2B5EF4-FFF2-40B4-BE49-F238E27FC236}">
-                <a16:creationId xmlns:a16="http://schemas.microsoft.com/office/drawing/2014/main" id="{309E0977-8A28-479F-886E-E9E851BE63F5}"/>
+                <a16:creationId xmlns:a16="http://schemas.microsoft.com/office/drawing/2014/main" id="{54938F93-3520-4FFB-9B11-931179708D5C}"/>
               </a:ext>
             </a:extLst>
           </p:cNvPr>
@@ -2419,7 +1999,7 @@
           <a:bodyPr/>
           <a:lstStyle/>
           <a:p>
-            <a:endParaRPr lang="en-US"/>
+            <a:endParaRPr lang="en-SG"/>
           </a:p>
         </p:txBody>
       </p:sp>
@@ -2428,7 +2008,7 @@
           <p:cNvPr id="5" name="Slide Number Placeholder 4">
             <a:extLst>
               <a:ext uri="{FF2B5EF4-FFF2-40B4-BE49-F238E27FC236}">
-                <a16:creationId xmlns:a16="http://schemas.microsoft.com/office/drawing/2014/main" id="{5DEF530B-EF1B-4EBE-B92E-369EE4846363}"/>
+                <a16:creationId xmlns:a16="http://schemas.microsoft.com/office/drawing/2014/main" id="{5EBDE2C1-8059-4CC8-93B4-6ED5906230C7}"/>
               </a:ext>
             </a:extLst>
           </p:cNvPr>
@@ -2444,18 +2024,18 @@
           <a:bodyPr/>
           <a:lstStyle/>
           <a:p>
-            <a:fld id="{35B365CF-E444-4CD6-B888-A0CD23656EFE}" type="slidenum">
-              <a:rPr lang="en-US" smtClean="0"/>
+            <a:fld id="{85E471BB-76D6-4271-8927-6D4C86AA64EE}" type="slidenum">
+              <a:rPr lang="en-SG" smtClean="0"/>
               <a:t>‹#›</a:t>
             </a:fld>
-            <a:endParaRPr lang="en-US"/>
+            <a:endParaRPr lang="en-SG"/>
           </a:p>
         </p:txBody>
       </p:sp>
     </p:spTree>
     <p:extLst>
       <p:ext uri="{BB962C8B-B14F-4D97-AF65-F5344CB8AC3E}">
-        <p14:creationId xmlns:p14="http://schemas.microsoft.com/office/powerpoint/2010/main" val="1642691159"/>
+        <p14:creationId xmlns:p14="http://schemas.microsoft.com/office/powerpoint/2010/main" val="1724832381"/>
       </p:ext>
     </p:extLst>
   </p:cSld>
@@ -2487,7 +2067,7 @@
           <p:cNvPr id="2" name="Date Placeholder 1">
             <a:extLst>
               <a:ext uri="{FF2B5EF4-FFF2-40B4-BE49-F238E27FC236}">
-                <a16:creationId xmlns:a16="http://schemas.microsoft.com/office/drawing/2014/main" id="{1BF1F34D-334A-48A9-84F3-53C60BBFB186}"/>
+                <a16:creationId xmlns:a16="http://schemas.microsoft.com/office/drawing/2014/main" id="{D1F02088-F199-4F30-A0B2-B286955A6E8C}"/>
               </a:ext>
             </a:extLst>
           </p:cNvPr>
@@ -2503,11 +2083,11 @@
           <a:bodyPr/>
           <a:lstStyle/>
           <a:p>
-            <a:fld id="{B3CF3B15-6A95-47D9-80CF-074360933380}" type="datetimeFigureOut">
-              <a:rPr lang="en-US" smtClean="0"/>
-              <a:t>4/14/2018</a:t>
+            <a:fld id="{5A0B6E71-5513-4BDB-A220-6A6E3E2D8520}" type="datetimeFigureOut">
+              <a:rPr lang="en-SG" smtClean="0"/>
+              <a:t>15/4/2018</a:t>
             </a:fld>
-            <a:endParaRPr lang="en-US"/>
+            <a:endParaRPr lang="en-SG"/>
           </a:p>
         </p:txBody>
       </p:sp>
@@ -2516,7 +2096,7 @@
           <p:cNvPr id="3" name="Footer Placeholder 2">
             <a:extLst>
               <a:ext uri="{FF2B5EF4-FFF2-40B4-BE49-F238E27FC236}">
-                <a16:creationId xmlns:a16="http://schemas.microsoft.com/office/drawing/2014/main" id="{C62C6FC6-58E5-4B12-915B-FBD5727B13DC}"/>
+                <a16:creationId xmlns:a16="http://schemas.microsoft.com/office/drawing/2014/main" id="{BC6B2340-010C-48B0-A297-3F115259CAB7}"/>
               </a:ext>
             </a:extLst>
           </p:cNvPr>
@@ -2532,7 +2112,7 @@
           <a:bodyPr/>
           <a:lstStyle/>
           <a:p>
-            <a:endParaRPr lang="en-US"/>
+            <a:endParaRPr lang="en-SG"/>
           </a:p>
         </p:txBody>
       </p:sp>
@@ -2541,7 +2121,7 @@
           <p:cNvPr id="4" name="Slide Number Placeholder 3">
             <a:extLst>
               <a:ext uri="{FF2B5EF4-FFF2-40B4-BE49-F238E27FC236}">
-                <a16:creationId xmlns:a16="http://schemas.microsoft.com/office/drawing/2014/main" id="{98A905BB-E635-4152-904A-C667D97482AA}"/>
+                <a16:creationId xmlns:a16="http://schemas.microsoft.com/office/drawing/2014/main" id="{F6C98ADB-590D-4ACA-9163-B416020CF19E}"/>
               </a:ext>
             </a:extLst>
           </p:cNvPr>
@@ -2557,18 +2137,18 @@
           <a:bodyPr/>
           <a:lstStyle/>
           <a:p>
-            <a:fld id="{35B365CF-E444-4CD6-B888-A0CD23656EFE}" type="slidenum">
-              <a:rPr lang="en-US" smtClean="0"/>
+            <a:fld id="{85E471BB-76D6-4271-8927-6D4C86AA64EE}" type="slidenum">
+              <a:rPr lang="en-SG" smtClean="0"/>
               <a:t>‹#›</a:t>
             </a:fld>
-            <a:endParaRPr lang="en-US"/>
+            <a:endParaRPr lang="en-SG"/>
           </a:p>
         </p:txBody>
       </p:sp>
     </p:spTree>
     <p:extLst>
       <p:ext uri="{BB962C8B-B14F-4D97-AF65-F5344CB8AC3E}">
-        <p14:creationId xmlns:p14="http://schemas.microsoft.com/office/powerpoint/2010/main" val="2665225528"/>
+        <p14:creationId xmlns:p14="http://schemas.microsoft.com/office/powerpoint/2010/main" val="3549670818"/>
       </p:ext>
     </p:extLst>
   </p:cSld>
@@ -2600,7 +2180,7 @@
           <p:cNvPr id="2" name="Title 1">
             <a:extLst>
               <a:ext uri="{FF2B5EF4-FFF2-40B4-BE49-F238E27FC236}">
-                <a16:creationId xmlns:a16="http://schemas.microsoft.com/office/drawing/2014/main" id="{9A7EA189-2406-45E9-B26A-8010AAED8BBC}"/>
+                <a16:creationId xmlns:a16="http://schemas.microsoft.com/office/drawing/2014/main" id="{D33CD55F-BCDE-4433-B703-59301E2A0715}"/>
               </a:ext>
             </a:extLst>
           </p:cNvPr>
@@ -2629,6 +2209,7 @@
               <a:rPr lang="en-US"/>
               <a:t>Click to edit Master title style</a:t>
             </a:r>
+            <a:endParaRPr lang="en-SG"/>
           </a:p>
         </p:txBody>
       </p:sp>
@@ -2637,7 +2218,7 @@
           <p:cNvPr id="3" name="Content Placeholder 2">
             <a:extLst>
               <a:ext uri="{FF2B5EF4-FFF2-40B4-BE49-F238E27FC236}">
-                <a16:creationId xmlns:a16="http://schemas.microsoft.com/office/drawing/2014/main" id="{1044EB38-7866-4633-B319-AF6BBC9F80FB}"/>
+                <a16:creationId xmlns:a16="http://schemas.microsoft.com/office/drawing/2014/main" id="{9D70A9D8-80A0-41FF-9C55-E5800757DA0D}"/>
               </a:ext>
             </a:extLst>
           </p:cNvPr>
@@ -2719,6 +2300,7 @@
               <a:rPr lang="en-US"/>
               <a:t>Fifth level</a:t>
             </a:r>
+            <a:endParaRPr lang="en-SG"/>
           </a:p>
         </p:txBody>
       </p:sp>
@@ -2727,7 +2309,7 @@
           <p:cNvPr id="4" name="Text Placeholder 3">
             <a:extLst>
               <a:ext uri="{FF2B5EF4-FFF2-40B4-BE49-F238E27FC236}">
-                <a16:creationId xmlns:a16="http://schemas.microsoft.com/office/drawing/2014/main" id="{3334B42C-793B-4922-A066-FA0DC9C67BF9}"/>
+                <a16:creationId xmlns:a16="http://schemas.microsoft.com/office/drawing/2014/main" id="{06164E9A-0212-49D9-A702-4CDC7D0C1B7B}"/>
               </a:ext>
             </a:extLst>
           </p:cNvPr>
@@ -2798,7 +2380,7 @@
           <p:cNvPr id="5" name="Date Placeholder 4">
             <a:extLst>
               <a:ext uri="{FF2B5EF4-FFF2-40B4-BE49-F238E27FC236}">
-                <a16:creationId xmlns:a16="http://schemas.microsoft.com/office/drawing/2014/main" id="{268E9230-31CA-43AE-98F3-924286E587CF}"/>
+                <a16:creationId xmlns:a16="http://schemas.microsoft.com/office/drawing/2014/main" id="{52857CDF-9395-415C-8C69-5F618EAC8B07}"/>
               </a:ext>
             </a:extLst>
           </p:cNvPr>
@@ -2814,11 +2396,11 @@
           <a:bodyPr/>
           <a:lstStyle/>
           <a:p>
-            <a:fld id="{B3CF3B15-6A95-47D9-80CF-074360933380}" type="datetimeFigureOut">
-              <a:rPr lang="en-US" smtClean="0"/>
-              <a:t>4/14/2018</a:t>
+            <a:fld id="{5A0B6E71-5513-4BDB-A220-6A6E3E2D8520}" type="datetimeFigureOut">
+              <a:rPr lang="en-SG" smtClean="0"/>
+              <a:t>15/4/2018</a:t>
             </a:fld>
-            <a:endParaRPr lang="en-US"/>
+            <a:endParaRPr lang="en-SG"/>
           </a:p>
         </p:txBody>
       </p:sp>
@@ -2827,7 +2409,7 @@
           <p:cNvPr id="6" name="Footer Placeholder 5">
             <a:extLst>
               <a:ext uri="{FF2B5EF4-FFF2-40B4-BE49-F238E27FC236}">
-                <a16:creationId xmlns:a16="http://schemas.microsoft.com/office/drawing/2014/main" id="{E1C116BC-EE3F-495E-9B61-B15971BCBA34}"/>
+                <a16:creationId xmlns:a16="http://schemas.microsoft.com/office/drawing/2014/main" id="{0C605FFA-1A7F-4BFB-B1C0-6E6627475C93}"/>
               </a:ext>
             </a:extLst>
           </p:cNvPr>
@@ -2843,7 +2425,7 @@
           <a:bodyPr/>
           <a:lstStyle/>
           <a:p>
-            <a:endParaRPr lang="en-US"/>
+            <a:endParaRPr lang="en-SG"/>
           </a:p>
         </p:txBody>
       </p:sp>
@@ -2852,7 +2434,7 @@
           <p:cNvPr id="7" name="Slide Number Placeholder 6">
             <a:extLst>
               <a:ext uri="{FF2B5EF4-FFF2-40B4-BE49-F238E27FC236}">
-                <a16:creationId xmlns:a16="http://schemas.microsoft.com/office/drawing/2014/main" id="{6B9C77E2-5CF4-430B-9898-F97443725FEF}"/>
+                <a16:creationId xmlns:a16="http://schemas.microsoft.com/office/drawing/2014/main" id="{42B84250-FCA5-4933-8D66-F73065691FAA}"/>
               </a:ext>
             </a:extLst>
           </p:cNvPr>
@@ -2868,18 +2450,18 @@
           <a:bodyPr/>
           <a:lstStyle/>
           <a:p>
-            <a:fld id="{35B365CF-E444-4CD6-B888-A0CD23656EFE}" type="slidenum">
-              <a:rPr lang="en-US" smtClean="0"/>
+            <a:fld id="{85E471BB-76D6-4271-8927-6D4C86AA64EE}" type="slidenum">
+              <a:rPr lang="en-SG" smtClean="0"/>
               <a:t>‹#›</a:t>
             </a:fld>
-            <a:endParaRPr lang="en-US"/>
+            <a:endParaRPr lang="en-SG"/>
           </a:p>
         </p:txBody>
       </p:sp>
     </p:spTree>
     <p:extLst>
       <p:ext uri="{BB962C8B-B14F-4D97-AF65-F5344CB8AC3E}">
-        <p14:creationId xmlns:p14="http://schemas.microsoft.com/office/powerpoint/2010/main" val="2575293520"/>
+        <p14:creationId xmlns:p14="http://schemas.microsoft.com/office/powerpoint/2010/main" val="2397563649"/>
       </p:ext>
     </p:extLst>
   </p:cSld>
@@ -2911,7 +2493,7 @@
           <p:cNvPr id="2" name="Title 1">
             <a:extLst>
               <a:ext uri="{FF2B5EF4-FFF2-40B4-BE49-F238E27FC236}">
-                <a16:creationId xmlns:a16="http://schemas.microsoft.com/office/drawing/2014/main" id="{2B6B9E83-EF27-4A90-91FC-38AF078B54A6}"/>
+                <a16:creationId xmlns:a16="http://schemas.microsoft.com/office/drawing/2014/main" id="{58265F2A-8FD1-4D84-9D7D-CFD1EFCF561C}"/>
               </a:ext>
             </a:extLst>
           </p:cNvPr>
@@ -2940,6 +2522,7 @@
               <a:rPr lang="en-US"/>
               <a:t>Click to edit Master title style</a:t>
             </a:r>
+            <a:endParaRPr lang="en-SG"/>
           </a:p>
         </p:txBody>
       </p:sp>
@@ -2948,7 +2531,7 @@
           <p:cNvPr id="3" name="Picture Placeholder 2">
             <a:extLst>
               <a:ext uri="{FF2B5EF4-FFF2-40B4-BE49-F238E27FC236}">
-                <a16:creationId xmlns:a16="http://schemas.microsoft.com/office/drawing/2014/main" id="{3527D9A3-40D0-4E25-A681-BDED41B166A7}"/>
+                <a16:creationId xmlns:a16="http://schemas.microsoft.com/office/drawing/2014/main" id="{FE2DE303-CD12-46AD-83EC-819AB93B3775}"/>
               </a:ext>
             </a:extLst>
           </p:cNvPr>
@@ -3006,7 +2589,7 @@
             </a:lvl9pPr>
           </a:lstStyle>
           <a:p>
-            <a:endParaRPr lang="en-US"/>
+            <a:endParaRPr lang="en-SG"/>
           </a:p>
         </p:txBody>
       </p:sp>
@@ -3015,7 +2598,7 @@
           <p:cNvPr id="4" name="Text Placeholder 3">
             <a:extLst>
               <a:ext uri="{FF2B5EF4-FFF2-40B4-BE49-F238E27FC236}">
-                <a16:creationId xmlns:a16="http://schemas.microsoft.com/office/drawing/2014/main" id="{F4E849BB-A7D0-403E-B5E9-0E309D896001}"/>
+                <a16:creationId xmlns:a16="http://schemas.microsoft.com/office/drawing/2014/main" id="{A0108F07-E371-4790-A9D2-FB3184AEA534}"/>
               </a:ext>
             </a:extLst>
           </p:cNvPr>
@@ -3086,7 +2669,7 @@
           <p:cNvPr id="5" name="Date Placeholder 4">
             <a:extLst>
               <a:ext uri="{FF2B5EF4-FFF2-40B4-BE49-F238E27FC236}">
-                <a16:creationId xmlns:a16="http://schemas.microsoft.com/office/drawing/2014/main" id="{E4D7AC9C-A672-4CEA-96FF-CF0ECDBE2230}"/>
+                <a16:creationId xmlns:a16="http://schemas.microsoft.com/office/drawing/2014/main" id="{367165E3-2FF2-4743-9570-27F2B7EC1FB4}"/>
               </a:ext>
             </a:extLst>
           </p:cNvPr>
@@ -3102,11 +2685,11 @@
           <a:bodyPr/>
           <a:lstStyle/>
           <a:p>
-            <a:fld id="{B3CF3B15-6A95-47D9-80CF-074360933380}" type="datetimeFigureOut">
-              <a:rPr lang="en-US" smtClean="0"/>
-              <a:t>4/14/2018</a:t>
+            <a:fld id="{5A0B6E71-5513-4BDB-A220-6A6E3E2D8520}" type="datetimeFigureOut">
+              <a:rPr lang="en-SG" smtClean="0"/>
+              <a:t>15/4/2018</a:t>
             </a:fld>
-            <a:endParaRPr lang="en-US"/>
+            <a:endParaRPr lang="en-SG"/>
           </a:p>
         </p:txBody>
       </p:sp>
@@ -3115,7 +2698,7 @@
           <p:cNvPr id="6" name="Footer Placeholder 5">
             <a:extLst>
               <a:ext uri="{FF2B5EF4-FFF2-40B4-BE49-F238E27FC236}">
-                <a16:creationId xmlns:a16="http://schemas.microsoft.com/office/drawing/2014/main" id="{C3D27083-FDA8-42C8-A099-DD7E43DB3FB3}"/>
+                <a16:creationId xmlns:a16="http://schemas.microsoft.com/office/drawing/2014/main" id="{917FC6BC-8A4E-40BD-8995-A355FD7B6ADB}"/>
               </a:ext>
             </a:extLst>
           </p:cNvPr>
@@ -3131,7 +2714,7 @@
           <a:bodyPr/>
           <a:lstStyle/>
           <a:p>
-            <a:endParaRPr lang="en-US"/>
+            <a:endParaRPr lang="en-SG"/>
           </a:p>
         </p:txBody>
       </p:sp>
@@ -3140,7 +2723,7 @@
           <p:cNvPr id="7" name="Slide Number Placeholder 6">
             <a:extLst>
               <a:ext uri="{FF2B5EF4-FFF2-40B4-BE49-F238E27FC236}">
-                <a16:creationId xmlns:a16="http://schemas.microsoft.com/office/drawing/2014/main" id="{95FF0BBF-4613-4F7F-84DF-B9AEC0DB27A7}"/>
+                <a16:creationId xmlns:a16="http://schemas.microsoft.com/office/drawing/2014/main" id="{C0C7B7CC-83AA-4AF7-93FB-C7B50F79C007}"/>
               </a:ext>
             </a:extLst>
           </p:cNvPr>
@@ -3156,18 +2739,18 @@
           <a:bodyPr/>
           <a:lstStyle/>
           <a:p>
-            <a:fld id="{35B365CF-E444-4CD6-B888-A0CD23656EFE}" type="slidenum">
-              <a:rPr lang="en-US" smtClean="0"/>
+            <a:fld id="{85E471BB-76D6-4271-8927-6D4C86AA64EE}" type="slidenum">
+              <a:rPr lang="en-SG" smtClean="0"/>
               <a:t>‹#›</a:t>
             </a:fld>
-            <a:endParaRPr lang="en-US"/>
+            <a:endParaRPr lang="en-SG"/>
           </a:p>
         </p:txBody>
       </p:sp>
     </p:spTree>
     <p:extLst>
       <p:ext uri="{BB962C8B-B14F-4D97-AF65-F5344CB8AC3E}">
-        <p14:creationId xmlns:p14="http://schemas.microsoft.com/office/powerpoint/2010/main" val="4131851823"/>
+        <p14:creationId xmlns:p14="http://schemas.microsoft.com/office/powerpoint/2010/main" val="976825511"/>
       </p:ext>
     </p:extLst>
   </p:cSld>
@@ -3204,7 +2787,7 @@
           <p:cNvPr id="2" name="Title Placeholder 1">
             <a:extLst>
               <a:ext uri="{FF2B5EF4-FFF2-40B4-BE49-F238E27FC236}">
-                <a16:creationId xmlns:a16="http://schemas.microsoft.com/office/drawing/2014/main" id="{4F9A435D-7A57-419E-8AE3-5F68B79683EC}"/>
+                <a16:creationId xmlns:a16="http://schemas.microsoft.com/office/drawing/2014/main" id="{F6FA9677-38A9-4A9B-98B9-95735D6B6FF8}"/>
               </a:ext>
             </a:extLst>
           </p:cNvPr>
@@ -3234,6 +2817,7 @@
               <a:rPr lang="en-US"/>
               <a:t>Click to edit Master title style</a:t>
             </a:r>
+            <a:endParaRPr lang="en-SG"/>
           </a:p>
         </p:txBody>
       </p:sp>
@@ -3242,7 +2826,7 @@
           <p:cNvPr id="3" name="Text Placeholder 2">
             <a:extLst>
               <a:ext uri="{FF2B5EF4-FFF2-40B4-BE49-F238E27FC236}">
-                <a16:creationId xmlns:a16="http://schemas.microsoft.com/office/drawing/2014/main" id="{DF7D1997-8CAD-4B95-818D-2AA8F84F65EF}"/>
+                <a16:creationId xmlns:a16="http://schemas.microsoft.com/office/drawing/2014/main" id="{7892B8B3-05C4-4820-A277-FE96F5122D7B}"/>
               </a:ext>
             </a:extLst>
           </p:cNvPr>
@@ -3301,6 +2885,7 @@
               <a:rPr lang="en-US"/>
               <a:t>Fifth level</a:t>
             </a:r>
+            <a:endParaRPr lang="en-SG"/>
           </a:p>
         </p:txBody>
       </p:sp>
@@ -3309,7 +2894,7 @@
           <p:cNvPr id="4" name="Date Placeholder 3">
             <a:extLst>
               <a:ext uri="{FF2B5EF4-FFF2-40B4-BE49-F238E27FC236}">
-                <a16:creationId xmlns:a16="http://schemas.microsoft.com/office/drawing/2014/main" id="{E2E88400-38FF-4E60-9091-DA35681AEE3F}"/>
+                <a16:creationId xmlns:a16="http://schemas.microsoft.com/office/drawing/2014/main" id="{10F3E499-567C-421E-91DA-D551F75FE92C}"/>
               </a:ext>
             </a:extLst>
           </p:cNvPr>
@@ -3343,11 +2928,11 @@
             </a:lvl1pPr>
           </a:lstStyle>
           <a:p>
-            <a:fld id="{B3CF3B15-6A95-47D9-80CF-074360933380}" type="datetimeFigureOut">
-              <a:rPr lang="en-US" smtClean="0"/>
-              <a:t>4/14/2018</a:t>
+            <a:fld id="{5A0B6E71-5513-4BDB-A220-6A6E3E2D8520}" type="datetimeFigureOut">
+              <a:rPr lang="en-SG" smtClean="0"/>
+              <a:t>15/4/2018</a:t>
             </a:fld>
-            <a:endParaRPr lang="en-US"/>
+            <a:endParaRPr lang="en-SG"/>
           </a:p>
         </p:txBody>
       </p:sp>
@@ -3356,7 +2941,7 @@
           <p:cNvPr id="5" name="Footer Placeholder 4">
             <a:extLst>
               <a:ext uri="{FF2B5EF4-FFF2-40B4-BE49-F238E27FC236}">
-                <a16:creationId xmlns:a16="http://schemas.microsoft.com/office/drawing/2014/main" id="{B85EDA21-EFE7-4CD0-B75C-F5FAF0E74594}"/>
+                <a16:creationId xmlns:a16="http://schemas.microsoft.com/office/drawing/2014/main" id="{725DDD23-8783-45F8-B841-2D0073ADE6C7}"/>
               </a:ext>
             </a:extLst>
           </p:cNvPr>
@@ -3390,7 +2975,7 @@
             </a:lvl1pPr>
           </a:lstStyle>
           <a:p>
-            <a:endParaRPr lang="en-US"/>
+            <a:endParaRPr lang="en-SG"/>
           </a:p>
         </p:txBody>
       </p:sp>
@@ -3399,7 +2984,7 @@
           <p:cNvPr id="6" name="Slide Number Placeholder 5">
             <a:extLst>
               <a:ext uri="{FF2B5EF4-FFF2-40B4-BE49-F238E27FC236}">
-                <a16:creationId xmlns:a16="http://schemas.microsoft.com/office/drawing/2014/main" id="{116A8C36-9D23-4801-B61E-406167A06146}"/>
+                <a16:creationId xmlns:a16="http://schemas.microsoft.com/office/drawing/2014/main" id="{EC230E21-F722-4F00-ABCE-18A752835EBE}"/>
               </a:ext>
             </a:extLst>
           </p:cNvPr>
@@ -3433,18 +3018,18 @@
             </a:lvl1pPr>
           </a:lstStyle>
           <a:p>
-            <a:fld id="{35B365CF-E444-4CD6-B888-A0CD23656EFE}" type="slidenum">
-              <a:rPr lang="en-US" smtClean="0"/>
+            <a:fld id="{85E471BB-76D6-4271-8927-6D4C86AA64EE}" type="slidenum">
+              <a:rPr lang="en-SG" smtClean="0"/>
               <a:t>‹#›</a:t>
             </a:fld>
-            <a:endParaRPr lang="en-US"/>
+            <a:endParaRPr lang="en-SG"/>
           </a:p>
         </p:txBody>
       </p:sp>
     </p:spTree>
     <p:extLst>
       <p:ext uri="{BB962C8B-B14F-4D97-AF65-F5344CB8AC3E}">
-        <p14:creationId xmlns:p14="http://schemas.microsoft.com/office/powerpoint/2010/main" val="192543084"/>
+        <p14:creationId xmlns:p14="http://schemas.microsoft.com/office/powerpoint/2010/main" val="2402668469"/>
       </p:ext>
     </p:extLst>
   </p:cSld>
@@ -3764,10 +3349,10 @@
       </p:grpSpPr>
       <p:sp>
         <p:nvSpPr>
-          <p:cNvPr id="119" name="Rectangle 65">
-            <a:extLst>
-              <a:ext uri="{FF2B5EF4-FFF2-40B4-BE49-F238E27FC236}">
-                <a16:creationId xmlns:a16="http://schemas.microsoft.com/office/drawing/2014/main" id="{35B76618-916F-4C2A-939E-9CCCF07FF208}"/>
+          <p:cNvPr id="5" name="Rectangle 4">
+            <a:extLst>
+              <a:ext uri="{FF2B5EF4-FFF2-40B4-BE49-F238E27FC236}">
+                <a16:creationId xmlns:a16="http://schemas.microsoft.com/office/drawing/2014/main" id="{2166FAAC-77DF-44C3-97EC-DCA74D60078D}"/>
               </a:ext>
             </a:extLst>
           </p:cNvPr>
@@ -3776,95 +3361,80 @@
         </p:nvSpPr>
         <p:spPr>
           <a:xfrm>
-            <a:off x="1010211" y="828293"/>
-            <a:ext cx="11916578" cy="5349985"/>
+            <a:off x="6212907" y="794295"/>
+            <a:ext cx="1983783" cy="521776"/>
           </a:xfrm>
-          <a:prstGeom prst="roundRect">
-            <a:avLst>
-              <a:gd name="adj" fmla="val 3484"/>
-            </a:avLst>
+          <a:prstGeom prst="rect">
+            <a:avLst/>
           </a:prstGeom>
           <a:solidFill>
-            <a:srgbClr val="8064A2">
-              <a:lumMod val="20000"/>
-              <a:lumOff val="80000"/>
-            </a:srgbClr>
+            <a:schemeClr val="tx2"/>
           </a:solidFill>
-          <a:ln w="19050" cap="flat" cmpd="sng" algn="ctr">
+          <a:ln>
             <a:noFill/>
-            <a:prstDash val="solid"/>
           </a:ln>
-          <a:effectLst/>
         </p:spPr>
-        <p:txBody>
-          <a:bodyPr rtlCol="0" anchor="t"/>
-          <a:lstStyle/>
-          <a:p>
-            <a:pPr marL="0" marR="0" lvl="0" indent="0" defTabSz="914400" eaLnBrk="1" fontAlgn="auto" latinLnBrk="0" hangingPunct="1">
-              <a:lnSpc>
-                <a:spcPct val="100000"/>
-              </a:lnSpc>
-              <a:spcBef>
-                <a:spcPts val="0"/>
-              </a:spcBef>
-              <a:spcAft>
-                <a:spcPts val="0"/>
-              </a:spcAft>
-              <a:buClrTx/>
-              <a:buSzTx/>
-              <a:buFontTx/>
-              <a:buNone/>
-              <a:tabLst/>
-              <a:defRPr/>
-            </a:pPr>
-            <a:endParaRPr kumimoji="0" lang="en-SG" sz="1200" b="1" i="0" u="none" strike="noStrike" kern="0" cap="none" spc="0" normalizeH="0" baseline="0" noProof="0" dirty="0">
-              <a:ln>
-                <a:noFill/>
-              </a:ln>
-              <a:solidFill>
-                <a:srgbClr val="7030A0"/>
-              </a:solidFill>
-              <a:effectLst/>
-              <a:uLnTx/>
-              <a:uFillTx/>
-              <a:latin typeface="Calibri"/>
-              <a:ea typeface="+mn-ea"/>
-              <a:cs typeface="+mn-cs"/>
-            </a:endParaRPr>
+        <p:style>
+          <a:lnRef idx="2">
+            <a:schemeClr val="accent1">
+              <a:shade val="50000"/>
+            </a:schemeClr>
+          </a:lnRef>
+          <a:fillRef idx="1">
+            <a:schemeClr val="accent1"/>
+          </a:fillRef>
+          <a:effectRef idx="0">
+            <a:schemeClr val="accent1"/>
+          </a:effectRef>
+          <a:fontRef idx="minor">
+            <a:schemeClr val="lt1"/>
+          </a:fontRef>
+        </p:style>
+        <p:txBody>
+          <a:bodyPr rtlCol="0" anchor="ctr"/>
+          <a:lstStyle/>
+          <a:p>
+            <a:pPr algn="ctr"/>
+            <a:r>
+              <a:rPr lang="en-SG" dirty="0"/>
+              <a:t>:</a:t>
+            </a:r>
+            <a:r>
+              <a:rPr lang="en-SG" dirty="0" err="1"/>
+              <a:t>EventsCenter</a:t>
+            </a:r>
+            <a:endParaRPr lang="en-SG" dirty="0"/>
           </a:p>
         </p:txBody>
       </p:sp>
       <p:cxnSp>
         <p:nvCxnSpPr>
-          <p:cNvPr id="188" name="Straight Arrow Connector 187">
-            <a:extLst>
-              <a:ext uri="{FF2B5EF4-FFF2-40B4-BE49-F238E27FC236}">
-                <a16:creationId xmlns:a16="http://schemas.microsoft.com/office/drawing/2014/main" id="{0425336F-8A6D-4DD2-B149-86969FAA5A7D}"/>
+          <p:cNvPr id="7" name="Straight Connector 6">
+            <a:extLst>
+              <a:ext uri="{FF2B5EF4-FFF2-40B4-BE49-F238E27FC236}">
+                <a16:creationId xmlns:a16="http://schemas.microsoft.com/office/drawing/2014/main" id="{F67B98A6-D33C-45A1-8810-96E439A6C383}"/>
               </a:ext>
             </a:extLst>
           </p:cNvPr>
           <p:cNvCxnSpPr>
             <a:cxnSpLocks/>
+            <a:stCxn id="5" idx="2"/>
           </p:cNvCxnSpPr>
           <p:nvPr/>
         </p:nvCxnSpPr>
         <p:spPr>
-          <a:xfrm flipV="1">
-            <a:off x="8589441" y="4863271"/>
-            <a:ext cx="2592348" cy="1"/>
+          <a:xfrm>
+            <a:off x="7204799" y="1316071"/>
+            <a:ext cx="0" cy="5027902"/>
           </a:xfrm>
-          <a:prstGeom prst="straightConnector1">
+          <a:prstGeom prst="line">
             <a:avLst/>
           </a:prstGeom>
           <a:ln w="19050">
             <a:solidFill>
-              <a:schemeClr val="accent2">
-                <a:lumMod val="75000"/>
-              </a:schemeClr>
+              <a:schemeClr val="tx2"/>
             </a:solidFill>
             <a:prstDash val="sysDash"/>
-            <a:headEnd type="arrow" w="med" len="med"/>
-            <a:tailEnd type="none" w="med" len="med"/>
           </a:ln>
         </p:spPr>
         <p:style>
@@ -3884,10 +3454,10 @@
       </p:cxnSp>
       <p:cxnSp>
         <p:nvCxnSpPr>
-          <p:cNvPr id="165" name="Straight Connector 164">
-            <a:extLst>
-              <a:ext uri="{FF2B5EF4-FFF2-40B4-BE49-F238E27FC236}">
-                <a16:creationId xmlns:a16="http://schemas.microsoft.com/office/drawing/2014/main" id="{3BFD58B7-1172-4C58-980B-E017D1E9F59E}"/>
+          <p:cNvPr id="9" name="Straight Arrow Connector 8">
+            <a:extLst>
+              <a:ext uri="{FF2B5EF4-FFF2-40B4-BE49-F238E27FC236}">
+                <a16:creationId xmlns:a16="http://schemas.microsoft.com/office/drawing/2014/main" id="{A6491CC3-880C-40AD-8135-14BD41439A33}"/>
               </a:ext>
             </a:extLst>
           </p:cNvPr>
@@ -3898,52 +3468,201 @@
         </p:nvCxnSpPr>
         <p:spPr>
           <a:xfrm>
-            <a:off x="8484596" y="1748022"/>
-            <a:ext cx="14430" cy="3776478"/>
+            <a:off x="3583362" y="1837847"/>
+            <a:ext cx="3474202" cy="0"/>
           </a:xfrm>
-          <a:prstGeom prst="line">
+          <a:prstGeom prst="straightConnector1">
             <a:avLst/>
           </a:prstGeom>
-          <a:gradFill rotWithShape="1">
-            <a:gsLst>
-              <a:gs pos="0">
-                <a:srgbClr val="4F81BD">
-                  <a:tint val="50000"/>
-                  <a:satMod val="300000"/>
-                </a:srgbClr>
-              </a:gs>
-              <a:gs pos="35000">
-                <a:srgbClr val="4F81BD">
-                  <a:tint val="37000"/>
-                  <a:satMod val="300000"/>
-                </a:srgbClr>
-              </a:gs>
-              <a:gs pos="100000">
-                <a:srgbClr val="4F81BD">
-                  <a:tint val="15000"/>
-                  <a:satMod val="350000"/>
-                </a:srgbClr>
-              </a:gs>
-            </a:gsLst>
-            <a:lin ang="16200000" scaled="1"/>
-          </a:gradFill>
-          <a:ln w="19050" cap="flat" cmpd="sng" algn="ctr">
-            <a:solidFill>
-              <a:srgbClr val="4BACC6">
-                <a:lumMod val="75000"/>
-              </a:srgbClr>
-            </a:solidFill>
-            <a:prstDash val="sysDash"/>
+          <a:ln>
+            <a:tailEnd type="triangle"/>
           </a:ln>
-          <a:effectLst/>
         </p:spPr>
+        <p:style>
+          <a:lnRef idx="3">
+            <a:schemeClr val="accent5"/>
+          </a:lnRef>
+          <a:fillRef idx="0">
+            <a:schemeClr val="accent5"/>
+          </a:fillRef>
+          <a:effectRef idx="2">
+            <a:schemeClr val="accent5"/>
+          </a:effectRef>
+          <a:fontRef idx="minor">
+            <a:schemeClr val="tx1"/>
+          </a:fontRef>
+        </p:style>
       </p:cxnSp>
+      <p:sp>
+        <p:nvSpPr>
+          <p:cNvPr id="10" name="Rectangle 9">
+            <a:extLst>
+              <a:ext uri="{FF2B5EF4-FFF2-40B4-BE49-F238E27FC236}">
+                <a16:creationId xmlns:a16="http://schemas.microsoft.com/office/drawing/2014/main" id="{A53F6E55-62BC-4473-8451-73FB1D6643CE}"/>
+              </a:ext>
+            </a:extLst>
+          </p:cNvPr>
+          <p:cNvSpPr/>
+          <p:nvPr/>
+        </p:nvSpPr>
+        <p:spPr>
+          <a:xfrm>
+            <a:off x="7067904" y="1837846"/>
+            <a:ext cx="268588" cy="3948183"/>
+          </a:xfrm>
+          <a:prstGeom prst="rect">
+            <a:avLst/>
+          </a:prstGeom>
+          <a:solidFill>
+            <a:schemeClr val="tx2"/>
+          </a:solidFill>
+        </p:spPr>
+        <p:style>
+          <a:lnRef idx="2">
+            <a:schemeClr val="accent1">
+              <a:shade val="50000"/>
+            </a:schemeClr>
+          </a:lnRef>
+          <a:fillRef idx="1">
+            <a:schemeClr val="accent1"/>
+          </a:fillRef>
+          <a:effectRef idx="0">
+            <a:schemeClr val="accent1"/>
+          </a:effectRef>
+          <a:fontRef idx="minor">
+            <a:schemeClr val="lt1"/>
+          </a:fontRef>
+        </p:style>
+        <p:txBody>
+          <a:bodyPr rtlCol="0" anchor="ctr"/>
+          <a:lstStyle/>
+          <a:p>
+            <a:pPr algn="ctr"/>
+            <a:endParaRPr lang="en-SG"/>
+          </a:p>
+        </p:txBody>
+      </p:sp>
+      <p:sp>
+        <p:nvSpPr>
+          <p:cNvPr id="11" name="TextBox 10">
+            <a:extLst>
+              <a:ext uri="{FF2B5EF4-FFF2-40B4-BE49-F238E27FC236}">
+                <a16:creationId xmlns:a16="http://schemas.microsoft.com/office/drawing/2014/main" id="{CCF2FA0B-D78A-4EF1-A9AC-9892D78E28A9}"/>
+              </a:ext>
+            </a:extLst>
+          </p:cNvPr>
+          <p:cNvSpPr txBox="1"/>
+          <p:nvPr/>
+        </p:nvSpPr>
+        <p:spPr>
+          <a:xfrm>
+            <a:off x="3867503" y="1509406"/>
+            <a:ext cx="2774190" cy="307777"/>
+          </a:xfrm>
+          <a:prstGeom prst="rect">
+            <a:avLst/>
+          </a:prstGeom>
+          <a:noFill/>
+        </p:spPr>
+        <p:txBody>
+          <a:bodyPr wrap="square" rtlCol="0">
+            <a:spAutoFit/>
+          </a:bodyPr>
+          <a:lstStyle/>
+          <a:p>
+            <a:r>
+              <a:rPr lang="en-SG" sz="1400" dirty="0" smtClean="0">
+                <a:solidFill>
+                  <a:schemeClr val="tx2"/>
+                </a:solidFill>
+              </a:rPr>
+              <a:t>post(</a:t>
+            </a:r>
+            <a:r>
+              <a:rPr lang="en-SG" sz="1400" dirty="0" err="1" smtClean="0">
+                <a:solidFill>
+                  <a:schemeClr val="tx2"/>
+                </a:solidFill>
+              </a:rPr>
+              <a:t>ShowScheduleEvent</a:t>
+            </a:r>
+            <a:r>
+              <a:rPr lang="en-SG" sz="1400" dirty="0">
+                <a:solidFill>
+                  <a:schemeClr val="tx2"/>
+                </a:solidFill>
+              </a:rPr>
+              <a:t>)</a:t>
+            </a:r>
+          </a:p>
+        </p:txBody>
+      </p:sp>
+      <p:sp>
+        <p:nvSpPr>
+          <p:cNvPr id="15" name="Rectangle 14">
+            <a:extLst>
+              <a:ext uri="{FF2B5EF4-FFF2-40B4-BE49-F238E27FC236}">
+                <a16:creationId xmlns:a16="http://schemas.microsoft.com/office/drawing/2014/main" id="{7CE9DDB6-D3DD-4E01-9BFF-076F0F246325}"/>
+              </a:ext>
+            </a:extLst>
+          </p:cNvPr>
+          <p:cNvSpPr/>
+          <p:nvPr/>
+        </p:nvSpPr>
+        <p:spPr>
+          <a:xfrm>
+            <a:off x="10064238" y="1034124"/>
+            <a:ext cx="1183036" cy="475282"/>
+          </a:xfrm>
+          <a:prstGeom prst="rect">
+            <a:avLst/>
+          </a:prstGeom>
+          <a:solidFill>
+            <a:schemeClr val="accent6"/>
+          </a:solidFill>
+          <a:ln>
+            <a:noFill/>
+          </a:ln>
+        </p:spPr>
+        <p:style>
+          <a:lnRef idx="2">
+            <a:schemeClr val="accent1">
+              <a:shade val="50000"/>
+            </a:schemeClr>
+          </a:lnRef>
+          <a:fillRef idx="1">
+            <a:schemeClr val="accent1"/>
+          </a:fillRef>
+          <a:effectRef idx="0">
+            <a:schemeClr val="accent1"/>
+          </a:effectRef>
+          <a:fontRef idx="minor">
+            <a:schemeClr val="lt1"/>
+          </a:fontRef>
+        </p:style>
+        <p:txBody>
+          <a:bodyPr rtlCol="0" anchor="ctr"/>
+          <a:lstStyle/>
+          <a:p>
+            <a:pPr algn="ctr"/>
+            <a:r>
+              <a:rPr lang="en-SG" dirty="0"/>
+              <a:t>:</a:t>
+            </a:r>
+            <a:r>
+              <a:rPr lang="en-SG" dirty="0" err="1"/>
+              <a:t>InfoPanel</a:t>
+            </a:r>
+            <a:endParaRPr lang="en-SG" dirty="0"/>
+          </a:p>
+        </p:txBody>
+      </p:sp>
       <p:cxnSp>
         <p:nvCxnSpPr>
-          <p:cNvPr id="158" name="Straight Connector 157">
-            <a:extLst>
-              <a:ext uri="{FF2B5EF4-FFF2-40B4-BE49-F238E27FC236}">
-                <a16:creationId xmlns:a16="http://schemas.microsoft.com/office/drawing/2014/main" id="{98F39F4D-1759-4606-B4C6-B75356880D7F}"/>
+          <p:cNvPr id="16" name="Straight Connector 15">
+            <a:extLst>
+              <a:ext uri="{FF2B5EF4-FFF2-40B4-BE49-F238E27FC236}">
+                <a16:creationId xmlns:a16="http://schemas.microsoft.com/office/drawing/2014/main" id="{076090C4-6B30-4513-8374-E07F5CB617FD}"/>
               </a:ext>
             </a:extLst>
           </p:cNvPr>
@@ -3954,43 +3673,40 @@
         </p:nvCxnSpPr>
         <p:spPr>
           <a:xfrm>
-            <a:off x="11279465" y="1756816"/>
-            <a:ext cx="0" cy="3691484"/>
+            <a:off x="10655756" y="1395751"/>
+            <a:ext cx="12996" cy="4602092"/>
           </a:xfrm>
           <a:prstGeom prst="line">
             <a:avLst/>
           </a:prstGeom>
           <a:ln w="19050">
             <a:solidFill>
-              <a:schemeClr val="accent2">
-                <a:lumMod val="75000"/>
-              </a:schemeClr>
+              <a:schemeClr val="accent6"/>
             </a:solidFill>
             <a:prstDash val="sysDash"/>
           </a:ln>
-          <a:effectLst/>
         </p:spPr>
         <p:style>
           <a:lnRef idx="1">
             <a:schemeClr val="accent1"/>
           </a:lnRef>
-          <a:fillRef idx="2">
+          <a:fillRef idx="0">
             <a:schemeClr val="accent1"/>
           </a:fillRef>
-          <a:effectRef idx="1">
+          <a:effectRef idx="0">
             <a:schemeClr val="accent1"/>
           </a:effectRef>
           <a:fontRef idx="minor">
-            <a:schemeClr val="dk1"/>
+            <a:schemeClr val="tx1"/>
           </a:fontRef>
         </p:style>
       </p:cxnSp>
       <p:sp>
         <p:nvSpPr>
-          <p:cNvPr id="70" name="Rectangle 62">
-            <a:extLst>
-              <a:ext uri="{FF2B5EF4-FFF2-40B4-BE49-F238E27FC236}">
-                <a16:creationId xmlns:a16="http://schemas.microsoft.com/office/drawing/2014/main" id="{1860802E-743B-4457-A6CB-1CA931DAF4B7}"/>
+          <p:cNvPr id="17" name="Rectangle 16">
+            <a:extLst>
+              <a:ext uri="{FF2B5EF4-FFF2-40B4-BE49-F238E27FC236}">
+                <a16:creationId xmlns:a16="http://schemas.microsoft.com/office/drawing/2014/main" id="{021D5847-3C9A-4E1F-958D-13B18B0C0FE3}"/>
               </a:ext>
             </a:extLst>
           </p:cNvPr>
@@ -3999,58 +3715,387 @@
         </p:nvSpPr>
         <p:spPr>
           <a:xfrm>
-            <a:off x="1148861" y="1277690"/>
-            <a:ext cx="1901909" cy="461538"/>
+            <a:off x="10549858" y="1971071"/>
+            <a:ext cx="273785" cy="3282854"/>
           </a:xfrm>
           <a:prstGeom prst="rect">
             <a:avLst/>
           </a:prstGeom>
           <a:solidFill>
-            <a:srgbClr val="7030A0"/>
+            <a:schemeClr val="accent6"/>
           </a:solidFill>
-          <a:ln w="19050">
+          <a:ln>
+            <a:solidFill>
+              <a:schemeClr val="accent6"/>
+            </a:solidFill>
+          </a:ln>
+        </p:spPr>
+        <p:style>
+          <a:lnRef idx="2">
+            <a:schemeClr val="accent1">
+              <a:shade val="50000"/>
+            </a:schemeClr>
+          </a:lnRef>
+          <a:fillRef idx="1">
+            <a:schemeClr val="accent1"/>
+          </a:fillRef>
+          <a:effectRef idx="0">
+            <a:schemeClr val="accent1"/>
+          </a:effectRef>
+          <a:fontRef idx="minor">
+            <a:schemeClr val="lt1"/>
+          </a:fontRef>
+        </p:style>
+        <p:txBody>
+          <a:bodyPr rtlCol="0" anchor="ctr"/>
+          <a:lstStyle/>
+          <a:p>
+            <a:pPr algn="ctr"/>
+            <a:endParaRPr lang="en-SG"/>
+          </a:p>
+        </p:txBody>
+      </p:sp>
+      <p:cxnSp>
+        <p:nvCxnSpPr>
+          <p:cNvPr id="18" name="Straight Arrow Connector 17">
+            <a:extLst>
+              <a:ext uri="{FF2B5EF4-FFF2-40B4-BE49-F238E27FC236}">
+                <a16:creationId xmlns:a16="http://schemas.microsoft.com/office/drawing/2014/main" id="{82AA56F0-F24B-4F7F-9F50-7974EC22EFAD}"/>
+              </a:ext>
+            </a:extLst>
+          </p:cNvPr>
+          <p:cNvCxnSpPr>
+            <a:cxnSpLocks/>
+          </p:cNvCxnSpPr>
+          <p:nvPr/>
+        </p:nvCxnSpPr>
+        <p:spPr>
+          <a:xfrm flipV="1">
+            <a:off x="7341692" y="1971071"/>
+            <a:ext cx="3208167" cy="39841"/>
+          </a:xfrm>
+          <a:prstGeom prst="straightConnector1">
+            <a:avLst/>
+          </a:prstGeom>
+          <a:ln>
+            <a:solidFill>
+              <a:schemeClr val="tx2"/>
+            </a:solidFill>
+            <a:tailEnd type="triangle"/>
+          </a:ln>
+        </p:spPr>
+        <p:style>
+          <a:lnRef idx="3">
+            <a:schemeClr val="accent6"/>
+          </a:lnRef>
+          <a:fillRef idx="0">
+            <a:schemeClr val="accent6"/>
+          </a:fillRef>
+          <a:effectRef idx="2">
+            <a:schemeClr val="accent6"/>
+          </a:effectRef>
+          <a:fontRef idx="minor">
+            <a:schemeClr val="tx1"/>
+          </a:fontRef>
+        </p:style>
+      </p:cxnSp>
+      <p:sp>
+        <p:nvSpPr>
+          <p:cNvPr id="23" name="TextBox 22">
+            <a:extLst>
+              <a:ext uri="{FF2B5EF4-FFF2-40B4-BE49-F238E27FC236}">
+                <a16:creationId xmlns:a16="http://schemas.microsoft.com/office/drawing/2014/main" id="{3F98E661-4F54-45E8-BAD1-4092BDBA22E6}"/>
+              </a:ext>
+            </a:extLst>
+          </p:cNvPr>
+          <p:cNvSpPr txBox="1"/>
+          <p:nvPr/>
+        </p:nvSpPr>
+        <p:spPr>
+          <a:xfrm>
+            <a:off x="7411695" y="1663294"/>
+            <a:ext cx="3004082" cy="307777"/>
+          </a:xfrm>
+          <a:prstGeom prst="rect">
+            <a:avLst/>
+          </a:prstGeom>
+          <a:noFill/>
+        </p:spPr>
+        <p:txBody>
+          <a:bodyPr wrap="square" rtlCol="0">
+            <a:spAutoFit/>
+          </a:bodyPr>
+          <a:lstStyle/>
+          <a:p>
+            <a:r>
+              <a:rPr lang="en-SG" sz="1400" dirty="0" err="1" smtClean="0">
+                <a:solidFill>
+                  <a:schemeClr val="accent6"/>
+                </a:solidFill>
+              </a:rPr>
+              <a:t>handleShowScheduleEvent</a:t>
+            </a:r>
+            <a:r>
+              <a:rPr lang="en-SG" sz="1400" dirty="0">
+                <a:solidFill>
+                  <a:schemeClr val="accent6"/>
+                </a:solidFill>
+              </a:rPr>
+              <a:t>()</a:t>
+            </a:r>
+          </a:p>
+        </p:txBody>
+      </p:sp>
+      <p:sp>
+        <p:nvSpPr>
+          <p:cNvPr id="28" name="Rectangle 27">
+            <a:extLst>
+              <a:ext uri="{FF2B5EF4-FFF2-40B4-BE49-F238E27FC236}">
+                <a16:creationId xmlns:a16="http://schemas.microsoft.com/office/drawing/2014/main" id="{CC6D6947-A41B-4A74-9036-2F7D8219B65C}"/>
+              </a:ext>
+            </a:extLst>
+          </p:cNvPr>
+          <p:cNvSpPr/>
+          <p:nvPr/>
+        </p:nvSpPr>
+        <p:spPr>
+          <a:xfrm>
+            <a:off x="857226" y="796483"/>
+            <a:ext cx="1875293" cy="475282"/>
+          </a:xfrm>
+          <a:prstGeom prst="rect">
+            <a:avLst/>
+          </a:prstGeom>
+          <a:solidFill>
+            <a:srgbClr val="00B050"/>
+          </a:solidFill>
+          <a:ln>
             <a:noFill/>
           </a:ln>
-          <a:effectLst/>
+        </p:spPr>
+        <p:style>
+          <a:lnRef idx="2">
+            <a:schemeClr val="accent1">
+              <a:shade val="50000"/>
+            </a:schemeClr>
+          </a:lnRef>
+          <a:fillRef idx="1">
+            <a:schemeClr val="accent1"/>
+          </a:fillRef>
+          <a:effectRef idx="0">
+            <a:schemeClr val="accent1"/>
+          </a:effectRef>
+          <a:fontRef idx="minor">
+            <a:schemeClr val="lt1"/>
+          </a:fontRef>
+        </p:style>
+        <p:txBody>
+          <a:bodyPr rtlCol="0" anchor="ctr"/>
+          <a:lstStyle/>
+          <a:p>
+            <a:pPr algn="ctr"/>
+            <a:r>
+              <a:rPr lang="en-SG" dirty="0" smtClean="0"/>
+              <a:t>:</a:t>
+            </a:r>
+            <a:r>
+              <a:rPr lang="en-SG" dirty="0" err="1" smtClean="0"/>
+              <a:t>CalendarPanel</a:t>
+            </a:r>
+            <a:endParaRPr lang="en-SG" dirty="0"/>
+          </a:p>
+        </p:txBody>
+      </p:sp>
+      <p:cxnSp>
+        <p:nvCxnSpPr>
+          <p:cNvPr id="29" name="Straight Connector 28">
+            <a:extLst>
+              <a:ext uri="{FF2B5EF4-FFF2-40B4-BE49-F238E27FC236}">
+                <a16:creationId xmlns:a16="http://schemas.microsoft.com/office/drawing/2014/main" id="{D1A2A52A-2E5D-46E7-A6B7-9EA695221B3C}"/>
+              </a:ext>
+            </a:extLst>
+          </p:cNvPr>
+          <p:cNvCxnSpPr>
+            <a:cxnSpLocks/>
+            <a:stCxn id="28" idx="2"/>
+          </p:cNvCxnSpPr>
+          <p:nvPr/>
+        </p:nvCxnSpPr>
+        <p:spPr>
+          <a:xfrm>
+            <a:off x="1794873" y="1271765"/>
+            <a:ext cx="43251" cy="4148133"/>
+          </a:xfrm>
+          <a:prstGeom prst="line">
+            <a:avLst/>
+          </a:prstGeom>
+          <a:ln w="19050">
+            <a:solidFill>
+              <a:schemeClr val="accent6"/>
+            </a:solidFill>
+            <a:prstDash val="sysDash"/>
+          </a:ln>
         </p:spPr>
         <p:style>
           <a:lnRef idx="1">
-            <a:schemeClr val="accent2"/>
+            <a:schemeClr val="accent1"/>
           </a:lnRef>
-          <a:fillRef idx="2">
-            <a:schemeClr val="accent2"/>
+          <a:fillRef idx="0">
+            <a:schemeClr val="accent1"/>
           </a:fillRef>
-          <a:effectRef idx="1">
-            <a:schemeClr val="accent2"/>
+          <a:effectRef idx="0">
+            <a:schemeClr val="accent1"/>
           </a:effectRef>
           <a:fontRef idx="minor">
-            <a:schemeClr val="dk1"/>
+            <a:schemeClr val="tx1"/>
           </a:fontRef>
         </p:style>
+      </p:cxnSp>
+      <p:sp>
+        <p:nvSpPr>
+          <p:cNvPr id="30" name="Rectangle 29">
+            <a:extLst>
+              <a:ext uri="{FF2B5EF4-FFF2-40B4-BE49-F238E27FC236}">
+                <a16:creationId xmlns:a16="http://schemas.microsoft.com/office/drawing/2014/main" id="{36B9CFBF-899D-47E8-BAF1-8FC5186D825F}"/>
+              </a:ext>
+            </a:extLst>
+          </p:cNvPr>
+          <p:cNvSpPr/>
+          <p:nvPr/>
+        </p:nvSpPr>
+        <p:spPr>
+          <a:xfrm>
+            <a:off x="1679289" y="2917955"/>
+            <a:ext cx="247926" cy="1346473"/>
+          </a:xfrm>
+          <a:prstGeom prst="rect">
+            <a:avLst/>
+          </a:prstGeom>
+          <a:solidFill>
+            <a:srgbClr val="00B050"/>
+          </a:solidFill>
+          <a:ln>
+            <a:solidFill>
+              <a:schemeClr val="accent6"/>
+            </a:solidFill>
+          </a:ln>
+        </p:spPr>
+        <p:style>
+          <a:lnRef idx="2">
+            <a:schemeClr val="accent1">
+              <a:shade val="50000"/>
+            </a:schemeClr>
+          </a:lnRef>
+          <a:fillRef idx="1">
+            <a:schemeClr val="accent1"/>
+          </a:fillRef>
+          <a:effectRef idx="0">
+            <a:schemeClr val="accent1"/>
+          </a:effectRef>
+          <a:fontRef idx="minor">
+            <a:schemeClr val="lt1"/>
+          </a:fontRef>
+        </p:style>
         <p:txBody>
           <a:bodyPr rtlCol="0" anchor="ctr"/>
           <a:lstStyle/>
           <a:p>
             <a:pPr algn="ctr"/>
-            <a:r>
-              <a:rPr lang="en-US" sz="1600" dirty="0" smtClean="0">
+            <a:endParaRPr lang="en-SG" dirty="0"/>
+          </a:p>
+        </p:txBody>
+      </p:sp>
+      <p:cxnSp>
+        <p:nvCxnSpPr>
+          <p:cNvPr id="31" name="Straight Arrow Connector 30">
+            <a:extLst>
+              <a:ext uri="{FF2B5EF4-FFF2-40B4-BE49-F238E27FC236}">
+                <a16:creationId xmlns:a16="http://schemas.microsoft.com/office/drawing/2014/main" id="{66FCD7F3-23C2-4653-8EC1-6EE7689849E7}"/>
+              </a:ext>
+            </a:extLst>
+          </p:cNvPr>
+          <p:cNvCxnSpPr>
+            <a:cxnSpLocks/>
+          </p:cNvCxnSpPr>
+          <p:nvPr/>
+        </p:nvCxnSpPr>
+        <p:spPr>
+          <a:xfrm flipH="1">
+            <a:off x="1932415" y="2943307"/>
+            <a:ext cx="5101270" cy="0"/>
+          </a:xfrm>
+          <a:prstGeom prst="straightConnector1">
+            <a:avLst/>
+          </a:prstGeom>
+          <a:ln>
+            <a:solidFill>
+              <a:schemeClr val="tx2"/>
+            </a:solidFill>
+            <a:tailEnd type="triangle"/>
+          </a:ln>
+        </p:spPr>
+        <p:style>
+          <a:lnRef idx="3">
+            <a:schemeClr val="accent6"/>
+          </a:lnRef>
+          <a:fillRef idx="0">
+            <a:schemeClr val="accent6"/>
+          </a:fillRef>
+          <a:effectRef idx="2">
+            <a:schemeClr val="accent6"/>
+          </a:effectRef>
+          <a:fontRef idx="minor">
+            <a:schemeClr val="tx1"/>
+          </a:fontRef>
+        </p:style>
+      </p:cxnSp>
+      <p:sp>
+        <p:nvSpPr>
+          <p:cNvPr id="34" name="TextBox 33">
+            <a:extLst>
+              <a:ext uri="{FF2B5EF4-FFF2-40B4-BE49-F238E27FC236}">
+                <a16:creationId xmlns:a16="http://schemas.microsoft.com/office/drawing/2014/main" id="{B6DB5FE8-1EB8-485C-9EA0-CA73B0140D83}"/>
+              </a:ext>
+            </a:extLst>
+          </p:cNvPr>
+          <p:cNvSpPr txBox="1"/>
+          <p:nvPr/>
+        </p:nvSpPr>
+        <p:spPr>
+          <a:xfrm>
+            <a:off x="2668197" y="2646959"/>
+            <a:ext cx="3629705" cy="307777"/>
+          </a:xfrm>
+          <a:prstGeom prst="rect">
+            <a:avLst/>
+          </a:prstGeom>
+          <a:noFill/>
+        </p:spPr>
+        <p:txBody>
+          <a:bodyPr wrap="square" rtlCol="0">
+            <a:spAutoFit/>
+          </a:bodyPr>
+          <a:lstStyle/>
+          <a:p>
+            <a:r>
+              <a:rPr lang="en-SG" sz="1400" dirty="0" err="1" smtClean="0">
                 <a:solidFill>
-                  <a:schemeClr val="bg1"/>
+                  <a:schemeClr val="accent6"/>
                 </a:solidFill>
               </a:rPr>
-              <a:t>:</a:t>
-            </a:r>
-            <a:r>
-              <a:rPr lang="en-US" sz="1600" dirty="0" err="1" smtClean="0">
+              <a:t>handleShowScheduleEvent</a:t>
+            </a:r>
+            <a:r>
+              <a:rPr lang="en-SG" sz="1400" dirty="0" smtClean="0">
                 <a:solidFill>
-                  <a:schemeClr val="bg1"/>
+                  <a:schemeClr val="accent6"/>
                 </a:solidFill>
               </a:rPr>
-              <a:t>adLessonCommand</a:t>
-            </a:r>
-            <a:endParaRPr lang="en-SG" sz="1600" dirty="0">
+              <a:t>()</a:t>
+            </a:r>
+            <a:endParaRPr lang="en-SG" sz="1400" dirty="0">
               <a:solidFill>
-                <a:schemeClr val="bg1"/>
+                <a:srgbClr val="00B050"/>
               </a:solidFill>
             </a:endParaRPr>
           </a:p>
@@ -4058,10 +4103,10 @@
       </p:sp>
       <p:cxnSp>
         <p:nvCxnSpPr>
-          <p:cNvPr id="75" name="Straight Connector 74">
-            <a:extLst>
-              <a:ext uri="{FF2B5EF4-FFF2-40B4-BE49-F238E27FC236}">
-                <a16:creationId xmlns:a16="http://schemas.microsoft.com/office/drawing/2014/main" id="{6C8E82F5-0C35-4FDA-AF6D-385DDF60F8D0}"/>
+          <p:cNvPr id="54" name="Straight Arrow Connector 53">
+            <a:extLst>
+              <a:ext uri="{FF2B5EF4-FFF2-40B4-BE49-F238E27FC236}">
+                <a16:creationId xmlns:a16="http://schemas.microsoft.com/office/drawing/2014/main" id="{78E949EB-EFA6-40C2-AEFF-A18073AF30C7}"/>
               </a:ext>
             </a:extLst>
           </p:cNvPr>
@@ -4072,150 +4117,41 @@
         </p:nvCxnSpPr>
         <p:spPr>
           <a:xfrm>
-            <a:off x="1761255" y="1739229"/>
-            <a:ext cx="59613" cy="3841081"/>
+            <a:off x="1935035" y="4116091"/>
+            <a:ext cx="5132869" cy="0"/>
           </a:xfrm>
-          <a:prstGeom prst="line">
+          <a:prstGeom prst="straightConnector1">
             <a:avLst/>
           </a:prstGeom>
-          <a:ln w="19050">
+          <a:ln>
             <a:solidFill>
-              <a:srgbClr val="7030A0"/>
+              <a:srgbClr val="00B050"/>
             </a:solidFill>
             <a:prstDash val="sysDash"/>
+            <a:tailEnd type="triangle"/>
           </a:ln>
-          <a:effectLst/>
         </p:spPr>
         <p:style>
-          <a:lnRef idx="1">
-            <a:schemeClr val="accent1"/>
+          <a:lnRef idx="3">
+            <a:schemeClr val="accent6"/>
           </a:lnRef>
-          <a:fillRef idx="2">
-            <a:schemeClr val="accent1"/>
+          <a:fillRef idx="0">
+            <a:schemeClr val="accent6"/>
           </a:fillRef>
-          <a:effectRef idx="1">
-            <a:schemeClr val="accent1"/>
+          <a:effectRef idx="2">
+            <a:schemeClr val="accent6"/>
           </a:effectRef>
           <a:fontRef idx="minor">
-            <a:schemeClr val="dk1"/>
+            <a:schemeClr val="tx1"/>
           </a:fontRef>
         </p:style>
       </p:cxnSp>
-      <p:sp>
-        <p:nvSpPr>
-          <p:cNvPr id="80" name="Rectangle 79">
-            <a:extLst>
-              <a:ext uri="{FF2B5EF4-FFF2-40B4-BE49-F238E27FC236}">
-                <a16:creationId xmlns:a16="http://schemas.microsoft.com/office/drawing/2014/main" id="{EA93B088-8DA7-42A8-B9D1-5042ABFF44AA}"/>
-              </a:ext>
-            </a:extLst>
-          </p:cNvPr>
-          <p:cNvSpPr/>
-          <p:nvPr/>
-        </p:nvSpPr>
-        <p:spPr>
-          <a:xfrm>
-            <a:off x="1661665" y="1953866"/>
-            <a:ext cx="196357" cy="3494426"/>
-          </a:xfrm>
-          <a:prstGeom prst="rect">
-            <a:avLst/>
-          </a:prstGeom>
-          <a:solidFill>
-            <a:srgbClr val="7030A0"/>
-          </a:solidFill>
-          <a:ln>
-            <a:solidFill>
-              <a:srgbClr val="0070C0"/>
-            </a:solidFill>
-          </a:ln>
-          <a:effectLst/>
-        </p:spPr>
-        <p:style>
-          <a:lnRef idx="1">
-            <a:schemeClr val="accent3"/>
-          </a:lnRef>
-          <a:fillRef idx="2">
-            <a:schemeClr val="accent3"/>
-          </a:fillRef>
-          <a:effectRef idx="1">
-            <a:schemeClr val="accent3"/>
-          </a:effectRef>
-          <a:fontRef idx="minor">
-            <a:schemeClr val="dk1"/>
-          </a:fontRef>
-        </p:style>
-        <p:txBody>
-          <a:bodyPr rtlCol="0" anchor="ctr"/>
-          <a:lstStyle/>
-          <a:p>
-            <a:pPr algn="ctr"/>
-            <a:endParaRPr lang="en-SG" sz="1400" dirty="0"/>
-          </a:p>
-        </p:txBody>
-      </p:sp>
-      <p:sp>
-        <p:nvSpPr>
-          <p:cNvPr id="81" name="Rectangle 80">
-            <a:extLst>
-              <a:ext uri="{FF2B5EF4-FFF2-40B4-BE49-F238E27FC236}">
-                <a16:creationId xmlns:a16="http://schemas.microsoft.com/office/drawing/2014/main" id="{2FA221A6-465B-45B6-9163-0D7100387ABB}"/>
-              </a:ext>
-            </a:extLst>
-          </p:cNvPr>
-          <p:cNvSpPr/>
-          <p:nvPr/>
-        </p:nvSpPr>
-        <p:spPr>
-          <a:xfrm>
-            <a:off x="1828162" y="2080465"/>
-            <a:ext cx="170627" cy="1375389"/>
-          </a:xfrm>
-          <a:prstGeom prst="rect">
-            <a:avLst/>
-          </a:prstGeom>
-          <a:solidFill>
-            <a:srgbClr val="7030A0"/>
-          </a:solidFill>
-          <a:ln>
-            <a:solidFill>
-              <a:schemeClr val="tx2">
-                <a:lumMod val="20000"/>
-                <a:lumOff val="80000"/>
-              </a:schemeClr>
-            </a:solidFill>
-          </a:ln>
-          <a:effectLst/>
-        </p:spPr>
-        <p:style>
-          <a:lnRef idx="1">
-            <a:schemeClr val="accent3"/>
-          </a:lnRef>
-          <a:fillRef idx="2">
-            <a:schemeClr val="accent3"/>
-          </a:fillRef>
-          <a:effectRef idx="1">
-            <a:schemeClr val="accent3"/>
-          </a:effectRef>
-          <a:fontRef idx="minor">
-            <a:schemeClr val="dk1"/>
-          </a:fontRef>
-        </p:style>
-        <p:txBody>
-          <a:bodyPr rtlCol="0" anchor="ctr"/>
-          <a:lstStyle/>
-          <a:p>
-            <a:pPr algn="ctr"/>
-            <a:endParaRPr lang="en-SG" sz="1400" dirty="0"/>
-          </a:p>
-        </p:txBody>
-      </p:sp>
       <p:cxnSp>
         <p:nvCxnSpPr>
-          <p:cNvPr id="82" name="Connector: Elbow 81">
-            <a:extLst>
-              <a:ext uri="{FF2B5EF4-FFF2-40B4-BE49-F238E27FC236}">
-                <a16:creationId xmlns:a16="http://schemas.microsoft.com/office/drawing/2014/main" id="{3F5BEDC7-984D-4FA2-9C5B-CA9CDB2B3259}"/>
+          <p:cNvPr id="57" name="Straight Arrow Connector 56">
+            <a:extLst>
+              <a:ext uri="{FF2B5EF4-FFF2-40B4-BE49-F238E27FC236}">
+                <a16:creationId xmlns:a16="http://schemas.microsoft.com/office/drawing/2014/main" id="{86B5DAAD-BA37-46A3-BB0C-121B13A40AF0}"/>
               </a:ext>
             </a:extLst>
           </p:cNvPr>
@@ -4225,18 +4161,117 @@
           <p:nvPr/>
         </p:nvCxnSpPr>
         <p:spPr>
+          <a:xfrm flipH="1">
+            <a:off x="7346832" y="5253924"/>
+            <a:ext cx="3191390" cy="1"/>
+          </a:xfrm>
+          <a:prstGeom prst="straightConnector1">
+            <a:avLst/>
+          </a:prstGeom>
+          <a:ln>
+            <a:solidFill>
+              <a:schemeClr val="accent6"/>
+            </a:solidFill>
+            <a:prstDash val="sysDash"/>
+            <a:tailEnd type="triangle"/>
+          </a:ln>
+        </p:spPr>
+        <p:style>
+          <a:lnRef idx="3">
+            <a:schemeClr val="accent6"/>
+          </a:lnRef>
+          <a:fillRef idx="0">
+            <a:schemeClr val="accent6"/>
+          </a:fillRef>
+          <a:effectRef idx="2">
+            <a:schemeClr val="accent6"/>
+          </a:effectRef>
+          <a:fontRef idx="minor">
+            <a:schemeClr val="tx1"/>
+          </a:fontRef>
+        </p:style>
+      </p:cxnSp>
+      <p:sp>
+        <p:nvSpPr>
+          <p:cNvPr id="62" name="Rectangle 61">
+            <a:extLst>
+              <a:ext uri="{FF2B5EF4-FFF2-40B4-BE49-F238E27FC236}">
+                <a16:creationId xmlns:a16="http://schemas.microsoft.com/office/drawing/2014/main" id="{C3A69984-BD50-4D07-9B27-B73F512BD036}"/>
+              </a:ext>
+            </a:extLst>
+          </p:cNvPr>
+          <p:cNvSpPr/>
+          <p:nvPr/>
+        </p:nvSpPr>
+        <p:spPr>
           <a:xfrm>
-            <a:off x="1829496" y="1976642"/>
-            <a:ext cx="139923" cy="112720"/>
+            <a:off x="1493122" y="3004040"/>
+            <a:ext cx="270205" cy="1112051"/>
           </a:xfrm>
-          <a:prstGeom prst="bentConnector3">
+          <a:prstGeom prst="rect">
+            <a:avLst/>
+          </a:prstGeom>
+          <a:solidFill>
+            <a:srgbClr val="00B050"/>
+          </a:solidFill>
+          <a:ln>
+            <a:solidFill>
+              <a:schemeClr val="bg1"/>
+            </a:solidFill>
+          </a:ln>
+        </p:spPr>
+        <p:style>
+          <a:lnRef idx="2">
+            <a:schemeClr val="accent1">
+              <a:shade val="50000"/>
+            </a:schemeClr>
+          </a:lnRef>
+          <a:fillRef idx="1">
+            <a:schemeClr val="accent1"/>
+          </a:fillRef>
+          <a:effectRef idx="0">
+            <a:schemeClr val="accent1"/>
+          </a:effectRef>
+          <a:fontRef idx="minor">
+            <a:schemeClr val="lt1"/>
+          </a:fontRef>
+        </p:style>
+        <p:txBody>
+          <a:bodyPr rtlCol="0" anchor="ctr"/>
+          <a:lstStyle/>
+          <a:p>
+            <a:pPr algn="ctr"/>
+            <a:endParaRPr lang="en-SG" dirty="0"/>
+          </a:p>
+        </p:txBody>
+      </p:sp>
+      <p:cxnSp>
+        <p:nvCxnSpPr>
+          <p:cNvPr id="64" name="Connector: Curved 63">
+            <a:extLst>
+              <a:ext uri="{FF2B5EF4-FFF2-40B4-BE49-F238E27FC236}">
+                <a16:creationId xmlns:a16="http://schemas.microsoft.com/office/drawing/2014/main" id="{54771C1A-42A3-4029-BCB4-81CF8457A135}"/>
+              </a:ext>
+            </a:extLst>
+          </p:cNvPr>
+          <p:cNvCxnSpPr>
+            <a:cxnSpLocks/>
+          </p:cNvCxnSpPr>
+          <p:nvPr/>
+        </p:nvCxnSpPr>
+        <p:spPr>
+          <a:xfrm rot="10800000" flipV="1">
+            <a:off x="1493851" y="2917956"/>
+            <a:ext cx="165799" cy="97568"/>
+          </a:xfrm>
+          <a:prstGeom prst="curvedConnector3">
             <a:avLst>
-              <a:gd name="adj1" fmla="val 202030"/>
+              <a:gd name="adj1" fmla="val 187878"/>
             </a:avLst>
           </a:prstGeom>
           <a:ln w="19050">
             <a:solidFill>
-              <a:srgbClr val="7030A0"/>
+              <a:srgbClr val="00B050"/>
             </a:solidFill>
             <a:tailEnd type="triangle"/>
           </a:ln>
@@ -4258,10 +4293,10 @@
       </p:cxnSp>
       <p:sp>
         <p:nvSpPr>
-          <p:cNvPr id="83" name="TextBox 82">
-            <a:extLst>
-              <a:ext uri="{FF2B5EF4-FFF2-40B4-BE49-F238E27FC236}">
-                <a16:creationId xmlns:a16="http://schemas.microsoft.com/office/drawing/2014/main" id="{8CDBAA24-4C0B-4B10-87B6-18442D937A0E}"/>
+          <p:cNvPr id="70" name="TextBox 69">
+            <a:extLst>
+              <a:ext uri="{FF2B5EF4-FFF2-40B4-BE49-F238E27FC236}">
+                <a16:creationId xmlns:a16="http://schemas.microsoft.com/office/drawing/2014/main" id="{F7F8F1C1-2411-4FBA-9964-C902D7145954}"/>
               </a:ext>
             </a:extLst>
           </p:cNvPr>
@@ -4270,8 +4305,8 @@
         </p:nvSpPr>
         <p:spPr>
           <a:xfrm>
-            <a:off x="1988088" y="1873918"/>
-            <a:ext cx="2500442" cy="215444"/>
+            <a:off x="338225" y="2700428"/>
+            <a:ext cx="1741312" cy="307777"/>
           </a:xfrm>
           <a:prstGeom prst="rect">
             <a:avLst/>
@@ -4279,47 +4314,41 @@
           <a:noFill/>
         </p:spPr>
         <p:txBody>
-          <a:bodyPr wrap="square" lIns="0" tIns="0" rIns="0" bIns="0" rtlCol="0">
+          <a:bodyPr wrap="square" rtlCol="0">
             <a:spAutoFit/>
           </a:bodyPr>
-          <a:lstStyle>
-            <a:defPPr>
-              <a:defRPr lang="en-US"/>
-            </a:defPPr>
-            <a:lvl1pPr algn="r">
-              <a:defRPr sz="1400">
+          <a:lstStyle/>
+          <a:p>
+            <a:r>
+              <a:rPr lang="en-SG" sz="1400" dirty="0" err="1" smtClean="0">
                 <a:solidFill>
-                  <a:srgbClr val="0070C0"/>
-                </a:solidFill>
-              </a:defRPr>
-            </a:lvl1pPr>
-          </a:lstStyle>
-          <a:p>
-            <a:r>
-              <a:rPr lang="en-US" dirty="0" err="1">
-                <a:solidFill>
-                  <a:srgbClr val="7030A0"/>
+                  <a:srgbClr val="00B050"/>
                 </a:solidFill>
               </a:rPr>
-              <a:t>preprocessUndoableCommand</a:t>
-            </a:r>
-            <a:r>
-              <a:rPr lang="en-US" dirty="0">
+              <a:t>loadEntries</a:t>
+            </a:r>
+            <a:r>
+              <a:rPr lang="en-SG" sz="1400" dirty="0" smtClean="0">
                 <a:solidFill>
-                  <a:srgbClr val="7030A0"/>
+                  <a:srgbClr val="00B050"/>
                 </a:solidFill>
               </a:rPr>
               <a:t>()</a:t>
             </a:r>
-          </a:p>
-        </p:txBody>
-      </p:sp>
-      <p:sp>
-        <p:nvSpPr>
-          <p:cNvPr id="84" name="Rectangle 83">
-            <a:extLst>
-              <a:ext uri="{FF2B5EF4-FFF2-40B4-BE49-F238E27FC236}">
-                <a16:creationId xmlns:a16="http://schemas.microsoft.com/office/drawing/2014/main" id="{89F86D95-EBD9-4C34-AE7E-061A48F5ECCE}"/>
+            <a:endParaRPr lang="en-SG" sz="1400" dirty="0">
+              <a:solidFill>
+                <a:srgbClr val="00B050"/>
+              </a:solidFill>
+            </a:endParaRPr>
+          </a:p>
+        </p:txBody>
+      </p:sp>
+      <p:sp>
+        <p:nvSpPr>
+          <p:cNvPr id="37" name="Rectangle 36">
+            <a:extLst>
+              <a:ext uri="{FF2B5EF4-FFF2-40B4-BE49-F238E27FC236}">
+                <a16:creationId xmlns:a16="http://schemas.microsoft.com/office/drawing/2014/main" id="{C3A69984-BD50-4D07-9B27-B73F512BD036}"/>
               </a:ext>
             </a:extLst>
           </p:cNvPr>
@@ -4328,37 +4357,35 @@
         </p:nvSpPr>
         <p:spPr>
           <a:xfrm>
-            <a:off x="1958700" y="2277587"/>
-            <a:ext cx="157046" cy="286887"/>
+            <a:off x="10416545" y="2746578"/>
+            <a:ext cx="270205" cy="1833042"/>
           </a:xfrm>
           <a:prstGeom prst="rect">
             <a:avLst/>
           </a:prstGeom>
           <a:solidFill>
-            <a:srgbClr val="7030A0"/>
+            <a:srgbClr val="70AD47"/>
           </a:solidFill>
           <a:ln>
             <a:solidFill>
-              <a:schemeClr val="tx2">
-                <a:lumMod val="20000"/>
-                <a:lumOff val="80000"/>
-              </a:schemeClr>
+              <a:schemeClr val="bg1"/>
             </a:solidFill>
           </a:ln>
-          <a:effectLst/>
         </p:spPr>
         <p:style>
-          <a:lnRef idx="1">
-            <a:schemeClr val="accent3"/>
+          <a:lnRef idx="2">
+            <a:schemeClr val="accent1">
+              <a:shade val="50000"/>
+            </a:schemeClr>
           </a:lnRef>
-          <a:fillRef idx="2">
-            <a:schemeClr val="accent3"/>
+          <a:fillRef idx="1">
+            <a:schemeClr val="accent1"/>
           </a:fillRef>
-          <a:effectRef idx="1">
-            <a:schemeClr val="accent3"/>
+          <a:effectRef idx="0">
+            <a:schemeClr val="accent1"/>
           </a:effectRef>
           <a:fontRef idx="minor">
-            <a:schemeClr val="dk1"/>
+            <a:schemeClr val="lt1"/>
           </a:fontRef>
         </p:style>
         <p:txBody>
@@ -4366,16 +4393,16 @@
           <a:lstStyle/>
           <a:p>
             <a:pPr algn="ctr"/>
-            <a:endParaRPr lang="en-SG" sz="1400" dirty="0"/>
+            <a:endParaRPr lang="en-SG" dirty="0"/>
           </a:p>
         </p:txBody>
       </p:sp>
       <p:cxnSp>
         <p:nvCxnSpPr>
-          <p:cNvPr id="85" name="Connector: Elbow 84">
-            <a:extLst>
-              <a:ext uri="{FF2B5EF4-FFF2-40B4-BE49-F238E27FC236}">
-                <a16:creationId xmlns:a16="http://schemas.microsoft.com/office/drawing/2014/main" id="{18CC3BC6-8CC9-4579-A17E-55BAF435C5B3}"/>
+          <p:cNvPr id="55" name="Connector: Curved 63">
+            <a:extLst>
+              <a:ext uri="{FF2B5EF4-FFF2-40B4-BE49-F238E27FC236}">
+                <a16:creationId xmlns:a16="http://schemas.microsoft.com/office/drawing/2014/main" id="{54771C1A-42A3-4029-BCB4-81CF8457A135}"/>
               </a:ext>
             </a:extLst>
           </p:cNvPr>
@@ -4385,18 +4412,18 @@
           <p:nvPr/>
         </p:nvCxnSpPr>
         <p:spPr>
-          <a:xfrm>
-            <a:off x="1974224" y="2168498"/>
-            <a:ext cx="139923" cy="112720"/>
+          <a:xfrm rot="10800000" flipV="1">
+            <a:off x="10394967" y="2685216"/>
+            <a:ext cx="165799" cy="97568"/>
           </a:xfrm>
-          <a:prstGeom prst="bentConnector3">
+          <a:prstGeom prst="curvedConnector3">
             <a:avLst>
-              <a:gd name="adj1" fmla="val 212619"/>
+              <a:gd name="adj1" fmla="val 187878"/>
             </a:avLst>
           </a:prstGeom>
           <a:ln w="19050">
             <a:solidFill>
-              <a:srgbClr val="7030A0"/>
+              <a:srgbClr val="70AD47"/>
             </a:solidFill>
             <a:tailEnd type="triangle"/>
           </a:ln>
@@ -4418,10 +4445,10 @@
       </p:cxnSp>
       <p:sp>
         <p:nvSpPr>
-          <p:cNvPr id="86" name="TextBox 85">
-            <a:extLst>
-              <a:ext uri="{FF2B5EF4-FFF2-40B4-BE49-F238E27FC236}">
-                <a16:creationId xmlns:a16="http://schemas.microsoft.com/office/drawing/2014/main" id="{E61D1AC9-3916-4886-AC1E-F72588A73E81}"/>
+          <p:cNvPr id="56" name="TextBox 55">
+            <a:extLst>
+              <a:ext uri="{FF2B5EF4-FFF2-40B4-BE49-F238E27FC236}">
+                <a16:creationId xmlns:a16="http://schemas.microsoft.com/office/drawing/2014/main" id="{3F98E661-4F54-45E8-BAD1-4092BDBA22E6}"/>
               </a:ext>
             </a:extLst>
           </p:cNvPr>
@@ -4430,8 +4457,8 @@
         </p:nvSpPr>
         <p:spPr>
           <a:xfrm>
-            <a:off x="2291223" y="2107274"/>
-            <a:ext cx="1397204" cy="215444"/>
+            <a:off x="8672885" y="2318294"/>
+            <a:ext cx="3004082" cy="307777"/>
           </a:xfrm>
           <a:prstGeom prst="rect">
             <a:avLst/>
@@ -4439,2227 +4466,30 @@
           <a:noFill/>
         </p:spPr>
         <p:txBody>
-          <a:bodyPr wrap="square" lIns="0" tIns="0" rIns="0" bIns="0" rtlCol="0">
+          <a:bodyPr wrap="square" rtlCol="0">
             <a:spAutoFit/>
           </a:bodyPr>
-          <a:lstStyle>
-            <a:defPPr>
-              <a:defRPr lang="en-US"/>
-            </a:defPPr>
-            <a:lvl1pPr algn="r">
-              <a:defRPr sz="1400">
+          <a:lstStyle/>
+          <a:p>
+            <a:r>
+              <a:rPr lang="en-SG" sz="1400" dirty="0" err="1" smtClean="0">
                 <a:solidFill>
-                  <a:srgbClr val="0070C0"/>
-                </a:solidFill>
-              </a:defRPr>
-            </a:lvl1pPr>
-          </a:lstStyle>
-          <a:p>
-            <a:pPr algn="l"/>
-            <a:r>
-              <a:rPr lang="en-US" dirty="0" err="1">
-                <a:solidFill>
-                  <a:srgbClr val="7030A0"/>
+                  <a:schemeClr val="accent6"/>
                 </a:solidFill>
               </a:rPr>
-              <a:t>getStudentToEdit</a:t>
-            </a:r>
-            <a:r>
-              <a:rPr lang="en-US" dirty="0">
+              <a:t>showCalendarPanel</a:t>
+            </a:r>
+            <a:r>
+              <a:rPr lang="en-SG" sz="1400" dirty="0" smtClean="0">
                 <a:solidFill>
-                  <a:srgbClr val="7030A0"/>
+                  <a:schemeClr val="accent6"/>
                 </a:solidFill>
               </a:rPr>
               <a:t>()</a:t>
             </a:r>
-          </a:p>
-        </p:txBody>
-      </p:sp>
-      <p:sp>
-        <p:nvSpPr>
-          <p:cNvPr id="87" name="Rectangle 86">
-            <a:extLst>
-              <a:ext uri="{FF2B5EF4-FFF2-40B4-BE49-F238E27FC236}">
-                <a16:creationId xmlns:a16="http://schemas.microsoft.com/office/drawing/2014/main" id="{AFA1AA07-8CBF-44C0-92AE-805A13A7A1AD}"/>
-              </a:ext>
-            </a:extLst>
-          </p:cNvPr>
-          <p:cNvSpPr/>
-          <p:nvPr/>
-        </p:nvSpPr>
-        <p:spPr>
-          <a:xfrm>
-            <a:off x="1958700" y="2746018"/>
-            <a:ext cx="157046" cy="286887"/>
-          </a:xfrm>
-          <a:prstGeom prst="rect">
-            <a:avLst/>
-          </a:prstGeom>
-          <a:solidFill>
-            <a:srgbClr val="7030A0"/>
-          </a:solidFill>
-          <a:ln>
-            <a:solidFill>
-              <a:schemeClr val="tx2">
-                <a:lumMod val="20000"/>
-                <a:lumOff val="80000"/>
-              </a:schemeClr>
-            </a:solidFill>
-          </a:ln>
-          <a:effectLst/>
-        </p:spPr>
-        <p:style>
-          <a:lnRef idx="1">
-            <a:schemeClr val="accent3"/>
-          </a:lnRef>
-          <a:fillRef idx="2">
-            <a:schemeClr val="accent3"/>
-          </a:fillRef>
-          <a:effectRef idx="1">
-            <a:schemeClr val="accent3"/>
-          </a:effectRef>
-          <a:fontRef idx="minor">
-            <a:schemeClr val="dk1"/>
-          </a:fontRef>
-        </p:style>
-        <p:txBody>
-          <a:bodyPr rtlCol="0" anchor="ctr"/>
-          <a:lstStyle/>
-          <a:p>
-            <a:pPr algn="ctr"/>
-            <a:endParaRPr lang="en-SG" sz="1400" dirty="0"/>
-          </a:p>
-        </p:txBody>
-      </p:sp>
-      <p:cxnSp>
-        <p:nvCxnSpPr>
-          <p:cNvPr id="88" name="Connector: Elbow 87">
-            <a:extLst>
-              <a:ext uri="{FF2B5EF4-FFF2-40B4-BE49-F238E27FC236}">
-                <a16:creationId xmlns:a16="http://schemas.microsoft.com/office/drawing/2014/main" id="{9DEF3D97-3648-4DA8-B44C-EB4F39830D7F}"/>
-              </a:ext>
-            </a:extLst>
-          </p:cNvPr>
-          <p:cNvCxnSpPr>
-            <a:cxnSpLocks/>
-          </p:cNvCxnSpPr>
-          <p:nvPr/>
-        </p:nvCxnSpPr>
-        <p:spPr>
-          <a:xfrm>
-            <a:off x="1978067" y="2637586"/>
-            <a:ext cx="139923" cy="112720"/>
-          </a:xfrm>
-          <a:prstGeom prst="bentConnector3">
-            <a:avLst>
-              <a:gd name="adj1" fmla="val 212619"/>
-            </a:avLst>
-          </a:prstGeom>
-          <a:ln w="19050">
-            <a:solidFill>
-              <a:srgbClr val="7030A0"/>
-            </a:solidFill>
-            <a:tailEnd type="triangle"/>
-          </a:ln>
-        </p:spPr>
-        <p:style>
-          <a:lnRef idx="1">
-            <a:schemeClr val="accent1"/>
-          </a:lnRef>
-          <a:fillRef idx="0">
-            <a:schemeClr val="accent1"/>
-          </a:fillRef>
-          <a:effectRef idx="0">
-            <a:schemeClr val="accent1"/>
-          </a:effectRef>
-          <a:fontRef idx="minor">
-            <a:schemeClr val="tx1"/>
-          </a:fontRef>
-        </p:style>
-      </p:cxnSp>
-      <p:sp>
-        <p:nvSpPr>
-          <p:cNvPr id="89" name="TextBox 88">
-            <a:extLst>
-              <a:ext uri="{FF2B5EF4-FFF2-40B4-BE49-F238E27FC236}">
-                <a16:creationId xmlns:a16="http://schemas.microsoft.com/office/drawing/2014/main" id="{4C132FCF-5629-415C-B2FC-9958AEA6B7FF}"/>
-              </a:ext>
-            </a:extLst>
-          </p:cNvPr>
-          <p:cNvSpPr txBox="1"/>
-          <p:nvPr/>
-        </p:nvSpPr>
-        <p:spPr>
-          <a:xfrm>
-            <a:off x="2291223" y="2561383"/>
-            <a:ext cx="1625804" cy="215444"/>
-          </a:xfrm>
-          <a:prstGeom prst="rect">
-            <a:avLst/>
-          </a:prstGeom>
-          <a:noFill/>
-        </p:spPr>
-        <p:txBody>
-          <a:bodyPr wrap="square" lIns="0" tIns="0" rIns="0" bIns="0" rtlCol="0">
-            <a:spAutoFit/>
-          </a:bodyPr>
-          <a:lstStyle>
-            <a:defPPr>
-              <a:defRPr lang="en-US"/>
-            </a:defPPr>
-            <a:lvl1pPr algn="r">
-              <a:defRPr sz="1400">
-                <a:solidFill>
-                  <a:srgbClr val="0070C0"/>
-                </a:solidFill>
-              </a:defRPr>
-            </a:lvl1pPr>
-          </a:lstStyle>
-          <a:p>
-            <a:pPr algn="l"/>
-            <a:r>
-              <a:rPr lang="en-SG" dirty="0" err="1">
-                <a:solidFill>
-                  <a:srgbClr val="7030A0"/>
-                </a:solidFill>
-              </a:rPr>
-              <a:t>createEditedStudent</a:t>
-            </a:r>
-            <a:r>
-              <a:rPr lang="en-SG" dirty="0">
-                <a:solidFill>
-                  <a:srgbClr val="7030A0"/>
-                </a:solidFill>
-              </a:rPr>
-              <a:t>()</a:t>
-            </a:r>
-            <a:endParaRPr lang="en-US" dirty="0">
+            <a:endParaRPr lang="en-SG" sz="1400" dirty="0">
               <a:solidFill>
-                <a:srgbClr val="7030A0"/>
-              </a:solidFill>
-            </a:endParaRPr>
-          </a:p>
-        </p:txBody>
-      </p:sp>
-      <p:cxnSp>
-        <p:nvCxnSpPr>
-          <p:cNvPr id="104" name="Straight Arrow Connector 103">
-            <a:extLst>
-              <a:ext uri="{FF2B5EF4-FFF2-40B4-BE49-F238E27FC236}">
-                <a16:creationId xmlns:a16="http://schemas.microsoft.com/office/drawing/2014/main" id="{9918BA78-B79D-4497-BD9A-7B13A96B29D9}"/>
-              </a:ext>
-            </a:extLst>
-          </p:cNvPr>
-          <p:cNvCxnSpPr>
-            <a:cxnSpLocks/>
-          </p:cNvCxnSpPr>
-          <p:nvPr/>
-        </p:nvCxnSpPr>
-        <p:spPr>
-          <a:xfrm>
-            <a:off x="655840" y="5417930"/>
-            <a:ext cx="1095634" cy="0"/>
-          </a:xfrm>
-          <a:prstGeom prst="straightConnector1">
-            <a:avLst/>
-          </a:prstGeom>
-          <a:ln w="19050">
-            <a:solidFill>
-              <a:srgbClr val="7030A0"/>
-            </a:solidFill>
-            <a:prstDash val="sysDash"/>
-            <a:headEnd type="arrow" w="med" len="med"/>
-            <a:tailEnd type="none" w="med" len="med"/>
-          </a:ln>
-        </p:spPr>
-        <p:style>
-          <a:lnRef idx="1">
-            <a:schemeClr val="accent1"/>
-          </a:lnRef>
-          <a:fillRef idx="0">
-            <a:schemeClr val="accent1"/>
-          </a:fillRef>
-          <a:effectRef idx="0">
-            <a:schemeClr val="accent1"/>
-          </a:effectRef>
-          <a:fontRef idx="minor">
-            <a:schemeClr val="tx1"/>
-          </a:fontRef>
-        </p:style>
-      </p:cxnSp>
-      <p:sp>
-        <p:nvSpPr>
-          <p:cNvPr id="106" name="Rectangle 105">
-            <a:extLst>
-              <a:ext uri="{FF2B5EF4-FFF2-40B4-BE49-F238E27FC236}">
-                <a16:creationId xmlns:a16="http://schemas.microsoft.com/office/drawing/2014/main" id="{7B9F6BD7-E469-4B7D-82F2-747B70EAD368}"/>
-              </a:ext>
-            </a:extLst>
-          </p:cNvPr>
-          <p:cNvSpPr/>
-          <p:nvPr/>
-        </p:nvSpPr>
-        <p:spPr>
-          <a:xfrm>
-            <a:off x="1826428" y="3607482"/>
-            <a:ext cx="128491" cy="1666314"/>
-          </a:xfrm>
-          <a:prstGeom prst="rect">
-            <a:avLst/>
-          </a:prstGeom>
-          <a:solidFill>
-            <a:srgbClr val="7030A0"/>
-          </a:solidFill>
-          <a:ln>
-            <a:solidFill>
-              <a:schemeClr val="tx2">
-                <a:lumMod val="20000"/>
-                <a:lumOff val="80000"/>
-              </a:schemeClr>
-            </a:solidFill>
-          </a:ln>
-          <a:effectLst/>
-        </p:spPr>
-        <p:style>
-          <a:lnRef idx="1">
-            <a:schemeClr val="accent3"/>
-          </a:lnRef>
-          <a:fillRef idx="2">
-            <a:schemeClr val="accent3"/>
-          </a:fillRef>
-          <a:effectRef idx="1">
-            <a:schemeClr val="accent3"/>
-          </a:effectRef>
-          <a:fontRef idx="minor">
-            <a:schemeClr val="dk1"/>
-          </a:fontRef>
-        </p:style>
-        <p:txBody>
-          <a:bodyPr rtlCol="0" anchor="ctr"/>
-          <a:lstStyle/>
-          <a:p>
-            <a:pPr algn="ctr"/>
-            <a:endParaRPr lang="en-SG" sz="1400" dirty="0"/>
-          </a:p>
-        </p:txBody>
-      </p:sp>
-      <p:cxnSp>
-        <p:nvCxnSpPr>
-          <p:cNvPr id="107" name="Connector: Elbow 106">
-            <a:extLst>
-              <a:ext uri="{FF2B5EF4-FFF2-40B4-BE49-F238E27FC236}">
-                <a16:creationId xmlns:a16="http://schemas.microsoft.com/office/drawing/2014/main" id="{01461BF1-8B98-4BF7-BE44-E429C874E5C6}"/>
-              </a:ext>
-            </a:extLst>
-          </p:cNvPr>
-          <p:cNvCxnSpPr>
-            <a:cxnSpLocks/>
-          </p:cNvCxnSpPr>
-          <p:nvPr/>
-        </p:nvCxnSpPr>
-        <p:spPr>
-          <a:xfrm>
-            <a:off x="1828162" y="3503286"/>
-            <a:ext cx="139923" cy="112720"/>
-          </a:xfrm>
-          <a:prstGeom prst="bentConnector3">
-            <a:avLst>
-              <a:gd name="adj1" fmla="val 202030"/>
-            </a:avLst>
-          </a:prstGeom>
-          <a:ln w="19050">
-            <a:solidFill>
-              <a:srgbClr val="7030A0"/>
-            </a:solidFill>
-            <a:tailEnd type="triangle"/>
-          </a:ln>
-        </p:spPr>
-        <p:style>
-          <a:lnRef idx="1">
-            <a:schemeClr val="accent1"/>
-          </a:lnRef>
-          <a:fillRef idx="0">
-            <a:schemeClr val="accent1"/>
-          </a:fillRef>
-          <a:effectRef idx="0">
-            <a:schemeClr val="accent1"/>
-          </a:effectRef>
-          <a:fontRef idx="minor">
-            <a:schemeClr val="tx1"/>
-          </a:fontRef>
-        </p:style>
-      </p:cxnSp>
-      <p:sp>
-        <p:nvSpPr>
-          <p:cNvPr id="108" name="TextBox 107">
-            <a:extLst>
-              <a:ext uri="{FF2B5EF4-FFF2-40B4-BE49-F238E27FC236}">
-                <a16:creationId xmlns:a16="http://schemas.microsoft.com/office/drawing/2014/main" id="{490D3FBA-4208-4999-9D94-82E6CCB9822C}"/>
-              </a:ext>
-            </a:extLst>
-          </p:cNvPr>
-          <p:cNvSpPr txBox="1"/>
-          <p:nvPr/>
-        </p:nvSpPr>
-        <p:spPr>
-          <a:xfrm>
-            <a:off x="2123586" y="3288358"/>
-            <a:ext cx="2500442" cy="215444"/>
-          </a:xfrm>
-          <a:prstGeom prst="rect">
-            <a:avLst/>
-          </a:prstGeom>
-          <a:noFill/>
-        </p:spPr>
-        <p:txBody>
-          <a:bodyPr wrap="square" lIns="0" tIns="0" rIns="0" bIns="0" rtlCol="0">
-            <a:spAutoFit/>
-          </a:bodyPr>
-          <a:lstStyle>
-            <a:defPPr>
-              <a:defRPr lang="en-US"/>
-            </a:defPPr>
-            <a:lvl1pPr algn="r">
-              <a:defRPr sz="1400">
-                <a:solidFill>
-                  <a:srgbClr val="0070C0"/>
-                </a:solidFill>
-              </a:defRPr>
-            </a:lvl1pPr>
-          </a:lstStyle>
-          <a:p>
-            <a:pPr algn="l"/>
-            <a:r>
-              <a:rPr lang="en-US" dirty="0" err="1">
-                <a:solidFill>
-                  <a:srgbClr val="7030A0"/>
-                </a:solidFill>
-              </a:rPr>
-              <a:t>executeUndoableCommand</a:t>
-            </a:r>
-            <a:r>
-              <a:rPr lang="en-US" dirty="0">
-                <a:solidFill>
-                  <a:srgbClr val="7030A0"/>
-                </a:solidFill>
-              </a:rPr>
-              <a:t>()</a:t>
-            </a:r>
-          </a:p>
-        </p:txBody>
-      </p:sp>
-      <p:sp>
-        <p:nvSpPr>
-          <p:cNvPr id="112" name="Rectangle 62">
-            <a:extLst>
-              <a:ext uri="{FF2B5EF4-FFF2-40B4-BE49-F238E27FC236}">
-                <a16:creationId xmlns:a16="http://schemas.microsoft.com/office/drawing/2014/main" id="{47A0B892-F876-42F3-B240-29BD3B207D0D}"/>
-              </a:ext>
-            </a:extLst>
-          </p:cNvPr>
-          <p:cNvSpPr/>
-          <p:nvPr/>
-        </p:nvSpPr>
-        <p:spPr>
-          <a:xfrm>
-            <a:off x="4780804" y="1277690"/>
-            <a:ext cx="1625804" cy="461538"/>
-          </a:xfrm>
-          <a:prstGeom prst="rect">
-            <a:avLst/>
-          </a:prstGeom>
-          <a:solidFill>
-            <a:srgbClr val="0070C0"/>
-          </a:solidFill>
-          <a:ln w="19050">
-            <a:solidFill>
-              <a:srgbClr val="0070C0"/>
-            </a:solidFill>
-          </a:ln>
-          <a:effectLst/>
-        </p:spPr>
-        <p:style>
-          <a:lnRef idx="1">
-            <a:schemeClr val="accent2"/>
-          </a:lnRef>
-          <a:fillRef idx="2">
-            <a:schemeClr val="accent2"/>
-          </a:fillRef>
-          <a:effectRef idx="1">
-            <a:schemeClr val="accent2"/>
-          </a:effectRef>
-          <a:fontRef idx="minor">
-            <a:schemeClr val="dk1"/>
-          </a:fontRef>
-        </p:style>
-        <p:txBody>
-          <a:bodyPr rtlCol="0" anchor="ctr"/>
-          <a:lstStyle/>
-          <a:p>
-            <a:pPr algn="ctr"/>
-            <a:r>
-              <a:rPr lang="en-US" sz="1600" dirty="0">
-                <a:solidFill>
-                  <a:schemeClr val="bg1"/>
-                </a:solidFill>
-              </a:rPr>
-              <a:t>:</a:t>
-            </a:r>
-            <a:r>
-              <a:rPr lang="en-US" sz="1600" dirty="0" err="1">
-                <a:solidFill>
-                  <a:schemeClr val="bg1"/>
-                </a:solidFill>
-              </a:rPr>
-              <a:t>ModelManager</a:t>
-            </a:r>
-            <a:endParaRPr lang="en-SG" sz="1600" dirty="0">
-              <a:solidFill>
-                <a:schemeClr val="bg1"/>
-              </a:solidFill>
-            </a:endParaRPr>
-          </a:p>
-        </p:txBody>
-      </p:sp>
-      <p:cxnSp>
-        <p:nvCxnSpPr>
-          <p:cNvPr id="113" name="Straight Connector 112">
-            <a:extLst>
-              <a:ext uri="{FF2B5EF4-FFF2-40B4-BE49-F238E27FC236}">
-                <a16:creationId xmlns:a16="http://schemas.microsoft.com/office/drawing/2014/main" id="{275A917A-8122-41FB-BEAA-80B91A265EFE}"/>
-              </a:ext>
-            </a:extLst>
-          </p:cNvPr>
-          <p:cNvCxnSpPr>
-            <a:cxnSpLocks/>
-            <a:stCxn id="112" idx="2"/>
-          </p:cNvCxnSpPr>
-          <p:nvPr/>
-        </p:nvCxnSpPr>
-        <p:spPr>
-          <a:xfrm>
-            <a:off x="5593706" y="1739228"/>
-            <a:ext cx="11345" cy="3785272"/>
-          </a:xfrm>
-          <a:prstGeom prst="line">
-            <a:avLst/>
-          </a:prstGeom>
-          <a:ln w="19050">
-            <a:solidFill>
-              <a:srgbClr val="0070C0"/>
-            </a:solidFill>
-            <a:prstDash val="sysDash"/>
-          </a:ln>
-          <a:effectLst/>
-        </p:spPr>
-        <p:style>
-          <a:lnRef idx="1">
-            <a:schemeClr val="accent1"/>
-          </a:lnRef>
-          <a:fillRef idx="2">
-            <a:schemeClr val="accent1"/>
-          </a:fillRef>
-          <a:effectRef idx="1">
-            <a:schemeClr val="accent1"/>
-          </a:effectRef>
-          <a:fontRef idx="minor">
-            <a:schemeClr val="dk1"/>
-          </a:fontRef>
-        </p:style>
-      </p:cxnSp>
-      <p:sp>
-        <p:nvSpPr>
-          <p:cNvPr id="114" name="Rectangle 113">
-            <a:extLst>
-              <a:ext uri="{FF2B5EF4-FFF2-40B4-BE49-F238E27FC236}">
-                <a16:creationId xmlns:a16="http://schemas.microsoft.com/office/drawing/2014/main" id="{78D59D23-EB61-47A3-8507-7F09BB092B34}"/>
-              </a:ext>
-            </a:extLst>
-          </p:cNvPr>
-          <p:cNvSpPr/>
-          <p:nvPr/>
-        </p:nvSpPr>
-        <p:spPr>
-          <a:xfrm>
-            <a:off x="5541475" y="3870253"/>
-            <a:ext cx="127153" cy="1397059"/>
-          </a:xfrm>
-          <a:prstGeom prst="rect">
-            <a:avLst/>
-          </a:prstGeom>
-          <a:solidFill>
-            <a:srgbClr val="0070C0"/>
-          </a:solidFill>
-          <a:ln>
-            <a:solidFill>
-              <a:schemeClr val="bg1"/>
-            </a:solidFill>
-          </a:ln>
-          <a:effectLst/>
-        </p:spPr>
-        <p:style>
-          <a:lnRef idx="1">
-            <a:schemeClr val="accent3"/>
-          </a:lnRef>
-          <a:fillRef idx="2">
-            <a:schemeClr val="accent3"/>
-          </a:fillRef>
-          <a:effectRef idx="1">
-            <a:schemeClr val="accent3"/>
-          </a:effectRef>
-          <a:fontRef idx="minor">
-            <a:schemeClr val="dk1"/>
-          </a:fontRef>
-        </p:style>
-        <p:txBody>
-          <a:bodyPr rtlCol="0" anchor="ctr"/>
-          <a:lstStyle/>
-          <a:p>
-            <a:pPr algn="ctr"/>
-            <a:endParaRPr lang="en-SG" sz="1400" dirty="0"/>
-          </a:p>
-        </p:txBody>
-      </p:sp>
-      <p:cxnSp>
-        <p:nvCxnSpPr>
-          <p:cNvPr id="115" name="Straight Arrow Connector 114">
-            <a:extLst>
-              <a:ext uri="{FF2B5EF4-FFF2-40B4-BE49-F238E27FC236}">
-                <a16:creationId xmlns:a16="http://schemas.microsoft.com/office/drawing/2014/main" id="{B2ABC0E5-C8B8-4E70-953F-62003EC5F183}"/>
-              </a:ext>
-            </a:extLst>
-          </p:cNvPr>
-          <p:cNvCxnSpPr>
-            <a:cxnSpLocks/>
-          </p:cNvCxnSpPr>
-          <p:nvPr/>
-        </p:nvCxnSpPr>
-        <p:spPr>
-          <a:xfrm>
-            <a:off x="1837368" y="3885403"/>
-            <a:ext cx="3702117" cy="0"/>
-          </a:xfrm>
-          <a:prstGeom prst="straightConnector1">
-            <a:avLst/>
-          </a:prstGeom>
-          <a:ln w="19050">
-            <a:solidFill>
-              <a:srgbClr val="7030A0"/>
-            </a:solidFill>
-            <a:tailEnd type="arrow"/>
-          </a:ln>
-        </p:spPr>
-        <p:style>
-          <a:lnRef idx="1">
-            <a:schemeClr val="accent1"/>
-          </a:lnRef>
-          <a:fillRef idx="0">
-            <a:schemeClr val="accent1"/>
-          </a:fillRef>
-          <a:effectRef idx="0">
-            <a:schemeClr val="accent1"/>
-          </a:effectRef>
-          <a:fontRef idx="minor">
-            <a:schemeClr val="tx1"/>
-          </a:fontRef>
-        </p:style>
-      </p:cxnSp>
-      <p:sp>
-        <p:nvSpPr>
-          <p:cNvPr id="116" name="TextBox 115">
-            <a:extLst>
-              <a:ext uri="{FF2B5EF4-FFF2-40B4-BE49-F238E27FC236}">
-                <a16:creationId xmlns:a16="http://schemas.microsoft.com/office/drawing/2014/main" id="{6C5602EE-CC8E-4729-B7AF-ED2CAF929914}"/>
-              </a:ext>
-            </a:extLst>
-          </p:cNvPr>
-          <p:cNvSpPr txBox="1"/>
-          <p:nvPr/>
-        </p:nvSpPr>
-        <p:spPr>
-          <a:xfrm>
-            <a:off x="2919068" y="3618550"/>
-            <a:ext cx="1705668" cy="215444"/>
-          </a:xfrm>
-          <a:prstGeom prst="rect">
-            <a:avLst/>
-          </a:prstGeom>
-          <a:noFill/>
-        </p:spPr>
-        <p:txBody>
-          <a:bodyPr wrap="square" lIns="0" tIns="0" rIns="0" bIns="0" rtlCol="0">
-            <a:spAutoFit/>
-          </a:bodyPr>
-          <a:lstStyle>
-            <a:defPPr>
-              <a:defRPr lang="en-US"/>
-            </a:defPPr>
-            <a:lvl1pPr algn="r">
-              <a:defRPr sz="1400">
-                <a:solidFill>
-                  <a:srgbClr val="0070C0"/>
-                </a:solidFill>
-              </a:defRPr>
-            </a:lvl1pPr>
-          </a:lstStyle>
-          <a:p>
-            <a:pPr algn="l"/>
-            <a:r>
-              <a:rPr lang="en-US" dirty="0" err="1"/>
-              <a:t>updateProfilePicture</a:t>
-            </a:r>
-            <a:r>
-              <a:rPr lang="en-US" dirty="0"/>
-              <a:t>()</a:t>
-            </a:r>
-          </a:p>
-        </p:txBody>
-      </p:sp>
-      <p:cxnSp>
-        <p:nvCxnSpPr>
-          <p:cNvPr id="117" name="Straight Arrow Connector 116">
-            <a:extLst>
-              <a:ext uri="{FF2B5EF4-FFF2-40B4-BE49-F238E27FC236}">
-                <a16:creationId xmlns:a16="http://schemas.microsoft.com/office/drawing/2014/main" id="{77048561-C115-4494-A389-0A647BBDB8BB}"/>
-              </a:ext>
-            </a:extLst>
-          </p:cNvPr>
-          <p:cNvCxnSpPr>
-            <a:cxnSpLocks/>
-          </p:cNvCxnSpPr>
-          <p:nvPr/>
-        </p:nvCxnSpPr>
-        <p:spPr>
-          <a:xfrm>
-            <a:off x="1955699" y="5219627"/>
-            <a:ext cx="3637227" cy="564"/>
-          </a:xfrm>
-          <a:prstGeom prst="straightConnector1">
-            <a:avLst/>
-          </a:prstGeom>
-          <a:ln w="19050">
-            <a:solidFill>
-              <a:srgbClr val="0070C0"/>
-            </a:solidFill>
-            <a:prstDash val="sysDash"/>
-            <a:headEnd type="arrow" w="med" len="med"/>
-            <a:tailEnd type="none" w="med" len="med"/>
-          </a:ln>
-        </p:spPr>
-        <p:style>
-          <a:lnRef idx="1">
-            <a:schemeClr val="accent1"/>
-          </a:lnRef>
-          <a:fillRef idx="0">
-            <a:schemeClr val="accent1"/>
-          </a:fillRef>
-          <a:effectRef idx="0">
-            <a:schemeClr val="accent1"/>
-          </a:effectRef>
-          <a:fontRef idx="minor">
-            <a:schemeClr val="tx1"/>
-          </a:fontRef>
-        </p:style>
-      </p:cxnSp>
-      <p:cxnSp>
-        <p:nvCxnSpPr>
-          <p:cNvPr id="128" name="Straight Arrow Connector 127">
-            <a:extLst>
-              <a:ext uri="{FF2B5EF4-FFF2-40B4-BE49-F238E27FC236}">
-                <a16:creationId xmlns:a16="http://schemas.microsoft.com/office/drawing/2014/main" id="{B47A49E2-B465-48E4-9E89-4963A3E7E1DE}"/>
-              </a:ext>
-            </a:extLst>
-          </p:cNvPr>
-          <p:cNvCxnSpPr>
-            <a:cxnSpLocks/>
-          </p:cNvCxnSpPr>
-          <p:nvPr/>
-        </p:nvCxnSpPr>
-        <p:spPr>
-          <a:xfrm>
-            <a:off x="415636" y="1976642"/>
-            <a:ext cx="1259323" cy="6799"/>
-          </a:xfrm>
-          <a:prstGeom prst="straightConnector1">
-            <a:avLst/>
-          </a:prstGeom>
-          <a:ln w="19050">
-            <a:solidFill>
-              <a:srgbClr val="7030A0"/>
-            </a:solidFill>
-            <a:headEnd type="none" w="med" len="med"/>
-            <a:tailEnd type="arrow" w="med" len="med"/>
-          </a:ln>
-          <a:effectLst/>
-        </p:spPr>
-        <p:style>
-          <a:lnRef idx="1">
-            <a:schemeClr val="accent2"/>
-          </a:lnRef>
-          <a:fillRef idx="2">
-            <a:schemeClr val="accent2"/>
-          </a:fillRef>
-          <a:effectRef idx="1">
-            <a:schemeClr val="accent2"/>
-          </a:effectRef>
-          <a:fontRef idx="minor">
-            <a:schemeClr val="dk1"/>
-          </a:fontRef>
-        </p:style>
-      </p:cxnSp>
-      <p:sp>
-        <p:nvSpPr>
-          <p:cNvPr id="136" name="Rectangle 135">
-            <a:extLst>
-              <a:ext uri="{FF2B5EF4-FFF2-40B4-BE49-F238E27FC236}">
-                <a16:creationId xmlns:a16="http://schemas.microsoft.com/office/drawing/2014/main" id="{78129A16-0406-4B34-9F42-6919F0DF8066}"/>
-              </a:ext>
-            </a:extLst>
-          </p:cNvPr>
-          <p:cNvSpPr/>
-          <p:nvPr/>
-        </p:nvSpPr>
-        <p:spPr>
-          <a:xfrm>
-            <a:off x="1948437" y="3107620"/>
-            <a:ext cx="157046" cy="286887"/>
-          </a:xfrm>
-          <a:prstGeom prst="rect">
-            <a:avLst/>
-          </a:prstGeom>
-          <a:solidFill>
-            <a:srgbClr val="7030A0"/>
-          </a:solidFill>
-          <a:ln>
-            <a:solidFill>
-              <a:schemeClr val="tx2">
-                <a:lumMod val="20000"/>
-                <a:lumOff val="80000"/>
-              </a:schemeClr>
-            </a:solidFill>
-          </a:ln>
-          <a:effectLst/>
-        </p:spPr>
-        <p:style>
-          <a:lnRef idx="1">
-            <a:schemeClr val="accent3"/>
-          </a:lnRef>
-          <a:fillRef idx="2">
-            <a:schemeClr val="accent3"/>
-          </a:fillRef>
-          <a:effectRef idx="1">
-            <a:schemeClr val="accent3"/>
-          </a:effectRef>
-          <a:fontRef idx="minor">
-            <a:schemeClr val="dk1"/>
-          </a:fontRef>
-        </p:style>
-        <p:txBody>
-          <a:bodyPr rtlCol="0" anchor="ctr"/>
-          <a:lstStyle/>
-          <a:p>
-            <a:pPr algn="ctr"/>
-            <a:endParaRPr lang="en-SG" sz="1400" dirty="0"/>
-          </a:p>
-        </p:txBody>
-      </p:sp>
-      <p:cxnSp>
-        <p:nvCxnSpPr>
-          <p:cNvPr id="137" name="Connector: Elbow 136">
-            <a:extLst>
-              <a:ext uri="{FF2B5EF4-FFF2-40B4-BE49-F238E27FC236}">
-                <a16:creationId xmlns:a16="http://schemas.microsoft.com/office/drawing/2014/main" id="{F33DC970-B710-4EE6-A1A0-6A3F83B4826D}"/>
-              </a:ext>
-            </a:extLst>
-          </p:cNvPr>
-          <p:cNvCxnSpPr>
-            <a:cxnSpLocks/>
-          </p:cNvCxnSpPr>
-          <p:nvPr/>
-        </p:nvCxnSpPr>
-        <p:spPr>
-          <a:xfrm>
-            <a:off x="1967804" y="2999188"/>
-            <a:ext cx="139923" cy="112720"/>
-          </a:xfrm>
-          <a:prstGeom prst="bentConnector3">
-            <a:avLst>
-              <a:gd name="adj1" fmla="val 212619"/>
-            </a:avLst>
-          </a:prstGeom>
-          <a:ln w="19050">
-            <a:solidFill>
-              <a:srgbClr val="7030A0"/>
-            </a:solidFill>
-            <a:tailEnd type="triangle"/>
-          </a:ln>
-        </p:spPr>
-        <p:style>
-          <a:lnRef idx="1">
-            <a:schemeClr val="accent1"/>
-          </a:lnRef>
-          <a:fillRef idx="0">
-            <a:schemeClr val="accent1"/>
-          </a:fillRef>
-          <a:effectRef idx="0">
-            <a:schemeClr val="accent1"/>
-          </a:effectRef>
-          <a:fontRef idx="minor">
-            <a:schemeClr val="tx1"/>
-          </a:fontRef>
-        </p:style>
-      </p:cxnSp>
-      <p:sp>
-        <p:nvSpPr>
-          <p:cNvPr id="138" name="TextBox 137">
-            <a:extLst>
-              <a:ext uri="{FF2B5EF4-FFF2-40B4-BE49-F238E27FC236}">
-                <a16:creationId xmlns:a16="http://schemas.microsoft.com/office/drawing/2014/main" id="{B1AA4908-9DEF-42A5-8645-726834568B5D}"/>
-              </a:ext>
-            </a:extLst>
-          </p:cNvPr>
-          <p:cNvSpPr txBox="1"/>
-          <p:nvPr/>
-        </p:nvSpPr>
-        <p:spPr>
-          <a:xfrm>
-            <a:off x="2280959" y="2922986"/>
-            <a:ext cx="1957651" cy="215444"/>
-          </a:xfrm>
-          <a:prstGeom prst="rect">
-            <a:avLst/>
-          </a:prstGeom>
-          <a:noFill/>
-        </p:spPr>
-        <p:txBody>
-          <a:bodyPr wrap="square" lIns="0" tIns="0" rIns="0" bIns="0" rtlCol="0">
-            <a:spAutoFit/>
-          </a:bodyPr>
-          <a:lstStyle>
-            <a:defPPr>
-              <a:defRPr lang="en-US"/>
-            </a:defPPr>
-            <a:lvl1pPr algn="r">
-              <a:defRPr sz="1400">
-                <a:solidFill>
-                  <a:srgbClr val="0070C0"/>
-                </a:solidFill>
-              </a:defRPr>
-            </a:lvl1pPr>
-          </a:lstStyle>
-          <a:p>
-            <a:pPr algn="l"/>
-            <a:r>
-              <a:rPr lang="en-SG" dirty="0" err="1">
-                <a:solidFill>
-                  <a:srgbClr val="7030A0"/>
-                </a:solidFill>
-              </a:rPr>
-              <a:t>createFinalEditedStudent</a:t>
-            </a:r>
-            <a:r>
-              <a:rPr lang="en-SG" dirty="0">
-                <a:solidFill>
-                  <a:srgbClr val="7030A0"/>
-                </a:solidFill>
-              </a:rPr>
-              <a:t>()</a:t>
-            </a:r>
-            <a:endParaRPr lang="en-US" dirty="0">
-              <a:solidFill>
-                <a:srgbClr val="7030A0"/>
-              </a:solidFill>
-            </a:endParaRPr>
-          </a:p>
-        </p:txBody>
-      </p:sp>
-      <p:sp>
-        <p:nvSpPr>
-          <p:cNvPr id="143" name="Rectangle 142">
-            <a:extLst>
-              <a:ext uri="{FF2B5EF4-FFF2-40B4-BE49-F238E27FC236}">
-                <a16:creationId xmlns:a16="http://schemas.microsoft.com/office/drawing/2014/main" id="{0AFD5014-804A-4481-B4BD-12287B868CC7}"/>
-              </a:ext>
-            </a:extLst>
-          </p:cNvPr>
-          <p:cNvSpPr/>
-          <p:nvPr/>
-        </p:nvSpPr>
-        <p:spPr>
-          <a:xfrm>
-            <a:off x="5608973" y="4007950"/>
-            <a:ext cx="112798" cy="273473"/>
-          </a:xfrm>
-          <a:prstGeom prst="rect">
-            <a:avLst/>
-          </a:prstGeom>
-          <a:solidFill>
-            <a:srgbClr val="0070C0"/>
-          </a:solidFill>
-          <a:ln>
-            <a:solidFill>
-              <a:schemeClr val="bg1"/>
-            </a:solidFill>
-          </a:ln>
-          <a:effectLst/>
-        </p:spPr>
-        <p:style>
-          <a:lnRef idx="1">
-            <a:schemeClr val="accent3"/>
-          </a:lnRef>
-          <a:fillRef idx="2">
-            <a:schemeClr val="accent3"/>
-          </a:fillRef>
-          <a:effectRef idx="1">
-            <a:schemeClr val="accent3"/>
-          </a:effectRef>
-          <a:fontRef idx="minor">
-            <a:schemeClr val="dk1"/>
-          </a:fontRef>
-        </p:style>
-        <p:txBody>
-          <a:bodyPr rtlCol="0" anchor="ctr"/>
-          <a:lstStyle/>
-          <a:p>
-            <a:pPr algn="ctr"/>
-            <a:endParaRPr lang="en-SG" sz="1400" dirty="0"/>
-          </a:p>
-        </p:txBody>
-      </p:sp>
-      <p:cxnSp>
-        <p:nvCxnSpPr>
-          <p:cNvPr id="144" name="Connector: Elbow 143">
-            <a:extLst>
-              <a:ext uri="{FF2B5EF4-FFF2-40B4-BE49-F238E27FC236}">
-                <a16:creationId xmlns:a16="http://schemas.microsoft.com/office/drawing/2014/main" id="{369AD826-3FCC-4BAE-AB74-DE7E7B8E6F11}"/>
-              </a:ext>
-            </a:extLst>
-          </p:cNvPr>
-          <p:cNvCxnSpPr>
-            <a:cxnSpLocks/>
-          </p:cNvCxnSpPr>
-          <p:nvPr/>
-        </p:nvCxnSpPr>
-        <p:spPr>
-          <a:xfrm>
-            <a:off x="5583841" y="3941421"/>
-            <a:ext cx="139923" cy="112720"/>
-          </a:xfrm>
-          <a:prstGeom prst="bentConnector3">
-            <a:avLst>
-              <a:gd name="adj1" fmla="val 212619"/>
-            </a:avLst>
-          </a:prstGeom>
-          <a:ln w="19050">
-            <a:solidFill>
-              <a:srgbClr val="0070C0"/>
-            </a:solidFill>
-            <a:tailEnd type="triangle"/>
-          </a:ln>
-        </p:spPr>
-        <p:style>
-          <a:lnRef idx="1">
-            <a:schemeClr val="accent1"/>
-          </a:lnRef>
-          <a:fillRef idx="0">
-            <a:schemeClr val="accent1"/>
-          </a:fillRef>
-          <a:effectRef idx="0">
-            <a:schemeClr val="accent1"/>
-          </a:effectRef>
-          <a:fontRef idx="minor">
-            <a:schemeClr val="tx1"/>
-          </a:fontRef>
-        </p:style>
-      </p:cxnSp>
-      <p:sp>
-        <p:nvSpPr>
-          <p:cNvPr id="145" name="TextBox 144">
-            <a:extLst>
-              <a:ext uri="{FF2B5EF4-FFF2-40B4-BE49-F238E27FC236}">
-                <a16:creationId xmlns:a16="http://schemas.microsoft.com/office/drawing/2014/main" id="{DB80166D-659C-4460-AA84-B0F8B3B8CE87}"/>
-              </a:ext>
-            </a:extLst>
-          </p:cNvPr>
-          <p:cNvSpPr txBox="1"/>
-          <p:nvPr/>
-        </p:nvSpPr>
-        <p:spPr>
-          <a:xfrm>
-            <a:off x="5896996" y="3865219"/>
-            <a:ext cx="1957651" cy="215444"/>
-          </a:xfrm>
-          <a:prstGeom prst="rect">
-            <a:avLst/>
-          </a:prstGeom>
-          <a:noFill/>
-        </p:spPr>
-        <p:txBody>
-          <a:bodyPr wrap="square" lIns="0" tIns="0" rIns="0" bIns="0" rtlCol="0">
-            <a:spAutoFit/>
-          </a:bodyPr>
-          <a:lstStyle>
-            <a:defPPr>
-              <a:defRPr lang="en-US"/>
-            </a:defPPr>
-            <a:lvl1pPr algn="r">
-              <a:defRPr sz="1400">
-                <a:solidFill>
-                  <a:srgbClr val="0070C0"/>
-                </a:solidFill>
-              </a:defRPr>
-            </a:lvl1pPr>
-          </a:lstStyle>
-          <a:p>
-            <a:pPr algn="l"/>
-            <a:r>
-              <a:rPr lang="en-SG" dirty="0" err="1"/>
-              <a:t>updateStudent</a:t>
-            </a:r>
-            <a:r>
-              <a:rPr lang="en-SG" dirty="0"/>
-              <a:t>()</a:t>
-            </a:r>
-            <a:endParaRPr lang="en-US" dirty="0"/>
-          </a:p>
-        </p:txBody>
-      </p:sp>
-      <p:sp>
-        <p:nvSpPr>
-          <p:cNvPr id="149" name="Rectangle 8">
-            <a:extLst>
-              <a:ext uri="{FF2B5EF4-FFF2-40B4-BE49-F238E27FC236}">
-                <a16:creationId xmlns:a16="http://schemas.microsoft.com/office/drawing/2014/main" id="{153BA0B4-D03B-47B7-81AD-6CDB37897D72}"/>
-              </a:ext>
-            </a:extLst>
-          </p:cNvPr>
-          <p:cNvSpPr/>
-          <p:nvPr/>
-        </p:nvSpPr>
-        <p:spPr>
-          <a:xfrm>
-            <a:off x="10466563" y="1286484"/>
-            <a:ext cx="1625804" cy="461538"/>
-          </a:xfrm>
-          <a:prstGeom prst="rect">
-            <a:avLst/>
-          </a:prstGeom>
-          <a:solidFill>
-            <a:schemeClr val="accent2">
-              <a:lumMod val="75000"/>
-            </a:schemeClr>
-          </a:solidFill>
-          <a:ln w="19050" cap="flat" cmpd="sng" algn="ctr">
-            <a:solidFill>
-              <a:schemeClr val="accent2">
-                <a:lumMod val="75000"/>
-              </a:schemeClr>
-            </a:solidFill>
-            <a:prstDash val="solid"/>
-          </a:ln>
-          <a:effectLst/>
-        </p:spPr>
-        <p:txBody>
-          <a:bodyPr rtlCol="0" anchor="ctr"/>
-          <a:lstStyle/>
-          <a:p>
-            <a:pPr marL="0" marR="0" lvl="0" indent="0" algn="ctr" defTabSz="914400" eaLnBrk="1" fontAlgn="auto" latinLnBrk="0" hangingPunct="1">
-              <a:lnSpc>
-                <a:spcPct val="100000"/>
-              </a:lnSpc>
-              <a:spcBef>
-                <a:spcPts val="0"/>
-              </a:spcBef>
-              <a:spcAft>
-                <a:spcPts val="0"/>
-              </a:spcAft>
-              <a:buClrTx/>
-              <a:buSzTx/>
-              <a:buFontTx/>
-              <a:buNone/>
-              <a:tabLst/>
-              <a:defRPr/>
-            </a:pPr>
-            <a:r>
-              <a:rPr kumimoji="0" lang="en-US" sz="1600" b="0" i="0" u="none" strike="noStrike" kern="0" cap="none" spc="0" normalizeH="0" baseline="0" noProof="0" dirty="0">
-                <a:ln>
-                  <a:noFill/>
-                </a:ln>
-                <a:solidFill>
-                  <a:prstClr val="white"/>
-                </a:solidFill>
-                <a:effectLst/>
-                <a:uLnTx/>
-                <a:uFillTx/>
-                <a:latin typeface="Calibri"/>
-                <a:ea typeface="+mn-ea"/>
-                <a:cs typeface="+mn-cs"/>
-              </a:rPr>
-              <a:t>:</a:t>
-            </a:r>
-            <a:r>
-              <a:rPr kumimoji="0" lang="en-US" sz="1600" b="0" i="0" u="none" strike="noStrike" kern="0" cap="none" spc="0" normalizeH="0" baseline="0" noProof="0" dirty="0" err="1">
-                <a:ln>
-                  <a:noFill/>
-                </a:ln>
-                <a:solidFill>
-                  <a:prstClr val="white"/>
-                </a:solidFill>
-                <a:effectLst/>
-                <a:uLnTx/>
-                <a:uFillTx/>
-                <a:latin typeface="Calibri"/>
-                <a:ea typeface="+mn-ea"/>
-                <a:cs typeface="+mn-cs"/>
-              </a:rPr>
-              <a:t>StorageManager</a:t>
-            </a:r>
-            <a:endParaRPr kumimoji="0" lang="en-SG" sz="1600" b="0" i="0" u="none" strike="noStrike" kern="0" cap="none" spc="0" normalizeH="0" baseline="0" noProof="0" dirty="0">
-              <a:ln>
-                <a:noFill/>
-              </a:ln>
-              <a:solidFill>
-                <a:prstClr val="white"/>
-              </a:solidFill>
-              <a:effectLst/>
-              <a:uLnTx/>
-              <a:uFillTx/>
-              <a:latin typeface="Calibri"/>
-              <a:ea typeface="+mn-ea"/>
-              <a:cs typeface="+mn-cs"/>
-            </a:endParaRPr>
-          </a:p>
-        </p:txBody>
-      </p:sp>
-      <p:sp>
-        <p:nvSpPr>
-          <p:cNvPr id="153" name="Rectangle 62">
-            <a:extLst>
-              <a:ext uri="{FF2B5EF4-FFF2-40B4-BE49-F238E27FC236}">
-                <a16:creationId xmlns:a16="http://schemas.microsoft.com/office/drawing/2014/main" id="{86D3D9F6-0C66-4031-8B2E-92535A9DD25F}"/>
-              </a:ext>
-            </a:extLst>
-          </p:cNvPr>
-          <p:cNvSpPr/>
-          <p:nvPr/>
-        </p:nvSpPr>
-        <p:spPr>
-          <a:xfrm>
-            <a:off x="7774558" y="1277690"/>
-            <a:ext cx="1382807" cy="461537"/>
-          </a:xfrm>
-          <a:prstGeom prst="rect">
-            <a:avLst/>
-          </a:prstGeom>
-          <a:solidFill>
-            <a:srgbClr val="4BACC6">
-              <a:lumMod val="75000"/>
-            </a:srgbClr>
-          </a:solidFill>
-          <a:ln w="19050" cap="flat" cmpd="sng" algn="ctr">
-            <a:solidFill>
-              <a:srgbClr val="4BACC6">
-                <a:lumMod val="75000"/>
-              </a:srgbClr>
-            </a:solidFill>
-            <a:prstDash val="solid"/>
-          </a:ln>
-          <a:effectLst/>
-        </p:spPr>
-        <p:txBody>
-          <a:bodyPr rtlCol="0" anchor="ctr"/>
-          <a:lstStyle/>
-          <a:p>
-            <a:pPr marL="0" marR="0" lvl="0" indent="0" algn="ctr" defTabSz="914400" eaLnBrk="1" fontAlgn="auto" latinLnBrk="0" hangingPunct="1">
-              <a:lnSpc>
-                <a:spcPct val="100000"/>
-              </a:lnSpc>
-              <a:spcBef>
-                <a:spcPts val="0"/>
-              </a:spcBef>
-              <a:spcAft>
-                <a:spcPts val="0"/>
-              </a:spcAft>
-              <a:buClrTx/>
-              <a:buSzTx/>
-              <a:buFontTx/>
-              <a:buNone/>
-              <a:tabLst/>
-              <a:defRPr/>
-            </a:pPr>
-            <a:r>
-              <a:rPr kumimoji="0" lang="en-US" sz="1600" b="0" i="0" u="none" strike="noStrike" kern="0" cap="none" spc="0" normalizeH="0" baseline="0" noProof="0" dirty="0">
-                <a:ln>
-                  <a:noFill/>
-                </a:ln>
-                <a:solidFill>
-                  <a:prstClr val="white"/>
-                </a:solidFill>
-                <a:effectLst/>
-                <a:uLnTx/>
-                <a:uFillTx/>
-                <a:latin typeface="Calibri"/>
-                <a:ea typeface="+mn-ea"/>
-                <a:cs typeface="+mn-cs"/>
-              </a:rPr>
-              <a:t>:</a:t>
-            </a:r>
-            <a:r>
-              <a:rPr kumimoji="0" lang="en-US" sz="1600" b="0" i="0" u="none" strike="noStrike" kern="0" cap="none" spc="0" normalizeH="0" baseline="0" noProof="0" dirty="0" err="1">
-                <a:ln>
-                  <a:noFill/>
-                </a:ln>
-                <a:solidFill>
-                  <a:prstClr val="white"/>
-                </a:solidFill>
-                <a:effectLst/>
-                <a:uLnTx/>
-                <a:uFillTx/>
-                <a:latin typeface="Calibri"/>
-                <a:ea typeface="+mn-ea"/>
-                <a:cs typeface="+mn-cs"/>
-              </a:rPr>
-              <a:t>EventsCenter</a:t>
-            </a:r>
-            <a:endParaRPr kumimoji="0" lang="en-SG" sz="1600" b="0" i="0" u="none" strike="noStrike" kern="0" cap="none" spc="0" normalizeH="0" baseline="0" noProof="0" dirty="0">
-              <a:ln>
-                <a:noFill/>
-              </a:ln>
-              <a:solidFill>
-                <a:prstClr val="white"/>
-              </a:solidFill>
-              <a:effectLst/>
-              <a:uLnTx/>
-              <a:uFillTx/>
-              <a:latin typeface="Calibri"/>
-              <a:ea typeface="+mn-ea"/>
-              <a:cs typeface="+mn-cs"/>
-            </a:endParaRPr>
-          </a:p>
-        </p:txBody>
-      </p:sp>
-      <p:sp>
-        <p:nvSpPr>
-          <p:cNvPr id="154" name="Rectangle 153">
-            <a:extLst>
-              <a:ext uri="{FF2B5EF4-FFF2-40B4-BE49-F238E27FC236}">
-                <a16:creationId xmlns:a16="http://schemas.microsoft.com/office/drawing/2014/main" id="{3DF3655B-5E7C-41CD-894A-8A2EBC9FBEB8}"/>
-              </a:ext>
-            </a:extLst>
-          </p:cNvPr>
-          <p:cNvSpPr/>
-          <p:nvPr/>
-        </p:nvSpPr>
-        <p:spPr>
-          <a:xfrm>
-            <a:off x="8406919" y="4382994"/>
-            <a:ext cx="182522" cy="735780"/>
-          </a:xfrm>
-          <a:prstGeom prst="rect">
-            <a:avLst/>
-          </a:prstGeom>
-          <a:solidFill>
-            <a:srgbClr val="4BACC6">
-              <a:lumMod val="75000"/>
-            </a:srgbClr>
-          </a:solidFill>
-          <a:ln w="9525" cap="flat" cmpd="sng" algn="ctr">
-            <a:solidFill>
-              <a:srgbClr val="4BACC6">
-                <a:lumMod val="75000"/>
-              </a:srgbClr>
-            </a:solidFill>
-            <a:prstDash val="solid"/>
-          </a:ln>
-          <a:effectLst/>
-        </p:spPr>
-        <p:txBody>
-          <a:bodyPr rtlCol="0" anchor="ctr"/>
-          <a:lstStyle/>
-          <a:p>
-            <a:pPr marL="0" marR="0" lvl="0" indent="0" algn="ctr" defTabSz="914400" eaLnBrk="1" fontAlgn="auto" latinLnBrk="0" hangingPunct="1">
-              <a:lnSpc>
-                <a:spcPct val="100000"/>
-              </a:lnSpc>
-              <a:spcBef>
-                <a:spcPts val="0"/>
-              </a:spcBef>
-              <a:spcAft>
-                <a:spcPts val="0"/>
-              </a:spcAft>
-              <a:buClrTx/>
-              <a:buSzTx/>
-              <a:buFontTx/>
-              <a:buNone/>
-              <a:tabLst/>
-              <a:defRPr/>
-            </a:pPr>
-            <a:endParaRPr kumimoji="0" lang="en-SG" sz="1400" b="0" i="0" u="none" strike="noStrike" kern="0" cap="none" spc="0" normalizeH="0" baseline="0" noProof="0">
-              <a:ln>
-                <a:noFill/>
-              </a:ln>
-              <a:solidFill>
-                <a:prstClr val="black"/>
-              </a:solidFill>
-              <a:effectLst/>
-              <a:uLnTx/>
-              <a:uFillTx/>
-              <a:latin typeface="Calibri"/>
-              <a:ea typeface="+mn-ea"/>
-              <a:cs typeface="+mn-cs"/>
-            </a:endParaRPr>
-          </a:p>
-        </p:txBody>
-      </p:sp>
-      <p:cxnSp>
-        <p:nvCxnSpPr>
-          <p:cNvPr id="155" name="Straight Arrow Connector 154">
-            <a:extLst>
-              <a:ext uri="{FF2B5EF4-FFF2-40B4-BE49-F238E27FC236}">
-                <a16:creationId xmlns:a16="http://schemas.microsoft.com/office/drawing/2014/main" id="{01164A27-B4C0-486A-AB51-03B61C88137C}"/>
-              </a:ext>
-            </a:extLst>
-          </p:cNvPr>
-          <p:cNvCxnSpPr>
-            <a:cxnSpLocks/>
-          </p:cNvCxnSpPr>
-          <p:nvPr/>
-        </p:nvCxnSpPr>
-        <p:spPr>
-          <a:xfrm flipV="1">
-            <a:off x="5696638" y="4414327"/>
-            <a:ext cx="2700780" cy="1"/>
-          </a:xfrm>
-          <a:prstGeom prst="straightConnector1">
-            <a:avLst/>
-          </a:prstGeom>
-          <a:ln w="19050">
-            <a:solidFill>
-              <a:srgbClr val="0070C0"/>
-            </a:solidFill>
-            <a:tailEnd type="arrow"/>
-          </a:ln>
-        </p:spPr>
-        <p:style>
-          <a:lnRef idx="1">
-            <a:schemeClr val="accent1"/>
-          </a:lnRef>
-          <a:fillRef idx="0">
-            <a:schemeClr val="accent1"/>
-          </a:fillRef>
-          <a:effectRef idx="0">
-            <a:schemeClr val="accent1"/>
-          </a:effectRef>
-          <a:fontRef idx="minor">
-            <a:schemeClr val="tx1"/>
-          </a:fontRef>
-        </p:style>
-      </p:cxnSp>
-      <p:sp>
-        <p:nvSpPr>
-          <p:cNvPr id="160" name="TextBox 159">
-            <a:extLst>
-              <a:ext uri="{FF2B5EF4-FFF2-40B4-BE49-F238E27FC236}">
-                <a16:creationId xmlns:a16="http://schemas.microsoft.com/office/drawing/2014/main" id="{21A1CEED-495F-45B6-BF3D-B50AFB33B6E9}"/>
-              </a:ext>
-            </a:extLst>
-          </p:cNvPr>
-          <p:cNvSpPr txBox="1"/>
-          <p:nvPr/>
-        </p:nvSpPr>
-        <p:spPr>
-          <a:xfrm>
-            <a:off x="5749781" y="4141065"/>
-            <a:ext cx="2647637" cy="215444"/>
-          </a:xfrm>
-          <a:prstGeom prst="rect">
-            <a:avLst/>
-          </a:prstGeom>
-          <a:noFill/>
-        </p:spPr>
-        <p:txBody>
-          <a:bodyPr wrap="square" lIns="0" tIns="0" rIns="0" bIns="0" rtlCol="0">
-            <a:spAutoFit/>
-          </a:bodyPr>
-          <a:lstStyle/>
-          <a:p>
-            <a:pPr marL="0" marR="0" lvl="0" indent="0" defTabSz="914400" eaLnBrk="1" fontAlgn="auto" latinLnBrk="0" hangingPunct="1">
-              <a:lnSpc>
-                <a:spcPct val="100000"/>
-              </a:lnSpc>
-              <a:spcBef>
-                <a:spcPts val="0"/>
-              </a:spcBef>
-              <a:spcAft>
-                <a:spcPts val="0"/>
-              </a:spcAft>
-              <a:buClrTx/>
-              <a:buSzTx/>
-              <a:buFontTx/>
-              <a:buNone/>
-              <a:tabLst/>
-              <a:defRPr/>
-            </a:pPr>
-            <a:r>
-              <a:rPr kumimoji="0" lang="en-US" sz="1400" b="0" i="0" u="none" strike="noStrike" kern="0" cap="none" spc="0" normalizeH="0" baseline="0" noProof="0" dirty="0">
-                <a:ln>
-                  <a:noFill/>
-                </a:ln>
-                <a:solidFill>
-                  <a:srgbClr val="4BACC6">
-                    <a:lumMod val="75000"/>
-                  </a:srgbClr>
-                </a:solidFill>
-                <a:effectLst/>
-                <a:uLnTx/>
-                <a:uFillTx/>
-              </a:rPr>
-              <a:t>post(</a:t>
-            </a:r>
-            <a:r>
-              <a:rPr kumimoji="0" lang="en-US" sz="1400" b="0" i="0" u="none" strike="noStrike" kern="0" cap="none" spc="0" normalizeH="0" baseline="0" noProof="0" dirty="0" err="1">
-                <a:ln>
-                  <a:noFill/>
-                </a:ln>
-                <a:solidFill>
-                  <a:srgbClr val="4BACC6">
-                    <a:lumMod val="75000"/>
-                  </a:srgbClr>
-                </a:solidFill>
-                <a:effectLst/>
-                <a:uLnTx/>
-                <a:uFillTx/>
-              </a:rPr>
-              <a:t>ProfilePictureChangedEvent</a:t>
-            </a:r>
-            <a:r>
-              <a:rPr kumimoji="0" lang="en-US" sz="1400" b="0" i="0" u="none" strike="noStrike" kern="0" cap="none" spc="0" normalizeH="0" baseline="0" noProof="0" dirty="0">
-                <a:ln>
-                  <a:noFill/>
-                </a:ln>
-                <a:solidFill>
-                  <a:srgbClr val="4BACC6">
-                    <a:lumMod val="75000"/>
-                  </a:srgbClr>
-                </a:solidFill>
-                <a:effectLst/>
-                <a:uLnTx/>
-                <a:uFillTx/>
-              </a:rPr>
-              <a:t>)</a:t>
-            </a:r>
-          </a:p>
-        </p:txBody>
-      </p:sp>
-      <p:cxnSp>
-        <p:nvCxnSpPr>
-          <p:cNvPr id="171" name="Straight Arrow Connector 170">
-            <a:extLst>
-              <a:ext uri="{FF2B5EF4-FFF2-40B4-BE49-F238E27FC236}">
-                <a16:creationId xmlns:a16="http://schemas.microsoft.com/office/drawing/2014/main" id="{4E8EAA79-CE7F-43C4-8E59-AE295C4E2E2F}"/>
-              </a:ext>
-            </a:extLst>
-          </p:cNvPr>
-          <p:cNvCxnSpPr>
-            <a:cxnSpLocks/>
-          </p:cNvCxnSpPr>
-          <p:nvPr/>
-        </p:nvCxnSpPr>
-        <p:spPr>
-          <a:xfrm flipV="1">
-            <a:off x="8564935" y="4565664"/>
-            <a:ext cx="2642296" cy="4256"/>
-          </a:xfrm>
-          <a:prstGeom prst="straightConnector1">
-            <a:avLst/>
-          </a:prstGeom>
-          <a:noFill/>
-          <a:ln w="19050" cap="flat" cmpd="sng" algn="ctr">
-            <a:solidFill>
-              <a:srgbClr val="4BACC6">
-                <a:lumMod val="75000"/>
-              </a:srgbClr>
-            </a:solidFill>
-            <a:prstDash val="solid"/>
-            <a:headEnd type="none" w="med" len="med"/>
-            <a:tailEnd type="arrow" w="med" len="med"/>
-          </a:ln>
-          <a:effectLst/>
-        </p:spPr>
-      </p:cxnSp>
-      <p:sp>
-        <p:nvSpPr>
-          <p:cNvPr id="178" name="Rectangle 177">
-            <a:extLst>
-              <a:ext uri="{FF2B5EF4-FFF2-40B4-BE49-F238E27FC236}">
-                <a16:creationId xmlns:a16="http://schemas.microsoft.com/office/drawing/2014/main" id="{872701BB-1910-47A9-8FDE-9A41684D29D3}"/>
-              </a:ext>
-            </a:extLst>
-          </p:cNvPr>
-          <p:cNvSpPr/>
-          <p:nvPr/>
-        </p:nvSpPr>
-        <p:spPr>
-          <a:xfrm>
-            <a:off x="11207231" y="4534330"/>
-            <a:ext cx="120866" cy="337721"/>
-          </a:xfrm>
-          <a:prstGeom prst="rect">
-            <a:avLst/>
-          </a:prstGeom>
-          <a:solidFill>
-            <a:srgbClr val="F79646">
-              <a:lumMod val="75000"/>
-            </a:srgbClr>
-          </a:solidFill>
-          <a:ln w="9525" cap="flat" cmpd="sng" algn="ctr">
-            <a:solidFill>
-              <a:srgbClr val="F79646">
-                <a:lumMod val="75000"/>
-              </a:srgbClr>
-            </a:solidFill>
-            <a:prstDash val="solid"/>
-          </a:ln>
-          <a:effectLst/>
-        </p:spPr>
-        <p:txBody>
-          <a:bodyPr rtlCol="0" anchor="ctr"/>
-          <a:lstStyle/>
-          <a:p>
-            <a:pPr marL="0" marR="0" lvl="0" indent="0" algn="ctr" defTabSz="914400" eaLnBrk="1" fontAlgn="auto" latinLnBrk="0" hangingPunct="1">
-              <a:lnSpc>
-                <a:spcPct val="100000"/>
-              </a:lnSpc>
-              <a:spcBef>
-                <a:spcPts val="0"/>
-              </a:spcBef>
-              <a:spcAft>
-                <a:spcPts val="0"/>
-              </a:spcAft>
-              <a:buClrTx/>
-              <a:buSzTx/>
-              <a:buFontTx/>
-              <a:buNone/>
-              <a:tabLst/>
-              <a:defRPr/>
-            </a:pPr>
-            <a:endParaRPr kumimoji="0" lang="en-SG" sz="1400" b="0" i="0" u="none" strike="noStrike" kern="0" cap="none" spc="0" normalizeH="0" baseline="0" noProof="0">
-              <a:ln>
-                <a:noFill/>
-              </a:ln>
-              <a:solidFill>
-                <a:prstClr val="black"/>
-              </a:solidFill>
-              <a:effectLst/>
-              <a:uLnTx/>
-              <a:uFillTx/>
-              <a:latin typeface="Calibri"/>
-              <a:ea typeface="+mn-ea"/>
-              <a:cs typeface="+mn-cs"/>
-            </a:endParaRPr>
-          </a:p>
-        </p:txBody>
-      </p:sp>
-      <p:grpSp>
-        <p:nvGrpSpPr>
-          <p:cNvPr id="179" name="Group 178">
-            <a:extLst>
-              <a:ext uri="{FF2B5EF4-FFF2-40B4-BE49-F238E27FC236}">
-                <a16:creationId xmlns:a16="http://schemas.microsoft.com/office/drawing/2014/main" id="{A7D2B038-B609-4D53-940F-900C51EB4AF7}"/>
-              </a:ext>
-            </a:extLst>
-          </p:cNvPr>
-          <p:cNvGrpSpPr/>
-          <p:nvPr/>
-        </p:nvGrpSpPr>
-        <p:grpSpPr>
-          <a:xfrm flipH="1">
-            <a:off x="11295474" y="4534331"/>
-            <a:ext cx="217349" cy="270072"/>
-            <a:chOff x="1028134" y="5612032"/>
-            <a:chExt cx="217349" cy="270072"/>
-          </a:xfrm>
-        </p:grpSpPr>
-        <p:sp>
-          <p:nvSpPr>
-            <p:cNvPr id="180" name="Freeform 58">
-              <a:extLst>
-                <a:ext uri="{FF2B5EF4-FFF2-40B4-BE49-F238E27FC236}">
-                  <a16:creationId xmlns:a16="http://schemas.microsoft.com/office/drawing/2014/main" id="{85DEAED9-2143-4BF9-AA44-60876186E84E}"/>
-                </a:ext>
-              </a:extLst>
-            </p:cNvPr>
-            <p:cNvSpPr/>
-            <p:nvPr/>
-          </p:nvSpPr>
-          <p:spPr>
-            <a:xfrm rot="2600998" flipH="1" flipV="1">
-              <a:off x="1028134" y="5612032"/>
-              <a:ext cx="167452" cy="116880"/>
-            </a:xfrm>
-            <a:custGeom>
-              <a:avLst/>
-              <a:gdLst>
-                <a:gd name="connsiteX0" fmla="*/ 0 w 226400"/>
-                <a:gd name="connsiteY0" fmla="*/ 32920 h 171466"/>
-                <a:gd name="connsiteX1" fmla="*/ 157018 w 226400"/>
-                <a:gd name="connsiteY1" fmla="*/ 5211 h 171466"/>
-                <a:gd name="connsiteX2" fmla="*/ 221673 w 226400"/>
-                <a:gd name="connsiteY2" fmla="*/ 125284 h 171466"/>
-                <a:gd name="connsiteX3" fmla="*/ 36945 w 226400"/>
-                <a:gd name="connsiteY3" fmla="*/ 171466 h 171466"/>
-              </a:gdLst>
-              <a:ahLst/>
-              <a:cxnLst>
-                <a:cxn ang="0">
-                  <a:pos x="connsiteX0" y="connsiteY0"/>
-                </a:cxn>
-                <a:cxn ang="0">
-                  <a:pos x="connsiteX1" y="connsiteY1"/>
-                </a:cxn>
-                <a:cxn ang="0">
-                  <a:pos x="connsiteX2" y="connsiteY2"/>
-                </a:cxn>
-                <a:cxn ang="0">
-                  <a:pos x="connsiteX3" y="connsiteY3"/>
-                </a:cxn>
-              </a:cxnLst>
-              <a:rect l="l" t="t" r="r" b="b"/>
-              <a:pathLst>
-                <a:path w="226400" h="171466">
-                  <a:moveTo>
-                    <a:pt x="0" y="32920"/>
-                  </a:moveTo>
-                  <a:cubicBezTo>
-                    <a:pt x="60036" y="11368"/>
-                    <a:pt x="120073" y="-10183"/>
-                    <a:pt x="157018" y="5211"/>
-                  </a:cubicBezTo>
-                  <a:cubicBezTo>
-                    <a:pt x="193963" y="20605"/>
-                    <a:pt x="241685" y="97575"/>
-                    <a:pt x="221673" y="125284"/>
-                  </a:cubicBezTo>
-                  <a:cubicBezTo>
-                    <a:pt x="201661" y="152993"/>
-                    <a:pt x="119303" y="162229"/>
-                    <a:pt x="36945" y="171466"/>
-                  </a:cubicBezTo>
-                </a:path>
-              </a:pathLst>
-            </a:custGeom>
-            <a:noFill/>
-            <a:ln w="19050" cap="flat" cmpd="sng" algn="ctr">
-              <a:solidFill>
-                <a:srgbClr val="F79646">
-                  <a:lumMod val="75000"/>
-                </a:srgbClr>
-              </a:solidFill>
-              <a:prstDash val="solid"/>
-              <a:headEnd type="arrow" w="med" len="med"/>
-              <a:tailEnd type="none" w="med" len="med"/>
-            </a:ln>
-            <a:effectLst/>
-          </p:spPr>
-          <p:txBody>
-            <a:bodyPr rtlCol="0" anchor="ctr"/>
-            <a:lstStyle/>
-            <a:p>
-              <a:pPr marL="0" marR="0" lvl="0" indent="0" algn="ctr" defTabSz="914400" eaLnBrk="1" fontAlgn="auto" latinLnBrk="0" hangingPunct="1">
-                <a:lnSpc>
-                  <a:spcPct val="100000"/>
-                </a:lnSpc>
-                <a:spcBef>
-                  <a:spcPts val="0"/>
-                </a:spcBef>
-                <a:spcAft>
-                  <a:spcPts val="0"/>
-                </a:spcAft>
-                <a:buClrTx/>
-                <a:buSzTx/>
-                <a:buFontTx/>
-                <a:buNone/>
-                <a:tabLst/>
-                <a:defRPr/>
-              </a:pPr>
-              <a:endParaRPr kumimoji="0" lang="en-SG" sz="1800" b="0" i="0" u="none" strike="noStrike" kern="0" cap="none" spc="0" normalizeH="0" baseline="0" noProof="0">
-                <a:ln>
-                  <a:noFill/>
-                </a:ln>
-                <a:solidFill>
-                  <a:prstClr val="black"/>
-                </a:solidFill>
-                <a:effectLst/>
-                <a:uLnTx/>
-                <a:uFillTx/>
-                <a:latin typeface="Calibri"/>
-                <a:ea typeface="+mn-ea"/>
-                <a:cs typeface="+mn-cs"/>
-              </a:endParaRPr>
-            </a:p>
-          </p:txBody>
-        </p:sp>
-        <p:sp>
-          <p:nvSpPr>
-            <p:cNvPr id="181" name="Rectangle 180">
-              <a:extLst>
-                <a:ext uri="{FF2B5EF4-FFF2-40B4-BE49-F238E27FC236}">
-                  <a16:creationId xmlns:a16="http://schemas.microsoft.com/office/drawing/2014/main" id="{57921705-8FCE-4ED9-B26A-C1A5977563C3}"/>
-                </a:ext>
-              </a:extLst>
-            </p:cNvPr>
-            <p:cNvSpPr/>
-            <p:nvPr/>
-          </p:nvSpPr>
-          <p:spPr>
-            <a:xfrm>
-              <a:off x="1147403" y="5712513"/>
-              <a:ext cx="98080" cy="169591"/>
-            </a:xfrm>
-            <a:prstGeom prst="rect">
-              <a:avLst/>
-            </a:prstGeom>
-            <a:solidFill>
-              <a:srgbClr val="F79646">
-                <a:lumMod val="75000"/>
-              </a:srgbClr>
-            </a:solidFill>
-            <a:ln w="9525" cap="flat" cmpd="sng" algn="ctr">
-              <a:solidFill>
-                <a:sysClr val="window" lastClr="FFFFFF"/>
-              </a:solidFill>
-              <a:prstDash val="solid"/>
-            </a:ln>
-            <a:effectLst/>
-          </p:spPr>
-          <p:txBody>
-            <a:bodyPr rtlCol="0" anchor="ctr"/>
-            <a:lstStyle/>
-            <a:p>
-              <a:pPr marL="0" marR="0" lvl="0" indent="0" algn="ctr" defTabSz="914400" eaLnBrk="1" fontAlgn="auto" latinLnBrk="0" hangingPunct="1">
-                <a:lnSpc>
-                  <a:spcPct val="100000"/>
-                </a:lnSpc>
-                <a:spcBef>
-                  <a:spcPts val="0"/>
-                </a:spcBef>
-                <a:spcAft>
-                  <a:spcPts val="0"/>
-                </a:spcAft>
-                <a:buClrTx/>
-                <a:buSzTx/>
-                <a:buFontTx/>
-                <a:buNone/>
-                <a:tabLst/>
-                <a:defRPr/>
-              </a:pPr>
-              <a:endParaRPr kumimoji="0" lang="en-SG" sz="1400" b="0" i="0" u="none" strike="noStrike" kern="0" cap="none" spc="0" normalizeH="0" baseline="0" noProof="0">
-                <a:ln>
-                  <a:noFill/>
-                </a:ln>
-                <a:solidFill>
-                  <a:prstClr val="black"/>
-                </a:solidFill>
-                <a:effectLst/>
-                <a:uLnTx/>
-                <a:uFillTx/>
-                <a:latin typeface="Calibri"/>
-                <a:ea typeface="+mn-ea"/>
-                <a:cs typeface="+mn-cs"/>
-              </a:endParaRPr>
-            </a:p>
-          </p:txBody>
-        </p:sp>
-      </p:grpSp>
-      <p:sp>
-        <p:nvSpPr>
-          <p:cNvPr id="182" name="TextBox 181">
-            <a:extLst>
-              <a:ext uri="{FF2B5EF4-FFF2-40B4-BE49-F238E27FC236}">
-                <a16:creationId xmlns:a16="http://schemas.microsoft.com/office/drawing/2014/main" id="{D89A487B-E321-45F4-A7DA-53A57D8C812F}"/>
-              </a:ext>
-            </a:extLst>
-          </p:cNvPr>
-          <p:cNvSpPr txBox="1"/>
-          <p:nvPr/>
-        </p:nvSpPr>
-        <p:spPr>
-          <a:xfrm>
-            <a:off x="11393554" y="4266035"/>
-            <a:ext cx="1620839" cy="215444"/>
-          </a:xfrm>
-          <a:prstGeom prst="rect">
-            <a:avLst/>
-          </a:prstGeom>
-          <a:noFill/>
-        </p:spPr>
-        <p:txBody>
-          <a:bodyPr wrap="square" lIns="0" tIns="0" rIns="0" bIns="0" rtlCol="0">
-            <a:spAutoFit/>
-          </a:bodyPr>
-          <a:lstStyle/>
-          <a:p>
-            <a:pPr marL="0" marR="0" lvl="0" indent="0" defTabSz="914400" eaLnBrk="1" fontAlgn="auto" latinLnBrk="0" hangingPunct="1">
-              <a:lnSpc>
-                <a:spcPct val="100000"/>
-              </a:lnSpc>
-              <a:spcBef>
-                <a:spcPts val="0"/>
-              </a:spcBef>
-              <a:spcAft>
-                <a:spcPts val="0"/>
-              </a:spcAft>
-              <a:buClrTx/>
-              <a:buSzTx/>
-              <a:buFontTx/>
-              <a:buNone/>
-              <a:tabLst/>
-              <a:defRPr/>
-            </a:pPr>
-            <a:r>
-              <a:rPr kumimoji="0" lang="en-US" sz="1400" b="0" i="0" u="none" strike="noStrike" kern="0" cap="none" spc="0" normalizeH="0" baseline="0" noProof="0" dirty="0" err="1">
-                <a:ln>
-                  <a:noFill/>
-                </a:ln>
-                <a:solidFill>
-                  <a:schemeClr val="accent2">
-                    <a:lumMod val="75000"/>
-                  </a:schemeClr>
-                </a:solidFill>
-                <a:effectLst/>
-                <a:uLnTx/>
-                <a:uFillTx/>
-              </a:rPr>
-              <a:t>saveProfilePicture</a:t>
-            </a:r>
-            <a:r>
-              <a:rPr kumimoji="0" lang="en-US" sz="1400" b="0" i="0" u="none" strike="noStrike" kern="0" cap="none" spc="0" normalizeH="0" baseline="0" noProof="0" dirty="0">
-                <a:ln>
-                  <a:noFill/>
-                </a:ln>
-                <a:solidFill>
-                  <a:schemeClr val="accent2">
-                    <a:lumMod val="75000"/>
-                  </a:schemeClr>
-                </a:solidFill>
-                <a:effectLst/>
-                <a:uLnTx/>
-                <a:uFillTx/>
-              </a:rPr>
-              <a:t>()</a:t>
-            </a:r>
-          </a:p>
-        </p:txBody>
-      </p:sp>
-      <p:sp>
-        <p:nvSpPr>
-          <p:cNvPr id="186" name="TextBox 185">
-            <a:extLst>
-              <a:ext uri="{FF2B5EF4-FFF2-40B4-BE49-F238E27FC236}">
-                <a16:creationId xmlns:a16="http://schemas.microsoft.com/office/drawing/2014/main" id="{0C88A78F-07B8-490F-B308-A2050A981742}"/>
-              </a:ext>
-            </a:extLst>
-          </p:cNvPr>
-          <p:cNvSpPr txBox="1"/>
-          <p:nvPr/>
-        </p:nvSpPr>
-        <p:spPr>
-          <a:xfrm>
-            <a:off x="8621161" y="4154251"/>
-            <a:ext cx="2658304" cy="215444"/>
-          </a:xfrm>
-          <a:prstGeom prst="rect">
-            <a:avLst/>
-          </a:prstGeom>
-          <a:noFill/>
-        </p:spPr>
-        <p:txBody>
-          <a:bodyPr wrap="square" lIns="0" tIns="0" rIns="0" bIns="0" rtlCol="0">
-            <a:spAutoFit/>
-          </a:bodyPr>
-          <a:lstStyle/>
-          <a:p>
-            <a:pPr marL="0" marR="0" lvl="0" indent="0" defTabSz="914400" eaLnBrk="1" fontAlgn="auto" latinLnBrk="0" hangingPunct="1">
-              <a:lnSpc>
-                <a:spcPct val="100000"/>
-              </a:lnSpc>
-              <a:spcBef>
-                <a:spcPts val="0"/>
-              </a:spcBef>
-              <a:spcAft>
-                <a:spcPts val="0"/>
-              </a:spcAft>
-              <a:buClrTx/>
-              <a:buSzTx/>
-              <a:buFontTx/>
-              <a:buNone/>
-              <a:tabLst/>
-              <a:defRPr/>
-            </a:pPr>
-            <a:r>
-              <a:rPr kumimoji="0" lang="en-US" sz="1400" b="0" i="0" u="none" strike="noStrike" kern="0" cap="none" spc="0" normalizeH="0" baseline="0" noProof="0" dirty="0" err="1">
-                <a:ln>
-                  <a:noFill/>
-                </a:ln>
-                <a:solidFill>
-                  <a:schemeClr val="accent2">
-                    <a:lumMod val="75000"/>
-                  </a:schemeClr>
-                </a:solidFill>
-                <a:effectLst/>
-                <a:uLnTx/>
-                <a:uFillTx/>
-              </a:rPr>
-              <a:t>handleprofilePictureChangedEvent</a:t>
-            </a:r>
-            <a:r>
-              <a:rPr kumimoji="0" lang="en-US" sz="1400" b="0" i="0" u="none" strike="noStrike" kern="0" cap="none" spc="0" normalizeH="0" baseline="0" noProof="0" dirty="0">
-                <a:ln>
-                  <a:noFill/>
-                </a:ln>
-                <a:solidFill>
-                  <a:srgbClr val="F79646">
-                    <a:lumMod val="75000"/>
-                  </a:srgbClr>
-                </a:solidFill>
-                <a:effectLst/>
-                <a:uLnTx/>
-                <a:uFillTx/>
-              </a:rPr>
-              <a:t>()</a:t>
-            </a:r>
-          </a:p>
-        </p:txBody>
-      </p:sp>
-      <p:sp>
-        <p:nvSpPr>
-          <p:cNvPr id="204" name="TextBox 203">
-            <a:extLst>
-              <a:ext uri="{FF2B5EF4-FFF2-40B4-BE49-F238E27FC236}">
-                <a16:creationId xmlns:a16="http://schemas.microsoft.com/office/drawing/2014/main" id="{7C161960-EAB4-432E-8372-4DECEDE1852B}"/>
-              </a:ext>
-            </a:extLst>
-          </p:cNvPr>
-          <p:cNvSpPr txBox="1"/>
-          <p:nvPr/>
-        </p:nvSpPr>
-        <p:spPr>
-          <a:xfrm>
-            <a:off x="1015924" y="5159590"/>
-            <a:ext cx="454936" cy="215444"/>
-          </a:xfrm>
-          <a:prstGeom prst="rect">
-            <a:avLst/>
-          </a:prstGeom>
-          <a:noFill/>
-        </p:spPr>
-        <p:txBody>
-          <a:bodyPr wrap="square" lIns="0" tIns="0" rIns="0" bIns="0" rtlCol="0">
-            <a:spAutoFit/>
-          </a:bodyPr>
-          <a:lstStyle>
-            <a:defPPr>
-              <a:defRPr lang="en-US"/>
-            </a:defPPr>
-            <a:lvl1pPr algn="r">
-              <a:defRPr sz="1400">
-                <a:solidFill>
-                  <a:srgbClr val="0070C0"/>
-                </a:solidFill>
-              </a:defRPr>
-            </a:lvl1pPr>
-          </a:lstStyle>
-          <a:p>
-            <a:pPr algn="l"/>
-            <a:r>
-              <a:rPr lang="en-US" dirty="0">
-                <a:solidFill>
-                  <a:srgbClr val="7030A0"/>
-                </a:solidFill>
-              </a:rPr>
-              <a:t>result</a:t>
-            </a:r>
-          </a:p>
-        </p:txBody>
-      </p:sp>
-      <p:sp>
-        <p:nvSpPr>
-          <p:cNvPr id="205" name="TextBox 204">
-            <a:extLst>
-              <a:ext uri="{FF2B5EF4-FFF2-40B4-BE49-F238E27FC236}">
-                <a16:creationId xmlns:a16="http://schemas.microsoft.com/office/drawing/2014/main" id="{35EF7CFB-4688-4110-9C55-EAEFF14DB0B0}"/>
-              </a:ext>
-            </a:extLst>
-          </p:cNvPr>
-          <p:cNvSpPr txBox="1"/>
-          <p:nvPr/>
-        </p:nvSpPr>
-        <p:spPr>
-          <a:xfrm>
-            <a:off x="3238309" y="4947250"/>
-            <a:ext cx="454936" cy="215444"/>
-          </a:xfrm>
-          <a:prstGeom prst="rect">
-            <a:avLst/>
-          </a:prstGeom>
-          <a:noFill/>
-        </p:spPr>
-        <p:txBody>
-          <a:bodyPr wrap="square" lIns="0" tIns="0" rIns="0" bIns="0" rtlCol="0">
-            <a:spAutoFit/>
-          </a:bodyPr>
-          <a:lstStyle>
-            <a:defPPr>
-              <a:defRPr lang="en-US"/>
-            </a:defPPr>
-            <a:lvl1pPr algn="r">
-              <a:defRPr sz="1400">
-                <a:solidFill>
-                  <a:srgbClr val="0070C0"/>
-                </a:solidFill>
-              </a:defRPr>
-            </a:lvl1pPr>
-          </a:lstStyle>
-          <a:p>
-            <a:pPr algn="l"/>
-            <a:r>
-              <a:rPr lang="en-US" dirty="0">
-                <a:solidFill>
-                  <a:srgbClr val="7030A0"/>
-                </a:solidFill>
-              </a:rPr>
-              <a:t>result</a:t>
-            </a:r>
-          </a:p>
-        </p:txBody>
-      </p:sp>
-      <p:cxnSp>
-        <p:nvCxnSpPr>
-          <p:cNvPr id="208" name="Straight Arrow Connector 207">
-            <a:extLst>
-              <a:ext uri="{FF2B5EF4-FFF2-40B4-BE49-F238E27FC236}">
-                <a16:creationId xmlns:a16="http://schemas.microsoft.com/office/drawing/2014/main" id="{8E9A9076-F109-4E6C-A220-F9284D9D991C}"/>
-              </a:ext>
-            </a:extLst>
-          </p:cNvPr>
-          <p:cNvCxnSpPr>
-            <a:cxnSpLocks/>
-          </p:cNvCxnSpPr>
-          <p:nvPr/>
-        </p:nvCxnSpPr>
-        <p:spPr>
-          <a:xfrm flipH="1">
-            <a:off x="5636023" y="5118774"/>
-            <a:ext cx="2760969" cy="0"/>
-          </a:xfrm>
-          <a:prstGeom prst="straightConnector1">
-            <a:avLst/>
-          </a:prstGeom>
-          <a:noFill/>
-          <a:ln w="19050" cap="flat" cmpd="sng" algn="ctr">
-            <a:solidFill>
-              <a:srgbClr val="4BACC6">
-                <a:lumMod val="75000"/>
-              </a:srgbClr>
-            </a:solidFill>
-            <a:prstDash val="sysDash"/>
-            <a:headEnd type="none" w="med" len="med"/>
-            <a:tailEnd type="arrow" w="med" len="med"/>
-          </a:ln>
-          <a:effectLst/>
-        </p:spPr>
-      </p:cxnSp>
-      <p:sp>
-        <p:nvSpPr>
-          <p:cNvPr id="53" name="TextBox 52">
-            <a:extLst>
-              <a:ext uri="{FF2B5EF4-FFF2-40B4-BE49-F238E27FC236}">
-                <a16:creationId xmlns:a16="http://schemas.microsoft.com/office/drawing/2014/main" id="{8CDBAA24-4C0B-4B10-87B6-18442D937A0E}"/>
-              </a:ext>
-            </a:extLst>
-          </p:cNvPr>
-          <p:cNvSpPr txBox="1"/>
-          <p:nvPr/>
-        </p:nvSpPr>
-        <p:spPr>
-          <a:xfrm>
-            <a:off x="-1906693" y="1751220"/>
-            <a:ext cx="3950878" cy="215444"/>
-          </a:xfrm>
-          <a:prstGeom prst="rect">
-            <a:avLst/>
-          </a:prstGeom>
-          <a:noFill/>
-        </p:spPr>
-        <p:txBody>
-          <a:bodyPr wrap="square" lIns="0" tIns="0" rIns="0" bIns="0" rtlCol="0">
-            <a:spAutoFit/>
-          </a:bodyPr>
-          <a:lstStyle>
-            <a:defPPr>
-              <a:defRPr lang="en-US"/>
-            </a:defPPr>
-            <a:lvl1pPr algn="r">
-              <a:defRPr sz="1400">
-                <a:solidFill>
-                  <a:srgbClr val="0070C0"/>
-                </a:solidFill>
-              </a:defRPr>
-            </a:lvl1pPr>
-          </a:lstStyle>
-          <a:p>
-            <a:pPr algn="l"/>
-            <a:r>
-              <a:rPr lang="en-US" dirty="0">
-                <a:solidFill>
-                  <a:srgbClr val="7030A0"/>
-                </a:solidFill>
-              </a:rPr>
-              <a:t>e</a:t>
-            </a:r>
-            <a:r>
-              <a:rPr lang="en-US" dirty="0" smtClean="0">
-                <a:solidFill>
-                  <a:srgbClr val="7030A0"/>
-                </a:solidFill>
-              </a:rPr>
-              <a:t>xecute(“</a:t>
-            </a:r>
-            <a:r>
-              <a:rPr lang="en-US" dirty="0" err="1" smtClean="0">
-                <a:solidFill>
-                  <a:srgbClr val="7030A0"/>
-                </a:solidFill>
-              </a:rPr>
-              <a:t>addLesson</a:t>
-            </a:r>
-            <a:r>
-              <a:rPr lang="en-US" dirty="0" smtClean="0">
-                <a:solidFill>
-                  <a:srgbClr val="7030A0"/>
-                </a:solidFill>
-              </a:rPr>
-              <a:t> 1 d/mon </a:t>
-            </a:r>
-            <a:r>
-              <a:rPr lang="en-US" dirty="0" err="1" smtClean="0">
-                <a:solidFill>
-                  <a:srgbClr val="7030A0"/>
-                </a:solidFill>
-              </a:rPr>
-              <a:t>st</a:t>
-            </a:r>
-            <a:r>
-              <a:rPr lang="en-US" dirty="0" smtClean="0">
-                <a:solidFill>
-                  <a:srgbClr val="7030A0"/>
-                </a:solidFill>
-              </a:rPr>
-              <a:t>/10:00 et/11:00”)</a:t>
-            </a:r>
-            <a:endParaRPr lang="en-US" dirty="0">
-              <a:solidFill>
-                <a:srgbClr val="7030A0"/>
+                <a:schemeClr val="accent6"/>
               </a:solidFill>
             </a:endParaRPr>
           </a:p>
@@ -6668,7 +4498,7 @@
     </p:spTree>
     <p:extLst>
       <p:ext uri="{BB962C8B-B14F-4D97-AF65-F5344CB8AC3E}">
-        <p14:creationId xmlns:p14="http://schemas.microsoft.com/office/powerpoint/2010/main" val="1525681588"/>
+        <p14:creationId xmlns:p14="http://schemas.microsoft.com/office/powerpoint/2010/main" val="2365664310"/>
       </p:ext>
     </p:extLst>
   </p:cSld>
@@ -6971,299 +4801,4 @@
     </a:ext>
   </a:extLst>
 </a:theme>
-</file>
-
-<file path=ppt/theme/theme2.xml><?xml version="1.0" encoding="utf-8"?>
-<a:theme xmlns:a="http://schemas.openxmlformats.org/drawingml/2006/main" name="Office Theme">
-  <a:themeElements>
-    <a:clrScheme name="Office">
-      <a:dk1>
-        <a:sysClr val="windowText" lastClr="000000"/>
-      </a:dk1>
-      <a:lt1>
-        <a:sysClr val="window" lastClr="FFFFFF"/>
-      </a:lt1>
-      <a:dk2>
-        <a:srgbClr val="44546A"/>
-      </a:dk2>
-      <a:lt2>
-        <a:srgbClr val="E7E6E6"/>
-      </a:lt2>
-      <a:accent1>
-        <a:srgbClr val="4472C4"/>
-      </a:accent1>
-      <a:accent2>
-        <a:srgbClr val="ED7D31"/>
-      </a:accent2>
-      <a:accent3>
-        <a:srgbClr val="A5A5A5"/>
-      </a:accent3>
-      <a:accent4>
-        <a:srgbClr val="FFC000"/>
-      </a:accent4>
-      <a:accent5>
-        <a:srgbClr val="5B9BD5"/>
-      </a:accent5>
-      <a:accent6>
-        <a:srgbClr val="70AD47"/>
-      </a:accent6>
-      <a:hlink>
-        <a:srgbClr val="0563C1"/>
-      </a:hlink>
-      <a:folHlink>
-        <a:srgbClr val="954F72"/>
-      </a:folHlink>
-    </a:clrScheme>
-    <a:fontScheme name="Office">
-      <a:majorFont>
-        <a:latin typeface="Calibri Light" panose="020F0302020204030204"/>
-        <a:ea typeface=""/>
-        <a:cs typeface=""/>
-        <a:font script="Jpan" typeface="游ゴシック Light"/>
-        <a:font script="Hang" typeface="맑은 고딕"/>
-        <a:font script="Hans" typeface="等线 Light"/>
-        <a:font script="Hant" typeface="新細明體"/>
-        <a:font script="Arab" typeface="Times New Roman"/>
-        <a:font script="Hebr" typeface="Times New Roman"/>
-        <a:font script="Thai" typeface="Angsana New"/>
-        <a:font script="Ethi" typeface="Nyala"/>
-        <a:font script="Beng" typeface="Vrinda"/>
-        <a:font script="Gujr" typeface="Shruti"/>
-        <a:font script="Khmr" typeface="MoolBoran"/>
-        <a:font script="Knda" typeface="Tunga"/>
-        <a:font script="Guru" typeface="Raavi"/>
-        <a:font script="Cans" typeface="Euphemia"/>
-        <a:font script="Cher" typeface="Plantagenet Cherokee"/>
-        <a:font script="Yiii" typeface="Microsoft Yi Baiti"/>
-        <a:font script="Tibt" typeface="Microsoft Himalaya"/>
-        <a:font script="Thaa" typeface="MV Boli"/>
-        <a:font script="Deva" typeface="Mangal"/>
-        <a:font script="Telu" typeface="Gautami"/>
-        <a:font script="Taml" typeface="Latha"/>
-        <a:font script="Syrc" typeface="Estrangelo Edessa"/>
-        <a:font script="Orya" typeface="Kalinga"/>
-        <a:font script="Mlym" typeface="Kartika"/>
-        <a:font script="Laoo" typeface="DokChampa"/>
-        <a:font script="Sinh" typeface="Iskoola Pota"/>
-        <a:font script="Mong" typeface="Mongolian Baiti"/>
-        <a:font script="Viet" typeface="Times New Roman"/>
-        <a:font script="Uigh" typeface="Microsoft Uighur"/>
-        <a:font script="Geor" typeface="Sylfaen"/>
-        <a:font script="Armn" typeface="Arial"/>
-        <a:font script="Bugi" typeface="Leelawadee UI"/>
-        <a:font script="Bopo" typeface="Microsoft JhengHei"/>
-        <a:font script="Java" typeface="Javanese Text"/>
-        <a:font script="Lisu" typeface="Segoe UI"/>
-        <a:font script="Mymr" typeface="Myanmar Text"/>
-        <a:font script="Nkoo" typeface="Ebrima"/>
-        <a:font script="Olck" typeface="Nirmala UI"/>
-        <a:font script="Osma" typeface="Ebrima"/>
-        <a:font script="Phag" typeface="Phagspa"/>
-        <a:font script="Syrn" typeface="Estrangelo Edessa"/>
-        <a:font script="Syrj" typeface="Estrangelo Edessa"/>
-        <a:font script="Syre" typeface="Estrangelo Edessa"/>
-        <a:font script="Sora" typeface="Nirmala UI"/>
-        <a:font script="Tale" typeface="Microsoft Tai Le"/>
-        <a:font script="Talu" typeface="Microsoft New Tai Lue"/>
-        <a:font script="Tfng" typeface="Ebrima"/>
-      </a:majorFont>
-      <a:minorFont>
-        <a:latin typeface="Calibri" panose="020F0502020204030204"/>
-        <a:ea typeface=""/>
-        <a:cs typeface=""/>
-        <a:font script="Jpan" typeface="游ゴシック"/>
-        <a:font script="Hang" typeface="맑은 고딕"/>
-        <a:font script="Hans" typeface="等线"/>
-        <a:font script="Hant" typeface="新細明體"/>
-        <a:font script="Arab" typeface="Arial"/>
-        <a:font script="Hebr" typeface="Arial"/>
-        <a:font script="Thai" typeface="Cordia New"/>
-        <a:font script="Ethi" typeface="Nyala"/>
-        <a:font script="Beng" typeface="Vrinda"/>
-        <a:font script="Gujr" typeface="Shruti"/>
-        <a:font script="Khmr" typeface="DaunPenh"/>
-        <a:font script="Knda" typeface="Tunga"/>
-        <a:font script="Guru" typeface="Raavi"/>
-        <a:font script="Cans" typeface="Euphemia"/>
-        <a:font script="Cher" typeface="Plantagenet Cherokee"/>
-        <a:font script="Yiii" typeface="Microsoft Yi Baiti"/>
-        <a:font script="Tibt" typeface="Microsoft Himalaya"/>
-        <a:font script="Thaa" typeface="MV Boli"/>
-        <a:font script="Deva" typeface="Mangal"/>
-        <a:font script="Telu" typeface="Gautami"/>
-        <a:font script="Taml" typeface="Latha"/>
-        <a:font script="Syrc" typeface="Estrangelo Edessa"/>
-        <a:font script="Orya" typeface="Kalinga"/>
-        <a:font script="Mlym" typeface="Kartika"/>
-        <a:font script="Laoo" typeface="DokChampa"/>
-        <a:font script="Sinh" typeface="Iskoola Pota"/>
-        <a:font script="Mong" typeface="Mongolian Baiti"/>
-        <a:font script="Viet" typeface="Arial"/>
-        <a:font script="Uigh" typeface="Microsoft Uighur"/>
-        <a:font script="Geor" typeface="Sylfaen"/>
-        <a:font script="Armn" typeface="Arial"/>
-        <a:font script="Bugi" typeface="Leelawadee UI"/>
-        <a:font script="Bopo" typeface="Microsoft JhengHei"/>
-        <a:font script="Java" typeface="Javanese Text"/>
-        <a:font script="Lisu" typeface="Segoe UI"/>
-        <a:font script="Mymr" typeface="Myanmar Text"/>
-        <a:font script="Nkoo" typeface="Ebrima"/>
-        <a:font script="Olck" typeface="Nirmala UI"/>
-        <a:font script="Osma" typeface="Ebrima"/>
-        <a:font script="Phag" typeface="Phagspa"/>
-        <a:font script="Syrn" typeface="Estrangelo Edessa"/>
-        <a:font script="Syrj" typeface="Estrangelo Edessa"/>
-        <a:font script="Syre" typeface="Estrangelo Edessa"/>
-        <a:font script="Sora" typeface="Nirmala UI"/>
-        <a:font script="Tale" typeface="Microsoft Tai Le"/>
-        <a:font script="Talu" typeface="Microsoft New Tai Lue"/>
-        <a:font script="Tfng" typeface="Ebrima"/>
-      </a:minorFont>
-    </a:fontScheme>
-    <a:fmtScheme name="Office">
-      <a:fillStyleLst>
-        <a:solidFill>
-          <a:schemeClr val="phClr"/>
-        </a:solidFill>
-        <a:gradFill rotWithShape="1">
-          <a:gsLst>
-            <a:gs pos="0">
-              <a:schemeClr val="phClr">
-                <a:lumMod val="110000"/>
-                <a:satMod val="105000"/>
-                <a:tint val="67000"/>
-              </a:schemeClr>
-            </a:gs>
-            <a:gs pos="50000">
-              <a:schemeClr val="phClr">
-                <a:lumMod val="105000"/>
-                <a:satMod val="103000"/>
-                <a:tint val="73000"/>
-              </a:schemeClr>
-            </a:gs>
-            <a:gs pos="100000">
-              <a:schemeClr val="phClr">
-                <a:lumMod val="105000"/>
-                <a:satMod val="109000"/>
-                <a:tint val="81000"/>
-              </a:schemeClr>
-            </a:gs>
-          </a:gsLst>
-          <a:lin ang="5400000" scaled="0"/>
-        </a:gradFill>
-        <a:gradFill rotWithShape="1">
-          <a:gsLst>
-            <a:gs pos="0">
-              <a:schemeClr val="phClr">
-                <a:satMod val="103000"/>
-                <a:lumMod val="102000"/>
-                <a:tint val="94000"/>
-              </a:schemeClr>
-            </a:gs>
-            <a:gs pos="50000">
-              <a:schemeClr val="phClr">
-                <a:satMod val="110000"/>
-                <a:lumMod val="100000"/>
-                <a:shade val="100000"/>
-              </a:schemeClr>
-            </a:gs>
-            <a:gs pos="100000">
-              <a:schemeClr val="phClr">
-                <a:lumMod val="99000"/>
-                <a:satMod val="120000"/>
-                <a:shade val="78000"/>
-              </a:schemeClr>
-            </a:gs>
-          </a:gsLst>
-          <a:lin ang="5400000" scaled="0"/>
-        </a:gradFill>
-      </a:fillStyleLst>
-      <a:lnStyleLst>
-        <a:ln w="6350" cap="flat" cmpd="sng" algn="ctr">
-          <a:solidFill>
-            <a:schemeClr val="phClr"/>
-          </a:solidFill>
-          <a:prstDash val="solid"/>
-          <a:miter lim="800000"/>
-        </a:ln>
-        <a:ln w="12700" cap="flat" cmpd="sng" algn="ctr">
-          <a:solidFill>
-            <a:schemeClr val="phClr"/>
-          </a:solidFill>
-          <a:prstDash val="solid"/>
-          <a:miter lim="800000"/>
-        </a:ln>
-        <a:ln w="19050" cap="flat" cmpd="sng" algn="ctr">
-          <a:solidFill>
-            <a:schemeClr val="phClr"/>
-          </a:solidFill>
-          <a:prstDash val="solid"/>
-          <a:miter lim="800000"/>
-        </a:ln>
-      </a:lnStyleLst>
-      <a:effectStyleLst>
-        <a:effectStyle>
-          <a:effectLst/>
-        </a:effectStyle>
-        <a:effectStyle>
-          <a:effectLst/>
-        </a:effectStyle>
-        <a:effectStyle>
-          <a:effectLst>
-            <a:outerShdw blurRad="57150" dist="19050" dir="5400000" algn="ctr" rotWithShape="0">
-              <a:srgbClr val="000000">
-                <a:alpha val="63000"/>
-              </a:srgbClr>
-            </a:outerShdw>
-          </a:effectLst>
-        </a:effectStyle>
-      </a:effectStyleLst>
-      <a:bgFillStyleLst>
-        <a:solidFill>
-          <a:schemeClr val="phClr"/>
-        </a:solidFill>
-        <a:solidFill>
-          <a:schemeClr val="phClr">
-            <a:tint val="95000"/>
-            <a:satMod val="170000"/>
-          </a:schemeClr>
-        </a:solidFill>
-        <a:gradFill rotWithShape="1">
-          <a:gsLst>
-            <a:gs pos="0">
-              <a:schemeClr val="phClr">
-                <a:tint val="93000"/>
-                <a:satMod val="150000"/>
-                <a:shade val="98000"/>
-                <a:lumMod val="102000"/>
-              </a:schemeClr>
-            </a:gs>
-            <a:gs pos="50000">
-              <a:schemeClr val="phClr">
-                <a:tint val="98000"/>
-                <a:satMod val="130000"/>
-                <a:shade val="90000"/>
-                <a:lumMod val="103000"/>
-              </a:schemeClr>
-            </a:gs>
-            <a:gs pos="100000">
-              <a:schemeClr val="phClr">
-                <a:shade val="63000"/>
-                <a:satMod val="120000"/>
-              </a:schemeClr>
-            </a:gs>
-          </a:gsLst>
-          <a:lin ang="5400000" scaled="0"/>
-        </a:gradFill>
-      </a:bgFillStyleLst>
-    </a:fmtScheme>
-  </a:themeElements>
-  <a:objectDefaults/>
-  <a:extraClrSchemeLst/>
-  <a:extLst>
-    <a:ext uri="{05A4C25C-085E-4340-85A3-A5531E510DB2}">
-      <thm15:themeFamily xmlns:thm15="http://schemas.microsoft.com/office/thememl/2012/main" name="Office Theme" id="{62F939B6-93AF-4DB8-9C6B-D6C7DFDC589F}" vid="{4A3C46E8-61CC-4603-A589-7422A47A8E4A}"/>
-    </a:ext>
-  </a:extLst>
-</a:theme>
 </file>